--- a/Paper/EPE 2018/Poster/GradStar Poster.pptx
+++ b/Paper/EPE 2018/Poster/GradStar Poster.pptx
@@ -1796,45 +1796,6 @@
       </p:grpSp>
       <p:sp>
         <p:nvSpPr>
-          <p:cNvPr id="60" name="AutoShape 4"/>
-          <p:cNvSpPr>
-            <a:spLocks noChangeArrowheads="1"/>
-          </p:cNvSpPr>
-          <p:nvPr/>
-        </p:nvSpPr>
-        <p:spPr bwMode="auto">
-          <a:xfrm>
-            <a:off x="519170" y="40604557"/>
-            <a:ext cx="29198830" cy="1638154"/>
-          </a:xfrm>
-          <a:prstGeom prst="roundRect">
-            <a:avLst>
-              <a:gd name="adj" fmla="val 7000"/>
-            </a:avLst>
-          </a:prstGeom>
-          <a:solidFill>
-            <a:schemeClr val="bg1"/>
-          </a:solidFill>
-          <a:ln w="9525">
-            <a:solidFill>
-              <a:schemeClr val="tx1"/>
-            </a:solidFill>
-            <a:round/>
-            <a:headEnd/>
-            <a:tailEnd/>
-          </a:ln>
-          <a:effectLst/>
-        </p:spPr>
-        <p:txBody>
-          <a:bodyPr wrap="none" anchor="ctr"/>
-          <a:lstStyle/>
-          <a:p>
-            <a:endParaRPr lang="en-US" noProof="1"/>
-          </a:p>
-        </p:txBody>
-      </p:sp>
-      <p:sp>
-        <p:nvSpPr>
           <p:cNvPr id="22" name="AutoShape 50"/>
           <p:cNvSpPr>
             <a:spLocks noChangeArrowheads="1"/>
@@ -1843,8 +1804,8 @@
         </p:nvSpPr>
         <p:spPr bwMode="auto">
           <a:xfrm>
-            <a:off x="15544800" y="8236089"/>
-            <a:ext cx="14173200" cy="32177970"/>
+            <a:off x="15544800" y="8148123"/>
+            <a:ext cx="14173200" cy="34210318"/>
           </a:xfrm>
           <a:prstGeom prst="roundRect">
             <a:avLst>
@@ -1883,7 +1844,7 @@
         <p:spPr bwMode="auto">
           <a:xfrm>
             <a:off x="571500" y="8127999"/>
-            <a:ext cx="14058900" cy="32286060"/>
+            <a:ext cx="14058900" cy="34230442"/>
           </a:xfrm>
           <a:prstGeom prst="roundRect">
             <a:avLst>
@@ -1985,8 +1946,8 @@
         </p:nvSpPr>
         <p:spPr bwMode="auto">
           <a:xfrm>
-            <a:off x="4538444" y="1137723"/>
-            <a:ext cx="20628077" cy="3046988"/>
+            <a:off x="2817587" y="681557"/>
+            <a:ext cx="24265156" cy="3877985"/>
           </a:xfrm>
           <a:prstGeom prst="rect">
             <a:avLst/>
@@ -2006,12 +1967,22 @@
           </a:bodyPr>
           <a:lstStyle/>
           <a:p>
-            <a:pPr defTabSz="4389438"/>
-            <a:r>
-              <a:rPr lang="tr-TR" sz="9600" b="1" noProof="1" smtClean="0"/>
-              <a:t>Characterization of Gallium-Nitride Based Power Transistors</a:t>
-            </a:r>
-            <a:endParaRPr lang="en-US" sz="9600" b="1" noProof="1" smtClean="0"/>
+            <a:r>
+              <a:rPr lang="en-US" b="1" dirty="0"/>
+              <a:t>Investigation of Turn-on and Turn-off Characteristics of </a:t>
+            </a:r>
+            <a:r>
+              <a:rPr lang="en-US" b="1" dirty="0" smtClean="0"/>
+              <a:t>Enhancement-Mode </a:t>
+            </a:r>
+            <a:endParaRPr lang="tr-TR" b="1" dirty="0" smtClean="0"/>
+          </a:p>
+          <a:p>
+            <a:r>
+              <a:rPr lang="en-US" b="1" dirty="0" smtClean="0"/>
+              <a:t>GaN Power Transistors</a:t>
+            </a:r>
+            <a:endParaRPr lang="en-GB" dirty="0"/>
           </a:p>
         </p:txBody>
       </p:sp>
@@ -2438,9 +2409,81 @@
           </a:p>
         </p:txBody>
       </p:sp>
+      <p:pic>
+        <p:nvPicPr>
+          <p:cNvPr id="122" name="Picture 23"/>
+          <p:cNvPicPr/>
+          <p:nvPr/>
+        </p:nvPicPr>
+        <p:blipFill rotWithShape="1">
+          <a:blip r:embed="rId8" cstate="print">
+            <a:extLst>
+              <a:ext uri="{28A0092B-C50C-407E-A947-70E740481C1C}">
+                <a14:useLocalDpi xmlns:a14="http://schemas.microsoft.com/office/drawing/2010/main" val="0"/>
+              </a:ext>
+            </a:extLst>
+          </a:blip>
+          <a:srcRect l="1" t="5631" r="6374"/>
+          <a:stretch/>
+        </p:blipFill>
+        <p:spPr bwMode="auto">
+          <a:xfrm>
+            <a:off x="1376077" y="21752164"/>
+            <a:ext cx="5593656" cy="5000335"/>
+          </a:xfrm>
+          <a:prstGeom prst="rect">
+            <a:avLst/>
+          </a:prstGeom>
+          <a:noFill/>
+          <a:ln>
+            <a:noFill/>
+          </a:ln>
+          <a:extLst>
+            <a:ext uri="{53640926-AAD7-44D8-BBD7-CCE9431645EC}">
+              <a14:shadowObscured xmlns:a14="http://schemas.microsoft.com/office/drawing/2010/main"/>
+            </a:ext>
+          </a:extLst>
+        </p:spPr>
+      </p:pic>
+      <p:pic>
+        <p:nvPicPr>
+          <p:cNvPr id="123" name="Picture 3"/>
+          <p:cNvPicPr/>
+          <p:nvPr/>
+        </p:nvPicPr>
+        <p:blipFill rotWithShape="1">
+          <a:blip r:embed="rId9" cstate="print">
+            <a:extLst>
+              <a:ext uri="{28A0092B-C50C-407E-A947-70E740481C1C}">
+                <a14:useLocalDpi xmlns:a14="http://schemas.microsoft.com/office/drawing/2010/main" val="0"/>
+              </a:ext>
+            </a:extLst>
+          </a:blip>
+          <a:srcRect l="1981" t="1511" r="7833"/>
+          <a:stretch/>
+        </p:blipFill>
+        <p:spPr bwMode="auto">
+          <a:xfrm>
+            <a:off x="8024323" y="21752164"/>
+            <a:ext cx="5664267" cy="5000335"/>
+          </a:xfrm>
+          <a:prstGeom prst="rect">
+            <a:avLst/>
+          </a:prstGeom>
+          <a:noFill/>
+          <a:ln>
+            <a:noFill/>
+          </a:ln>
+          <a:extLst>
+            <a:ext uri="{53640926-AAD7-44D8-BBD7-CCE9431645EC}">
+              <a14:shadowObscured xmlns:a14="http://schemas.microsoft.com/office/drawing/2010/main"/>
+            </a:ext>
+          </a:extLst>
+        </p:spPr>
+      </p:pic>
       <p:sp>
         <p:nvSpPr>
-          <p:cNvPr id="121" name="Metin kutusu 56"/>
+          <p:cNvPr id="54" name="Text Box 14"/>
           <p:cNvSpPr txBox="1">
             <a:spLocks noChangeArrowheads="1"/>
           </p:cNvSpPr>
@@ -2448,7 +2491,1843 @@
         </p:nvSpPr>
         <p:spPr bwMode="auto">
           <a:xfrm>
-            <a:off x="15392603" y="25595115"/>
+            <a:off x="16209454" y="4447641"/>
+            <a:ext cx="13245158" cy="1723549"/>
+          </a:xfrm>
+          <a:prstGeom prst="rect">
+            <a:avLst/>
+          </a:prstGeom>
+          <a:noFill/>
+          <a:ln w="9525">
+            <a:noFill/>
+            <a:miter lim="800000"/>
+            <a:headEnd/>
+            <a:tailEnd/>
+          </a:ln>
+          <a:effectLst/>
+        </p:spPr>
+        <p:txBody>
+          <a:bodyPr wrap="square">
+            <a:spAutoFit/>
+          </a:bodyPr>
+          <a:lstStyle/>
+          <a:p>
+            <a:pPr defTabSz="4389438"/>
+            <a:r>
+              <a:rPr lang="tr-TR" sz="6600" noProof="1" smtClean="0"/>
+              <a:t>Ozan Keysan</a:t>
+            </a:r>
+            <a:endParaRPr lang="en-US" sz="6600" noProof="1" smtClean="0"/>
+          </a:p>
+          <a:p>
+            <a:pPr defTabSz="4389438"/>
+            <a:r>
+              <a:rPr lang="tr-TR" sz="4000" i="1" noProof="1" smtClean="0"/>
+              <a:t>(keysan</a:t>
+            </a:r>
+            <a:r>
+              <a:rPr lang="en-US" sz="4000" i="1" noProof="1" smtClean="0"/>
+              <a:t>@metu.edu.tr</a:t>
+            </a:r>
+            <a:r>
+              <a:rPr lang="tr-TR" sz="4000" i="1" noProof="1" smtClean="0"/>
+              <a:t>)</a:t>
+            </a:r>
+            <a:endParaRPr lang="en-US" sz="7200" noProof="1"/>
+          </a:p>
+        </p:txBody>
+      </p:sp>
+      <p:sp>
+        <p:nvSpPr>
+          <p:cNvPr id="55" name="Text Box 14"/>
+          <p:cNvSpPr txBox="1">
+            <a:spLocks noChangeArrowheads="1"/>
+          </p:cNvSpPr>
+          <p:nvPr/>
+        </p:nvSpPr>
+        <p:spPr bwMode="auto">
+          <a:xfrm>
+            <a:off x="8493596" y="6534970"/>
+            <a:ext cx="13245158" cy="830997"/>
+          </a:xfrm>
+          <a:prstGeom prst="rect">
+            <a:avLst/>
+          </a:prstGeom>
+          <a:noFill/>
+          <a:ln w="9525">
+            <a:noFill/>
+            <a:miter lim="800000"/>
+            <a:headEnd/>
+            <a:tailEnd/>
+          </a:ln>
+          <a:effectLst/>
+        </p:spPr>
+        <p:txBody>
+          <a:bodyPr wrap="square">
+            <a:spAutoFit/>
+          </a:bodyPr>
+          <a:lstStyle/>
+          <a:p>
+            <a:pPr defTabSz="4389438"/>
+            <a:r>
+              <a:rPr lang="en-US" sz="4800" b="1" i="1" noProof="1" smtClean="0"/>
+              <a:t>PowerLab Research Group</a:t>
+            </a:r>
+            <a:r>
+              <a:rPr lang="tr-TR" sz="4800" b="1" i="1" noProof="1" smtClean="0"/>
+              <a:t>, </a:t>
+            </a:r>
+            <a:r>
+              <a:rPr lang="en-US" sz="4800" b="1" i="1" noProof="1" smtClean="0"/>
+              <a:t>METU, ANKARA </a:t>
+            </a:r>
+            <a:endParaRPr lang="tr-TR" sz="4800" b="1" i="1" noProof="1" smtClean="0"/>
+          </a:p>
+        </p:txBody>
+      </p:sp>
+      <p:sp>
+        <p:nvSpPr>
+          <p:cNvPr id="63" name="Text Box 14"/>
+          <p:cNvSpPr txBox="1">
+            <a:spLocks noChangeArrowheads="1"/>
+          </p:cNvSpPr>
+          <p:nvPr/>
+        </p:nvSpPr>
+        <p:spPr bwMode="auto">
+          <a:xfrm>
+            <a:off x="8703074" y="4455765"/>
+            <a:ext cx="13245158" cy="1723549"/>
+          </a:xfrm>
+          <a:prstGeom prst="rect">
+            <a:avLst/>
+          </a:prstGeom>
+          <a:noFill/>
+          <a:ln w="9525">
+            <a:noFill/>
+            <a:miter lim="800000"/>
+            <a:headEnd/>
+            <a:tailEnd/>
+          </a:ln>
+          <a:effectLst/>
+        </p:spPr>
+        <p:txBody>
+          <a:bodyPr wrap="square" anchor="ctr">
+            <a:spAutoFit/>
+          </a:bodyPr>
+          <a:lstStyle/>
+          <a:p>
+            <a:pPr defTabSz="4389438"/>
+            <a:r>
+              <a:rPr lang="tr-TR" sz="6600" noProof="1" smtClean="0"/>
+              <a:t>Mesut Ugur</a:t>
+            </a:r>
+            <a:endParaRPr lang="en-US" sz="6600" noProof="1" smtClean="0"/>
+          </a:p>
+          <a:p>
+            <a:pPr defTabSz="4389438"/>
+            <a:r>
+              <a:rPr lang="tr-TR" sz="4000" i="1" noProof="1" smtClean="0"/>
+              <a:t>(ugurm</a:t>
+            </a:r>
+            <a:r>
+              <a:rPr lang="en-US" sz="4000" i="1" noProof="1" smtClean="0"/>
+              <a:t>@metu.edu.tr</a:t>
+            </a:r>
+            <a:r>
+              <a:rPr lang="tr-TR" sz="4000" i="1" noProof="1" smtClean="0"/>
+              <a:t>)</a:t>
+            </a:r>
+            <a:endParaRPr lang="en-US" sz="7200" noProof="1"/>
+          </a:p>
+        </p:txBody>
+      </p:sp>
+      <p:pic>
+        <p:nvPicPr>
+          <p:cNvPr id="11" name="Resim 10"/>
+          <p:cNvPicPr>
+            <a:picLocks noChangeAspect="1"/>
+          </p:cNvPicPr>
+          <p:nvPr/>
+        </p:nvPicPr>
+        <p:blipFill>
+          <a:blip r:embed="rId10"/>
+          <a:stretch>
+            <a:fillRect/>
+          </a:stretch>
+        </p:blipFill>
+        <p:spPr>
+          <a:xfrm>
+            <a:off x="9587056" y="4663319"/>
+            <a:ext cx="847105" cy="1446705"/>
+          </a:xfrm>
+          <a:prstGeom prst="rect">
+            <a:avLst/>
+          </a:prstGeom>
+        </p:spPr>
+      </p:pic>
+      <p:sp>
+        <p:nvSpPr>
+          <p:cNvPr id="15" name="Metin kutusu 14"/>
+          <p:cNvSpPr txBox="1"/>
+          <p:nvPr/>
+        </p:nvSpPr>
+        <p:spPr>
+          <a:xfrm>
+            <a:off x="939073" y="9522801"/>
+            <a:ext cx="13323753" cy="3416320"/>
+          </a:xfrm>
+          <a:prstGeom prst="rect">
+            <a:avLst/>
+          </a:prstGeom>
+          <a:noFill/>
+        </p:spPr>
+        <p:txBody>
+          <a:bodyPr wrap="square" rtlCol="0">
+            <a:spAutoFit/>
+          </a:bodyPr>
+          <a:lstStyle/>
+          <a:p>
+            <a:pPr algn="just"/>
+            <a:r>
+              <a:rPr lang="en-GB" sz="3600" dirty="0">
+                <a:latin typeface="Times New Roman" panose="02020603050405020304" pitchFamily="18" charset="0"/>
+                <a:cs typeface="Times New Roman" panose="02020603050405020304" pitchFamily="18" charset="0"/>
+              </a:rPr>
+              <a:t>In this paper, turn-on and turn-off switching </a:t>
+            </a:r>
+            <a:r>
+              <a:rPr lang="en-GB" sz="3600" dirty="0" smtClean="0">
+                <a:latin typeface="Times New Roman" panose="02020603050405020304" pitchFamily="18" charset="0"/>
+                <a:cs typeface="Times New Roman" panose="02020603050405020304" pitchFamily="18" charset="0"/>
+              </a:rPr>
+              <a:t>behaviour </a:t>
+            </a:r>
+            <a:r>
+              <a:rPr lang="en-GB" sz="3600" dirty="0">
+                <a:latin typeface="Times New Roman" panose="02020603050405020304" pitchFamily="18" charset="0"/>
+                <a:cs typeface="Times New Roman" panose="02020603050405020304" pitchFamily="18" charset="0"/>
+              </a:rPr>
+              <a:t>of 650V enhancement-mode GaN power </a:t>
+            </a:r>
+            <a:r>
+              <a:rPr lang="en-GB" sz="3600" dirty="0" smtClean="0">
+                <a:latin typeface="Times New Roman" panose="02020603050405020304" pitchFamily="18" charset="0"/>
+                <a:cs typeface="Times New Roman" panose="02020603050405020304" pitchFamily="18" charset="0"/>
+              </a:rPr>
+              <a:t>FETs</a:t>
+            </a:r>
+            <a:r>
+              <a:rPr lang="tr-TR" sz="3600" dirty="0" smtClean="0">
+                <a:latin typeface="Times New Roman" panose="02020603050405020304" pitchFamily="18" charset="0"/>
+                <a:cs typeface="Times New Roman" panose="02020603050405020304" pitchFamily="18" charset="0"/>
+              </a:rPr>
+              <a:t> </a:t>
+            </a:r>
+            <a:r>
+              <a:rPr lang="en-GB" sz="3600" dirty="0" smtClean="0">
+                <a:latin typeface="Times New Roman" panose="02020603050405020304" pitchFamily="18" charset="0"/>
+                <a:cs typeface="Times New Roman" panose="02020603050405020304" pitchFamily="18" charset="0"/>
+              </a:rPr>
+              <a:t>are </a:t>
+            </a:r>
+            <a:r>
+              <a:rPr lang="en-GB" sz="3600" dirty="0">
+                <a:latin typeface="Times New Roman" panose="02020603050405020304" pitchFamily="18" charset="0"/>
+                <a:cs typeface="Times New Roman" panose="02020603050405020304" pitchFamily="18" charset="0"/>
+              </a:rPr>
+              <a:t>investigated. An analytical model is developed to </a:t>
+            </a:r>
+            <a:r>
+              <a:rPr lang="en-GB" sz="3600" dirty="0" smtClean="0">
+                <a:latin typeface="Times New Roman" panose="02020603050405020304" pitchFamily="18" charset="0"/>
+                <a:cs typeface="Times New Roman" panose="02020603050405020304" pitchFamily="18" charset="0"/>
+              </a:rPr>
+              <a:t>analyse </a:t>
+            </a:r>
+            <a:r>
+              <a:rPr lang="en-GB" sz="3600" dirty="0">
+                <a:latin typeface="Times New Roman" panose="02020603050405020304" pitchFamily="18" charset="0"/>
+                <a:cs typeface="Times New Roman" panose="02020603050405020304" pitchFamily="18" charset="0"/>
+              </a:rPr>
+              <a:t>the current-voltage characteristics of </a:t>
+            </a:r>
+            <a:r>
+              <a:rPr lang="en-GB" sz="3600" dirty="0" smtClean="0">
+                <a:latin typeface="Times New Roman" panose="02020603050405020304" pitchFamily="18" charset="0"/>
+                <a:cs typeface="Times New Roman" panose="02020603050405020304" pitchFamily="18" charset="0"/>
+              </a:rPr>
+              <a:t>the</a:t>
+            </a:r>
+            <a:r>
+              <a:rPr lang="tr-TR" sz="3600" dirty="0" smtClean="0">
+                <a:latin typeface="Times New Roman" panose="02020603050405020304" pitchFamily="18" charset="0"/>
+                <a:cs typeface="Times New Roman" panose="02020603050405020304" pitchFamily="18" charset="0"/>
+              </a:rPr>
+              <a:t> </a:t>
+            </a:r>
+            <a:r>
+              <a:rPr lang="en-GB" sz="3600" dirty="0" smtClean="0">
+                <a:latin typeface="Times New Roman" panose="02020603050405020304" pitchFamily="18" charset="0"/>
+                <a:cs typeface="Times New Roman" panose="02020603050405020304" pitchFamily="18" charset="0"/>
+              </a:rPr>
+              <a:t>device </a:t>
+            </a:r>
+            <a:r>
+              <a:rPr lang="en-GB" sz="3600" dirty="0">
+                <a:latin typeface="Times New Roman" panose="02020603050405020304" pitchFamily="18" charset="0"/>
+                <a:cs typeface="Times New Roman" panose="02020603050405020304" pitchFamily="18" charset="0"/>
+              </a:rPr>
+              <a:t>during switching transients both with and without the effects of parasitic components. In </a:t>
+            </a:r>
+            <a:r>
+              <a:rPr lang="en-GB" sz="3600" dirty="0" smtClean="0">
+                <a:latin typeface="Times New Roman" panose="02020603050405020304" pitchFamily="18" charset="0"/>
+                <a:cs typeface="Times New Roman" panose="02020603050405020304" pitchFamily="18" charset="0"/>
+              </a:rPr>
+              <a:t>addition,</a:t>
+            </a:r>
+            <a:r>
+              <a:rPr lang="tr-TR" sz="3600" dirty="0" smtClean="0">
+                <a:latin typeface="Times New Roman" panose="02020603050405020304" pitchFamily="18" charset="0"/>
+                <a:cs typeface="Times New Roman" panose="02020603050405020304" pitchFamily="18" charset="0"/>
+              </a:rPr>
+              <a:t> </a:t>
+            </a:r>
+            <a:r>
+              <a:rPr lang="en-GB" sz="3600" dirty="0" smtClean="0">
+                <a:latin typeface="Times New Roman" panose="02020603050405020304" pitchFamily="18" charset="0"/>
+                <a:cs typeface="Times New Roman" panose="02020603050405020304" pitchFamily="18" charset="0"/>
+              </a:rPr>
+              <a:t>the </a:t>
+            </a:r>
+            <a:r>
+              <a:rPr lang="en-GB" sz="3600" dirty="0">
+                <a:latin typeface="Times New Roman" panose="02020603050405020304" pitchFamily="18" charset="0"/>
+                <a:cs typeface="Times New Roman" panose="02020603050405020304" pitchFamily="18" charset="0"/>
+              </a:rPr>
+              <a:t>effect of the temperature and circuit parameters on the switching characteristics are investigated.</a:t>
+            </a:r>
+            <a:endParaRPr lang="en-GB" sz="3600" dirty="0">
+              <a:latin typeface="Times New Roman" panose="02020603050405020304" pitchFamily="18" charset="0"/>
+              <a:cs typeface="Times New Roman" panose="02020603050405020304" pitchFamily="18" charset="0"/>
+            </a:endParaRPr>
+          </a:p>
+        </p:txBody>
+      </p:sp>
+      <p:sp>
+        <p:nvSpPr>
+          <p:cNvPr id="16" name="Rectangle 2"/>
+          <p:cNvSpPr>
+            <a:spLocks noChangeArrowheads="1"/>
+          </p:cNvSpPr>
+          <p:nvPr/>
+        </p:nvSpPr>
+        <p:spPr bwMode="auto">
+          <a:xfrm>
+            <a:off x="0" y="0"/>
+            <a:ext cx="30275213" cy="0"/>
+          </a:xfrm>
+          <a:prstGeom prst="rect">
+            <a:avLst/>
+          </a:prstGeom>
+          <a:noFill/>
+          <a:ln>
+            <a:noFill/>
+          </a:ln>
+          <a:effectLst/>
+          <a:extLst>
+            <a:ext uri="{909E8E84-426E-40DD-AFC4-6F175D3DCCD1}">
+              <a14:hiddenFill xmlns:a14="http://schemas.microsoft.com/office/drawing/2010/main">
+                <a:solidFill>
+                  <a:schemeClr val="accent1"/>
+                </a:solidFill>
+              </a14:hiddenFill>
+            </a:ext>
+            <a:ext uri="{91240B29-F687-4F45-9708-019B960494DF}">
+              <a14:hiddenLine xmlns:a14="http://schemas.microsoft.com/office/drawing/2010/main" w="9525">
+                <a:solidFill>
+                  <a:schemeClr val="tx1"/>
+                </a:solidFill>
+                <a:miter lim="800000"/>
+                <a:headEnd/>
+                <a:tailEnd/>
+              </a14:hiddenLine>
+            </a:ext>
+            <a:ext uri="{AF507438-7753-43E0-B8FC-AC1667EBCBE1}">
+              <a14:hiddenEffects xmlns:a14="http://schemas.microsoft.com/office/drawing/2010/main">
+                <a:effectLst>
+                  <a:outerShdw dist="35921" dir="2700000" algn="ctr" rotWithShape="0">
+                    <a:schemeClr val="bg2"/>
+                  </a:outerShdw>
+                </a:effectLst>
+              </a14:hiddenEffects>
+            </a:ext>
+          </a:extLst>
+        </p:spPr>
+        <p:txBody>
+          <a:bodyPr vert="horz" wrap="none" lIns="91440" tIns="45720" rIns="91440" bIns="45720" numCol="1" anchor="ctr" anchorCtr="0" compatLnSpc="1">
+            <a:prstTxWarp prst="textNoShape">
+              <a:avLst/>
+            </a:prstTxWarp>
+            <a:spAutoFit/>
+          </a:bodyPr>
+          <a:lstStyle/>
+          <a:p>
+            <a:endParaRPr lang="en-GB"/>
+          </a:p>
+        </p:txBody>
+      </p:sp>
+      <p:sp>
+        <p:nvSpPr>
+          <p:cNvPr id="71" name="Text Box 42"/>
+          <p:cNvSpPr txBox="1">
+            <a:spLocks noChangeArrowheads="1"/>
+          </p:cNvSpPr>
+          <p:nvPr/>
+        </p:nvSpPr>
+        <p:spPr bwMode="auto">
+          <a:xfrm>
+            <a:off x="3919501" y="13468265"/>
+            <a:ext cx="7372350" cy="923330"/>
+          </a:xfrm>
+          <a:prstGeom prst="rect">
+            <a:avLst/>
+          </a:prstGeom>
+          <a:noFill/>
+          <a:ln w="9525">
+            <a:noFill/>
+            <a:miter lim="800000"/>
+            <a:headEnd/>
+            <a:tailEnd/>
+          </a:ln>
+          <a:effectLst/>
+        </p:spPr>
+        <p:txBody>
+          <a:bodyPr>
+            <a:spAutoFit/>
+          </a:bodyPr>
+          <a:lstStyle/>
+          <a:p>
+            <a:pPr defTabSz="4389438">
+              <a:spcBef>
+                <a:spcPct val="50000"/>
+              </a:spcBef>
+            </a:pPr>
+            <a:r>
+              <a:rPr lang="tr-TR" sz="5400" b="1" noProof="1" smtClean="0"/>
+              <a:t>GaN Modeling</a:t>
+            </a:r>
+            <a:endParaRPr lang="en-US" sz="5400" b="1" noProof="1"/>
+          </a:p>
+        </p:txBody>
+      </p:sp>
+      <p:pic>
+        <p:nvPicPr>
+          <p:cNvPr id="21" name="Resim 20"/>
+          <p:cNvPicPr>
+            <a:picLocks noChangeAspect="1"/>
+          </p:cNvPicPr>
+          <p:nvPr/>
+        </p:nvPicPr>
+        <p:blipFill rotWithShape="1">
+          <a:blip r:embed="rId11"/>
+          <a:srcRect l="1" r="64690"/>
+          <a:stretch/>
+        </p:blipFill>
+        <p:spPr>
+          <a:xfrm>
+            <a:off x="612742" y="14649448"/>
+            <a:ext cx="6454808" cy="5442204"/>
+          </a:xfrm>
+          <a:prstGeom prst="rect">
+            <a:avLst/>
+          </a:prstGeom>
+        </p:spPr>
+      </p:pic>
+      <p:sp>
+        <p:nvSpPr>
+          <p:cNvPr id="77" name="Metin kutusu 76"/>
+          <p:cNvSpPr txBox="1"/>
+          <p:nvPr/>
+        </p:nvSpPr>
+        <p:spPr>
+          <a:xfrm>
+            <a:off x="1376077" y="20044805"/>
+            <a:ext cx="5843670" cy="1015663"/>
+          </a:xfrm>
+          <a:prstGeom prst="rect">
+            <a:avLst/>
+          </a:prstGeom>
+          <a:noFill/>
+        </p:spPr>
+        <p:txBody>
+          <a:bodyPr wrap="square" rtlCol="0">
+            <a:spAutoFit/>
+          </a:bodyPr>
+          <a:lstStyle/>
+          <a:p>
+            <a:pPr algn="l"/>
+            <a:r>
+              <a:rPr lang="en-US" sz="3000" dirty="0">
+                <a:latin typeface="Times New Roman" panose="02020603050405020304" pitchFamily="18" charset="0"/>
+                <a:cs typeface="Times New Roman" panose="02020603050405020304" pitchFamily="18" charset="0"/>
+              </a:rPr>
+              <a:t>Fig. 1: </a:t>
+            </a:r>
+            <a:r>
+              <a:rPr lang="tr-TR" sz="3000" dirty="0" smtClean="0">
+                <a:latin typeface="Times New Roman" panose="02020603050405020304" pitchFamily="18" charset="0"/>
+                <a:cs typeface="Times New Roman" panose="02020603050405020304" pitchFamily="18" charset="0"/>
+              </a:rPr>
+              <a:t>The</a:t>
+            </a:r>
+            <a:r>
+              <a:rPr lang="en-US" sz="3000" dirty="0" smtClean="0">
+                <a:latin typeface="Times New Roman" panose="02020603050405020304" pitchFamily="18" charset="0"/>
+                <a:cs typeface="Times New Roman" panose="02020603050405020304" pitchFamily="18" charset="0"/>
+              </a:rPr>
+              <a:t> </a:t>
+            </a:r>
+            <a:r>
+              <a:rPr lang="en-US" sz="3000" dirty="0">
+                <a:latin typeface="Times New Roman" panose="02020603050405020304" pitchFamily="18" charset="0"/>
+                <a:cs typeface="Times New Roman" panose="02020603050405020304" pitchFamily="18" charset="0"/>
+              </a:rPr>
+              <a:t>hybrid model of e-mode GaN power </a:t>
+            </a:r>
+            <a:r>
+              <a:rPr lang="en-US" sz="3000" dirty="0" smtClean="0">
+                <a:latin typeface="Times New Roman" panose="02020603050405020304" pitchFamily="18" charset="0"/>
+                <a:cs typeface="Times New Roman" panose="02020603050405020304" pitchFamily="18" charset="0"/>
+              </a:rPr>
+              <a:t>FET</a:t>
+            </a:r>
+          </a:p>
+        </p:txBody>
+      </p:sp>
+      <p:pic>
+        <p:nvPicPr>
+          <p:cNvPr id="29" name="Resim 28"/>
+          <p:cNvPicPr>
+            <a:picLocks noChangeAspect="1"/>
+          </p:cNvPicPr>
+          <p:nvPr/>
+        </p:nvPicPr>
+        <p:blipFill rotWithShape="1">
+          <a:blip r:embed="rId12"/>
+          <a:srcRect l="40026" r="23811"/>
+          <a:stretch/>
+        </p:blipFill>
+        <p:spPr>
+          <a:xfrm>
+            <a:off x="22832033" y="16897165"/>
+            <a:ext cx="5902616" cy="4961919"/>
+          </a:xfrm>
+          <a:prstGeom prst="rect">
+            <a:avLst/>
+          </a:prstGeom>
+        </p:spPr>
+      </p:pic>
+      <p:sp>
+        <p:nvSpPr>
+          <p:cNvPr id="82" name="Metin kutusu 81"/>
+          <p:cNvSpPr txBox="1"/>
+          <p:nvPr/>
+        </p:nvSpPr>
+        <p:spPr>
+          <a:xfrm>
+            <a:off x="1033404" y="27268470"/>
+            <a:ext cx="13229422" cy="1015663"/>
+          </a:xfrm>
+          <a:prstGeom prst="rect">
+            <a:avLst/>
+          </a:prstGeom>
+          <a:noFill/>
+        </p:spPr>
+        <p:txBody>
+          <a:bodyPr wrap="square" rtlCol="0">
+            <a:spAutoFit/>
+          </a:bodyPr>
+          <a:lstStyle/>
+          <a:p>
+            <a:pPr algn="l"/>
+            <a:r>
+              <a:rPr lang="en-US" sz="3000" dirty="0">
+                <a:latin typeface="Times New Roman" panose="02020603050405020304" pitchFamily="18" charset="0"/>
+                <a:cs typeface="Times New Roman" panose="02020603050405020304" pitchFamily="18" charset="0"/>
+              </a:rPr>
+              <a:t>Fig. </a:t>
+            </a:r>
+            <a:r>
+              <a:rPr lang="tr-TR" sz="3000" dirty="0" smtClean="0">
+                <a:latin typeface="Times New Roman" panose="02020603050405020304" pitchFamily="18" charset="0"/>
+                <a:cs typeface="Times New Roman" panose="02020603050405020304" pitchFamily="18" charset="0"/>
+              </a:rPr>
+              <a:t>2</a:t>
+            </a:r>
+            <a:r>
+              <a:rPr lang="en-US" sz="3000" dirty="0" smtClean="0">
+                <a:latin typeface="Times New Roman" panose="02020603050405020304" pitchFamily="18" charset="0"/>
+                <a:cs typeface="Times New Roman" panose="02020603050405020304" pitchFamily="18" charset="0"/>
+              </a:rPr>
+              <a:t>:</a:t>
+            </a:r>
+            <a:r>
+              <a:rPr lang="tr-TR" sz="3000" dirty="0" smtClean="0">
+                <a:latin typeface="Times New Roman" panose="02020603050405020304" pitchFamily="18" charset="0"/>
+                <a:cs typeface="Times New Roman" panose="02020603050405020304" pitchFamily="18" charset="0"/>
+              </a:rPr>
+              <a:t> </a:t>
+            </a:r>
+            <a:r>
+              <a:rPr lang="tr-TR" sz="3000" dirty="0" smtClean="0">
+                <a:latin typeface="Times New Roman" panose="02020603050405020304" pitchFamily="18" charset="0"/>
+                <a:cs typeface="Times New Roman" panose="02020603050405020304" pitchFamily="18" charset="0"/>
+              </a:rPr>
+              <a:t>Parasitic</a:t>
+            </a:r>
+            <a:r>
+              <a:rPr lang="tr-TR" sz="3000" dirty="0" smtClean="0">
+                <a:latin typeface="Times New Roman" panose="02020603050405020304" pitchFamily="18" charset="0"/>
+                <a:cs typeface="Times New Roman" panose="02020603050405020304" pitchFamily="18" charset="0"/>
+              </a:rPr>
+              <a:t> </a:t>
+            </a:r>
+            <a:r>
+              <a:rPr lang="tr-TR" sz="3000" dirty="0" smtClean="0">
+                <a:latin typeface="Times New Roman" panose="02020603050405020304" pitchFamily="18" charset="0"/>
+                <a:cs typeface="Times New Roman" panose="02020603050405020304" pitchFamily="18" charset="0"/>
+              </a:rPr>
+              <a:t>capacitances</a:t>
+            </a:r>
+            <a:r>
+              <a:rPr lang="tr-TR" sz="3000" dirty="0" smtClean="0">
+                <a:latin typeface="Times New Roman" panose="02020603050405020304" pitchFamily="18" charset="0"/>
+                <a:cs typeface="Times New Roman" panose="02020603050405020304" pitchFamily="18" charset="0"/>
+              </a:rPr>
+              <a:t> </a:t>
+            </a:r>
+            <a:r>
+              <a:rPr lang="tr-TR" sz="3000" dirty="0" smtClean="0">
+                <a:latin typeface="Times New Roman" panose="02020603050405020304" pitchFamily="18" charset="0"/>
+                <a:cs typeface="Times New Roman" panose="02020603050405020304" pitchFamily="18" charset="0"/>
+              </a:rPr>
+              <a:t>vs</a:t>
+            </a:r>
+            <a:r>
+              <a:rPr lang="tr-TR" sz="3000" dirty="0" smtClean="0">
+                <a:latin typeface="Times New Roman" panose="02020603050405020304" pitchFamily="18" charset="0"/>
+                <a:cs typeface="Times New Roman" panose="02020603050405020304" pitchFamily="18" charset="0"/>
+              </a:rPr>
+              <a:t> </a:t>
+            </a:r>
+            <a:r>
+              <a:rPr lang="tr-TR" sz="3000" dirty="0" smtClean="0">
+                <a:latin typeface="Times New Roman" panose="02020603050405020304" pitchFamily="18" charset="0"/>
+                <a:cs typeface="Times New Roman" panose="02020603050405020304" pitchFamily="18" charset="0"/>
+              </a:rPr>
+              <a:t>Drain</a:t>
+            </a:r>
+            <a:r>
+              <a:rPr lang="tr-TR" sz="3000" dirty="0" smtClean="0">
+                <a:latin typeface="Times New Roman" panose="02020603050405020304" pitchFamily="18" charset="0"/>
+                <a:cs typeface="Times New Roman" panose="02020603050405020304" pitchFamily="18" charset="0"/>
+              </a:rPr>
+              <a:t>-Source </a:t>
+            </a:r>
+            <a:r>
+              <a:rPr lang="tr-TR" sz="3000" dirty="0" smtClean="0">
+                <a:latin typeface="Times New Roman" panose="02020603050405020304" pitchFamily="18" charset="0"/>
+                <a:cs typeface="Times New Roman" panose="02020603050405020304" pitchFamily="18" charset="0"/>
+              </a:rPr>
+              <a:t>Voltage</a:t>
+            </a:r>
+            <a:r>
+              <a:rPr lang="tr-TR" sz="3000" dirty="0" smtClean="0">
+                <a:latin typeface="Times New Roman" panose="02020603050405020304" pitchFamily="18" charset="0"/>
+                <a:cs typeface="Times New Roman" panose="02020603050405020304" pitchFamily="18" charset="0"/>
+              </a:rPr>
+              <a:t> </a:t>
+            </a:r>
+            <a:r>
+              <a:rPr lang="tr-TR" sz="3000" dirty="0" smtClean="0">
+                <a:latin typeface="Times New Roman" panose="02020603050405020304" pitchFamily="18" charset="0"/>
+                <a:cs typeface="Times New Roman" panose="02020603050405020304" pitchFamily="18" charset="0"/>
+              </a:rPr>
+              <a:t>plot</a:t>
+            </a:r>
+            <a:r>
+              <a:rPr lang="tr-TR" sz="3000" dirty="0" smtClean="0">
+                <a:latin typeface="Times New Roman" panose="02020603050405020304" pitchFamily="18" charset="0"/>
+                <a:cs typeface="Times New Roman" panose="02020603050405020304" pitchFamily="18" charset="0"/>
+              </a:rPr>
+              <a:t> (a) &amp; </a:t>
+            </a:r>
+            <a:r>
+              <a:rPr lang="tr-TR" sz="3000" dirty="0" smtClean="0">
+                <a:latin typeface="Times New Roman" panose="02020603050405020304" pitchFamily="18" charset="0"/>
+                <a:cs typeface="Times New Roman" panose="02020603050405020304" pitchFamily="18" charset="0"/>
+              </a:rPr>
+              <a:t>Input</a:t>
+            </a:r>
+            <a:r>
+              <a:rPr lang="tr-TR" sz="3000" dirty="0" smtClean="0">
+                <a:latin typeface="Times New Roman" panose="02020603050405020304" pitchFamily="18" charset="0"/>
+                <a:cs typeface="Times New Roman" panose="02020603050405020304" pitchFamily="18" charset="0"/>
+              </a:rPr>
+              <a:t> </a:t>
+            </a:r>
+            <a:r>
+              <a:rPr lang="tr-TR" sz="3000" dirty="0" smtClean="0">
+                <a:latin typeface="Times New Roman" panose="02020603050405020304" pitchFamily="18" charset="0"/>
+                <a:cs typeface="Times New Roman" panose="02020603050405020304" pitchFamily="18" charset="0"/>
+              </a:rPr>
+              <a:t>Capacitance</a:t>
+            </a:r>
+            <a:r>
+              <a:rPr lang="tr-TR" sz="3000" dirty="0" smtClean="0">
+                <a:latin typeface="Times New Roman" panose="02020603050405020304" pitchFamily="18" charset="0"/>
+                <a:cs typeface="Times New Roman" panose="02020603050405020304" pitchFamily="18" charset="0"/>
+              </a:rPr>
+              <a:t> </a:t>
+            </a:r>
+            <a:r>
+              <a:rPr lang="tr-TR" sz="3000" dirty="0" smtClean="0">
+                <a:latin typeface="Times New Roman" panose="02020603050405020304" pitchFamily="18" charset="0"/>
+                <a:cs typeface="Times New Roman" panose="02020603050405020304" pitchFamily="18" charset="0"/>
+              </a:rPr>
+              <a:t>vs</a:t>
+            </a:r>
+            <a:r>
+              <a:rPr lang="tr-TR" sz="3000" dirty="0" smtClean="0">
+                <a:latin typeface="Times New Roman" panose="02020603050405020304" pitchFamily="18" charset="0"/>
+                <a:cs typeface="Times New Roman" panose="02020603050405020304" pitchFamily="18" charset="0"/>
+              </a:rPr>
+              <a:t> Gate-Source </a:t>
+            </a:r>
+            <a:r>
+              <a:rPr lang="tr-TR" sz="3000" dirty="0" smtClean="0">
+                <a:latin typeface="Times New Roman" panose="02020603050405020304" pitchFamily="18" charset="0"/>
+                <a:cs typeface="Times New Roman" panose="02020603050405020304" pitchFamily="18" charset="0"/>
+              </a:rPr>
+              <a:t>Voltage</a:t>
+            </a:r>
+            <a:r>
+              <a:rPr lang="tr-TR" sz="3000" dirty="0" smtClean="0">
+                <a:latin typeface="Times New Roman" panose="02020603050405020304" pitchFamily="18" charset="0"/>
+                <a:cs typeface="Times New Roman" panose="02020603050405020304" pitchFamily="18" charset="0"/>
+              </a:rPr>
+              <a:t> </a:t>
+            </a:r>
+            <a:r>
+              <a:rPr lang="tr-TR" sz="3000" dirty="0" smtClean="0">
+                <a:latin typeface="Times New Roman" panose="02020603050405020304" pitchFamily="18" charset="0"/>
+                <a:cs typeface="Times New Roman" panose="02020603050405020304" pitchFamily="18" charset="0"/>
+              </a:rPr>
+              <a:t>plot</a:t>
+            </a:r>
+            <a:r>
+              <a:rPr lang="tr-TR" sz="3000" dirty="0" smtClean="0">
+                <a:latin typeface="Times New Roman" panose="02020603050405020304" pitchFamily="18" charset="0"/>
+                <a:cs typeface="Times New Roman" panose="02020603050405020304" pitchFamily="18" charset="0"/>
+              </a:rPr>
+              <a:t> (b)</a:t>
+            </a:r>
+            <a:endParaRPr lang="en-US" sz="3000" dirty="0" smtClean="0">
+              <a:latin typeface="Times New Roman" panose="02020603050405020304" pitchFamily="18" charset="0"/>
+              <a:cs typeface="Times New Roman" panose="02020603050405020304" pitchFamily="18" charset="0"/>
+            </a:endParaRPr>
+          </a:p>
+        </p:txBody>
+      </p:sp>
+      <p:sp>
+        <p:nvSpPr>
+          <p:cNvPr id="83" name="Metin kutusu 82"/>
+          <p:cNvSpPr txBox="1"/>
+          <p:nvPr/>
+        </p:nvSpPr>
+        <p:spPr>
+          <a:xfrm>
+            <a:off x="4159211" y="26701773"/>
+            <a:ext cx="694959" cy="553998"/>
+          </a:xfrm>
+          <a:prstGeom prst="rect">
+            <a:avLst/>
+          </a:prstGeom>
+          <a:noFill/>
+        </p:spPr>
+        <p:txBody>
+          <a:bodyPr wrap="square" rtlCol="0">
+            <a:spAutoFit/>
+          </a:bodyPr>
+          <a:lstStyle/>
+          <a:p>
+            <a:pPr algn="l"/>
+            <a:r>
+              <a:rPr lang="tr-TR" sz="3000" dirty="0" smtClean="0">
+                <a:latin typeface="Times New Roman" panose="02020603050405020304" pitchFamily="18" charset="0"/>
+                <a:cs typeface="Times New Roman" panose="02020603050405020304" pitchFamily="18" charset="0"/>
+              </a:rPr>
+              <a:t>(a)</a:t>
+            </a:r>
+          </a:p>
+        </p:txBody>
+      </p:sp>
+      <p:sp>
+        <p:nvSpPr>
+          <p:cNvPr id="84" name="Metin kutusu 83"/>
+          <p:cNvSpPr txBox="1"/>
+          <p:nvPr/>
+        </p:nvSpPr>
+        <p:spPr>
+          <a:xfrm>
+            <a:off x="11034670" y="26695440"/>
+            <a:ext cx="694959" cy="553998"/>
+          </a:xfrm>
+          <a:prstGeom prst="rect">
+            <a:avLst/>
+          </a:prstGeom>
+          <a:noFill/>
+        </p:spPr>
+        <p:txBody>
+          <a:bodyPr wrap="square" rtlCol="0">
+            <a:spAutoFit/>
+          </a:bodyPr>
+          <a:lstStyle/>
+          <a:p>
+            <a:pPr algn="l"/>
+            <a:r>
+              <a:rPr lang="tr-TR" sz="3000" dirty="0" smtClean="0">
+                <a:latin typeface="Times New Roman" panose="02020603050405020304" pitchFamily="18" charset="0"/>
+                <a:cs typeface="Times New Roman" panose="02020603050405020304" pitchFamily="18" charset="0"/>
+              </a:rPr>
+              <a:t>(b)</a:t>
+            </a:r>
+          </a:p>
+        </p:txBody>
+      </p:sp>
+      <p:sp>
+        <p:nvSpPr>
+          <p:cNvPr id="85" name="Metin kutusu 84"/>
+          <p:cNvSpPr txBox="1"/>
+          <p:nvPr/>
+        </p:nvSpPr>
+        <p:spPr>
+          <a:xfrm>
+            <a:off x="865588" y="28590029"/>
+            <a:ext cx="13318773" cy="2308324"/>
+          </a:xfrm>
+          <a:prstGeom prst="rect">
+            <a:avLst/>
+          </a:prstGeom>
+          <a:noFill/>
+        </p:spPr>
+        <p:txBody>
+          <a:bodyPr wrap="square" rtlCol="0">
+            <a:spAutoFit/>
+          </a:bodyPr>
+          <a:lstStyle/>
+          <a:p>
+            <a:pPr algn="just"/>
+            <a:r>
+              <a:rPr lang="en-GB" sz="3600" dirty="0" smtClean="0">
+                <a:latin typeface="Times New Roman" panose="02020603050405020304" pitchFamily="18" charset="0"/>
+                <a:cs typeface="Times New Roman" panose="02020603050405020304" pitchFamily="18" charset="0"/>
+              </a:rPr>
+              <a:t>Even though manufacturer provides the </a:t>
+            </a:r>
+            <a:r>
+              <a:rPr lang="en-GB" sz="3600" dirty="0" smtClean="0">
+                <a:latin typeface="Times New Roman" panose="02020603050405020304" pitchFamily="18" charset="0"/>
+                <a:cs typeface="Times New Roman" panose="02020603050405020304" pitchFamily="18" charset="0"/>
+              </a:rPr>
+              <a:t>Ciss</a:t>
+            </a:r>
+            <a:r>
+              <a:rPr lang="en-GB" sz="3600" dirty="0" smtClean="0">
+                <a:latin typeface="Times New Roman" panose="02020603050405020304" pitchFamily="18" charset="0"/>
+                <a:cs typeface="Times New Roman" panose="02020603050405020304" pitchFamily="18" charset="0"/>
+              </a:rPr>
+              <a:t> as constant with respect to drain-source voltage, it changes significantly with varying gate-source voltage. Implementing this feature in the model is important to obtain accurate dynamic/switching characteristics.</a:t>
+            </a:r>
+          </a:p>
+        </p:txBody>
+      </p:sp>
+      <p:sp>
+        <p:nvSpPr>
+          <p:cNvPr id="86" name="Metin kutusu 85"/>
+          <p:cNvSpPr txBox="1"/>
+          <p:nvPr/>
+        </p:nvSpPr>
+        <p:spPr>
+          <a:xfrm>
+            <a:off x="4159210" y="37619202"/>
+            <a:ext cx="694959" cy="553998"/>
+          </a:xfrm>
+          <a:prstGeom prst="rect">
+            <a:avLst/>
+          </a:prstGeom>
+          <a:noFill/>
+        </p:spPr>
+        <p:txBody>
+          <a:bodyPr wrap="square" rtlCol="0">
+            <a:spAutoFit/>
+          </a:bodyPr>
+          <a:lstStyle/>
+          <a:p>
+            <a:pPr algn="l"/>
+            <a:r>
+              <a:rPr lang="tr-TR" sz="3000" dirty="0" smtClean="0">
+                <a:latin typeface="Times New Roman" panose="02020603050405020304" pitchFamily="18" charset="0"/>
+                <a:cs typeface="Times New Roman" panose="02020603050405020304" pitchFamily="18" charset="0"/>
+              </a:rPr>
+              <a:t>(a)</a:t>
+            </a:r>
+          </a:p>
+        </p:txBody>
+      </p:sp>
+      <p:sp>
+        <p:nvSpPr>
+          <p:cNvPr id="87" name="Metin kutusu 86"/>
+          <p:cNvSpPr txBox="1"/>
+          <p:nvPr/>
+        </p:nvSpPr>
+        <p:spPr>
+          <a:xfrm>
+            <a:off x="11034670" y="37621513"/>
+            <a:ext cx="694959" cy="553998"/>
+          </a:xfrm>
+          <a:prstGeom prst="rect">
+            <a:avLst/>
+          </a:prstGeom>
+          <a:noFill/>
+        </p:spPr>
+        <p:txBody>
+          <a:bodyPr wrap="square" rtlCol="0">
+            <a:spAutoFit/>
+          </a:bodyPr>
+          <a:lstStyle/>
+          <a:p>
+            <a:pPr algn="l"/>
+            <a:r>
+              <a:rPr lang="tr-TR" sz="3000" dirty="0" smtClean="0">
+                <a:latin typeface="Times New Roman" panose="02020603050405020304" pitchFamily="18" charset="0"/>
+                <a:cs typeface="Times New Roman" panose="02020603050405020304" pitchFamily="18" charset="0"/>
+              </a:rPr>
+              <a:t>(b)</a:t>
+            </a:r>
+          </a:p>
+        </p:txBody>
+      </p:sp>
+      <p:sp>
+        <p:nvSpPr>
+          <p:cNvPr id="88" name="Metin kutusu 87"/>
+          <p:cNvSpPr txBox="1"/>
+          <p:nvPr/>
+        </p:nvSpPr>
+        <p:spPr>
+          <a:xfrm>
+            <a:off x="1389548" y="38090171"/>
+            <a:ext cx="13229422" cy="1015663"/>
+          </a:xfrm>
+          <a:prstGeom prst="rect">
+            <a:avLst/>
+          </a:prstGeom>
+          <a:noFill/>
+        </p:spPr>
+        <p:txBody>
+          <a:bodyPr wrap="square" rtlCol="0">
+            <a:spAutoFit/>
+          </a:bodyPr>
+          <a:lstStyle/>
+          <a:p>
+            <a:pPr algn="l"/>
+            <a:r>
+              <a:rPr lang="en-US" sz="3000" dirty="0">
+                <a:latin typeface="Times New Roman" panose="02020603050405020304" pitchFamily="18" charset="0"/>
+                <a:cs typeface="Times New Roman" panose="02020603050405020304" pitchFamily="18" charset="0"/>
+              </a:rPr>
+              <a:t>Fig. </a:t>
+            </a:r>
+            <a:r>
+              <a:rPr lang="tr-TR" sz="3000" dirty="0">
+                <a:latin typeface="Times New Roman" panose="02020603050405020304" pitchFamily="18" charset="0"/>
+                <a:cs typeface="Times New Roman" panose="02020603050405020304" pitchFamily="18" charset="0"/>
+              </a:rPr>
+              <a:t>3</a:t>
+            </a:r>
+            <a:r>
+              <a:rPr lang="en-US" sz="3000" dirty="0" smtClean="0">
+                <a:latin typeface="Times New Roman" panose="02020603050405020304" pitchFamily="18" charset="0"/>
+                <a:cs typeface="Times New Roman" panose="02020603050405020304" pitchFamily="18" charset="0"/>
+              </a:rPr>
+              <a:t>:</a:t>
+            </a:r>
+            <a:r>
+              <a:rPr lang="tr-TR" sz="3000" dirty="0" smtClean="0">
+                <a:latin typeface="Times New Roman" panose="02020603050405020304" pitchFamily="18" charset="0"/>
+                <a:cs typeface="Times New Roman" panose="02020603050405020304" pitchFamily="18" charset="0"/>
+              </a:rPr>
+              <a:t> </a:t>
+            </a:r>
+            <a:r>
+              <a:rPr lang="tr-TR" sz="3000" dirty="0" err="1" smtClean="0">
+                <a:latin typeface="Times New Roman" panose="02020603050405020304" pitchFamily="18" charset="0"/>
+                <a:cs typeface="Times New Roman" panose="02020603050405020304" pitchFamily="18" charset="0"/>
+              </a:rPr>
+              <a:t>Static</a:t>
+            </a:r>
+            <a:r>
+              <a:rPr lang="tr-TR" sz="3000" dirty="0" smtClean="0">
+                <a:latin typeface="Times New Roman" panose="02020603050405020304" pitchFamily="18" charset="0"/>
+                <a:cs typeface="Times New Roman" panose="02020603050405020304" pitchFamily="18" charset="0"/>
+              </a:rPr>
+              <a:t> </a:t>
+            </a:r>
+            <a:r>
+              <a:rPr lang="tr-TR" sz="3000" dirty="0" err="1" smtClean="0">
+                <a:latin typeface="Times New Roman" panose="02020603050405020304" pitchFamily="18" charset="0"/>
+                <a:cs typeface="Times New Roman" panose="02020603050405020304" pitchFamily="18" charset="0"/>
+              </a:rPr>
+              <a:t>Results</a:t>
+            </a:r>
+            <a:r>
+              <a:rPr lang="tr-TR" sz="3000" dirty="0" smtClean="0">
+                <a:latin typeface="Times New Roman" panose="02020603050405020304" pitchFamily="18" charset="0"/>
+                <a:cs typeface="Times New Roman" panose="02020603050405020304" pitchFamily="18" charset="0"/>
+              </a:rPr>
+              <a:t> of </a:t>
+            </a:r>
+            <a:r>
+              <a:rPr lang="tr-TR" sz="3000" dirty="0">
+                <a:latin typeface="Times New Roman" panose="02020603050405020304" pitchFamily="18" charset="0"/>
+                <a:cs typeface="Times New Roman" panose="02020603050405020304" pitchFamily="18" charset="0"/>
+              </a:rPr>
+              <a:t>GS66508B</a:t>
+            </a:r>
+            <a:r>
+              <a:rPr lang="tr-TR" sz="3000" dirty="0" smtClean="0">
+                <a:latin typeface="Times New Roman" panose="02020603050405020304" pitchFamily="18" charset="0"/>
+                <a:cs typeface="Times New Roman" panose="02020603050405020304" pitchFamily="18" charset="0"/>
+              </a:rPr>
+              <a:t> </a:t>
+            </a:r>
+            <a:r>
+              <a:rPr lang="tr-TR" sz="3000" dirty="0" err="1" smtClean="0">
+                <a:latin typeface="Times New Roman" panose="02020603050405020304" pitchFamily="18" charset="0"/>
+                <a:cs typeface="Times New Roman" panose="02020603050405020304" pitchFamily="18" charset="0"/>
+              </a:rPr>
+              <a:t>for</a:t>
+            </a:r>
+            <a:r>
+              <a:rPr lang="tr-TR" sz="3000" dirty="0" smtClean="0">
+                <a:latin typeface="Times New Roman" panose="02020603050405020304" pitchFamily="18" charset="0"/>
+                <a:cs typeface="Times New Roman" panose="02020603050405020304" pitchFamily="18" charset="0"/>
+              </a:rPr>
+              <a:t> </a:t>
+            </a:r>
+            <a:r>
+              <a:rPr lang="tr-TR" sz="3000" dirty="0" err="1" smtClean="0">
+                <a:latin typeface="Times New Roman" panose="02020603050405020304" pitchFamily="18" charset="0"/>
+                <a:cs typeface="Times New Roman" panose="02020603050405020304" pitchFamily="18" charset="0"/>
+              </a:rPr>
+              <a:t>Forward</a:t>
+            </a:r>
+            <a:r>
+              <a:rPr lang="tr-TR" sz="3000" dirty="0" smtClean="0">
+                <a:latin typeface="Times New Roman" panose="02020603050405020304" pitchFamily="18" charset="0"/>
+                <a:cs typeface="Times New Roman" panose="02020603050405020304" pitchFamily="18" charset="0"/>
+              </a:rPr>
+              <a:t> </a:t>
+            </a:r>
+            <a:r>
+              <a:rPr lang="tr-TR" sz="3000" dirty="0" err="1" smtClean="0">
+                <a:latin typeface="Times New Roman" panose="02020603050405020304" pitchFamily="18" charset="0"/>
+                <a:cs typeface="Times New Roman" panose="02020603050405020304" pitchFamily="18" charset="0"/>
+              </a:rPr>
+              <a:t>Conduction</a:t>
+            </a:r>
+            <a:r>
+              <a:rPr lang="tr-TR" sz="3000" dirty="0" smtClean="0">
+                <a:latin typeface="Times New Roman" panose="02020603050405020304" pitchFamily="18" charset="0"/>
+                <a:cs typeface="Times New Roman" panose="02020603050405020304" pitchFamily="18" charset="0"/>
+              </a:rPr>
+              <a:t> (a) &amp; </a:t>
+            </a:r>
+            <a:r>
+              <a:rPr lang="tr-TR" sz="3000" dirty="0" err="1" smtClean="0">
+                <a:latin typeface="Times New Roman" panose="02020603050405020304" pitchFamily="18" charset="0"/>
+                <a:cs typeface="Times New Roman" panose="02020603050405020304" pitchFamily="18" charset="0"/>
+              </a:rPr>
+              <a:t>Reverse</a:t>
+            </a:r>
+            <a:r>
+              <a:rPr lang="tr-TR" sz="3000" dirty="0" smtClean="0">
+                <a:latin typeface="Times New Roman" panose="02020603050405020304" pitchFamily="18" charset="0"/>
+                <a:cs typeface="Times New Roman" panose="02020603050405020304" pitchFamily="18" charset="0"/>
+              </a:rPr>
+              <a:t> </a:t>
+            </a:r>
+            <a:r>
+              <a:rPr lang="tr-TR" sz="3000" dirty="0" err="1" smtClean="0">
+                <a:latin typeface="Times New Roman" panose="02020603050405020304" pitchFamily="18" charset="0"/>
+                <a:cs typeface="Times New Roman" panose="02020603050405020304" pitchFamily="18" charset="0"/>
+              </a:rPr>
+              <a:t>Conduction</a:t>
+            </a:r>
+            <a:r>
+              <a:rPr lang="tr-TR" sz="3000" dirty="0" smtClean="0">
+                <a:latin typeface="Times New Roman" panose="02020603050405020304" pitchFamily="18" charset="0"/>
+                <a:cs typeface="Times New Roman" panose="02020603050405020304" pitchFamily="18" charset="0"/>
+              </a:rPr>
+              <a:t> (b)</a:t>
+            </a:r>
+            <a:endParaRPr lang="en-US" sz="3000" dirty="0" smtClean="0">
+              <a:latin typeface="Times New Roman" panose="02020603050405020304" pitchFamily="18" charset="0"/>
+              <a:cs typeface="Times New Roman" panose="02020603050405020304" pitchFamily="18" charset="0"/>
+            </a:endParaRPr>
+          </a:p>
+        </p:txBody>
+      </p:sp>
+      <p:sp>
+        <p:nvSpPr>
+          <p:cNvPr id="89" name="Metin kutusu 88"/>
+          <p:cNvSpPr txBox="1"/>
+          <p:nvPr/>
+        </p:nvSpPr>
+        <p:spPr>
+          <a:xfrm>
+            <a:off x="855838" y="39085134"/>
+            <a:ext cx="13318773" cy="2862322"/>
+          </a:xfrm>
+          <a:prstGeom prst="rect">
+            <a:avLst/>
+          </a:prstGeom>
+          <a:noFill/>
+        </p:spPr>
+        <p:txBody>
+          <a:bodyPr wrap="square" rtlCol="0">
+            <a:spAutoFit/>
+          </a:bodyPr>
+          <a:lstStyle/>
+          <a:p>
+            <a:pPr algn="just"/>
+            <a:r>
+              <a:rPr lang="tr-TR" sz="3600" dirty="0">
+                <a:latin typeface="Times New Roman" panose="02020603050405020304" pitchFamily="18" charset="0"/>
+                <a:cs typeface="Times New Roman" panose="02020603050405020304" pitchFamily="18" charset="0"/>
+              </a:rPr>
+              <a:t>T</a:t>
+            </a:r>
+            <a:r>
+              <a:rPr lang="en-GB" sz="3600" dirty="0" smtClean="0">
+                <a:latin typeface="Times New Roman" panose="02020603050405020304" pitchFamily="18" charset="0"/>
+                <a:cs typeface="Times New Roman" panose="02020603050405020304" pitchFamily="18" charset="0"/>
+              </a:rPr>
+              <a:t>he </a:t>
+            </a:r>
+            <a:r>
+              <a:rPr lang="en-GB" sz="3600" dirty="0">
+                <a:latin typeface="Times New Roman" panose="02020603050405020304" pitchFamily="18" charset="0"/>
+                <a:cs typeface="Times New Roman" panose="02020603050405020304" pitchFamily="18" charset="0"/>
+              </a:rPr>
+              <a:t>reverse conduction </a:t>
+            </a:r>
+            <a:r>
+              <a:rPr lang="en-GB" sz="3600" dirty="0" smtClean="0">
+                <a:latin typeface="Times New Roman" panose="02020603050405020304" pitchFamily="18" charset="0"/>
+                <a:cs typeface="Times New Roman" panose="02020603050405020304" pitchFamily="18" charset="0"/>
+              </a:rPr>
+              <a:t>behaviour </a:t>
+            </a:r>
+            <a:r>
+              <a:rPr lang="en-GB" sz="3600" dirty="0">
+                <a:latin typeface="Times New Roman" panose="02020603050405020304" pitchFamily="18" charset="0"/>
+                <a:cs typeface="Times New Roman" panose="02020603050405020304" pitchFamily="18" charset="0"/>
+              </a:rPr>
+              <a:t>is highly dependent on </a:t>
+            </a:r>
+            <a:r>
+              <a:rPr lang="en-GB" sz="3600" dirty="0" smtClean="0">
+                <a:latin typeface="Times New Roman" panose="02020603050405020304" pitchFamily="18" charset="0"/>
+                <a:cs typeface="Times New Roman" panose="02020603050405020304" pitchFamily="18" charset="0"/>
+              </a:rPr>
+              <a:t>the</a:t>
+            </a:r>
+            <a:r>
+              <a:rPr lang="tr-TR" sz="3600" dirty="0" smtClean="0">
+                <a:latin typeface="Times New Roman" panose="02020603050405020304" pitchFamily="18" charset="0"/>
+                <a:cs typeface="Times New Roman" panose="02020603050405020304" pitchFamily="18" charset="0"/>
+              </a:rPr>
+              <a:t> </a:t>
+            </a:r>
+            <a:r>
+              <a:rPr lang="en-GB" sz="3600" dirty="0" smtClean="0">
+                <a:latin typeface="Times New Roman" panose="02020603050405020304" pitchFamily="18" charset="0"/>
+                <a:cs typeface="Times New Roman" panose="02020603050405020304" pitchFamily="18" charset="0"/>
+              </a:rPr>
+              <a:t>applied </a:t>
+            </a:r>
+            <a:r>
+              <a:rPr lang="en-GB" sz="3600" dirty="0">
+                <a:latin typeface="Times New Roman" panose="02020603050405020304" pitchFamily="18" charset="0"/>
+                <a:cs typeface="Times New Roman" panose="02020603050405020304" pitchFamily="18" charset="0"/>
+              </a:rPr>
+              <a:t>gate </a:t>
+            </a:r>
+            <a:r>
+              <a:rPr lang="en-GB" sz="3600" dirty="0" smtClean="0">
+                <a:latin typeface="Times New Roman" panose="02020603050405020304" pitchFamily="18" charset="0"/>
+                <a:cs typeface="Times New Roman" panose="02020603050405020304" pitchFamily="18" charset="0"/>
+              </a:rPr>
+              <a:t>voltage. </a:t>
+            </a:r>
+            <a:r>
+              <a:rPr lang="tr-TR" sz="3600" b="1" dirty="0" smtClean="0">
+                <a:latin typeface="Times New Roman" panose="02020603050405020304" pitchFamily="18" charset="0"/>
+                <a:cs typeface="Times New Roman" panose="02020603050405020304" pitchFamily="18" charset="0"/>
+              </a:rPr>
+              <a:t>A </a:t>
+            </a:r>
+            <a:r>
+              <a:rPr lang="tr-TR" sz="3600" b="1" dirty="0" err="1" smtClean="0">
+                <a:latin typeface="Times New Roman" panose="02020603050405020304" pitchFamily="18" charset="0"/>
+                <a:cs typeface="Times New Roman" panose="02020603050405020304" pitchFamily="18" charset="0"/>
+              </a:rPr>
+              <a:t>negative</a:t>
+            </a:r>
+            <a:r>
+              <a:rPr lang="tr-TR" sz="3600" b="1" dirty="0" smtClean="0">
+                <a:latin typeface="Times New Roman" panose="02020603050405020304" pitchFamily="18" charset="0"/>
+                <a:cs typeface="Times New Roman" panose="02020603050405020304" pitchFamily="18" charset="0"/>
+              </a:rPr>
+              <a:t> </a:t>
+            </a:r>
+            <a:r>
+              <a:rPr lang="tr-TR" sz="3600" b="1" dirty="0" err="1" smtClean="0">
+                <a:latin typeface="Times New Roman" panose="02020603050405020304" pitchFamily="18" charset="0"/>
+                <a:cs typeface="Times New Roman" panose="02020603050405020304" pitchFamily="18" charset="0"/>
+              </a:rPr>
+              <a:t>gate</a:t>
+            </a:r>
+            <a:r>
+              <a:rPr lang="tr-TR" sz="3600" b="1" dirty="0" smtClean="0">
+                <a:latin typeface="Times New Roman" panose="02020603050405020304" pitchFamily="18" charset="0"/>
+                <a:cs typeface="Times New Roman" panose="02020603050405020304" pitchFamily="18" charset="0"/>
+              </a:rPr>
+              <a:t> </a:t>
+            </a:r>
+            <a:r>
+              <a:rPr lang="tr-TR" sz="3600" b="1" dirty="0" err="1" smtClean="0">
+                <a:latin typeface="Times New Roman" panose="02020603050405020304" pitchFamily="18" charset="0"/>
+                <a:cs typeface="Times New Roman" panose="02020603050405020304" pitchFamily="18" charset="0"/>
+              </a:rPr>
+              <a:t>bias</a:t>
+            </a:r>
+            <a:r>
+              <a:rPr lang="tr-TR" sz="3600" b="1" dirty="0" smtClean="0">
+                <a:latin typeface="Times New Roman" panose="02020603050405020304" pitchFamily="18" charset="0"/>
+                <a:cs typeface="Times New Roman" panose="02020603050405020304" pitchFamily="18" charset="0"/>
+              </a:rPr>
+              <a:t> </a:t>
+            </a:r>
+            <a:r>
+              <a:rPr lang="tr-TR" sz="3600" b="1" dirty="0" err="1" smtClean="0">
+                <a:latin typeface="Times New Roman" panose="02020603050405020304" pitchFamily="18" charset="0"/>
+                <a:cs typeface="Times New Roman" panose="02020603050405020304" pitchFamily="18" charset="0"/>
+              </a:rPr>
+              <a:t>increases</a:t>
+            </a:r>
+            <a:r>
+              <a:rPr lang="tr-TR" sz="3600" b="1" dirty="0" smtClean="0">
+                <a:latin typeface="Times New Roman" panose="02020603050405020304" pitchFamily="18" charset="0"/>
+                <a:cs typeface="Times New Roman" panose="02020603050405020304" pitchFamily="18" charset="0"/>
+              </a:rPr>
+              <a:t> </a:t>
+            </a:r>
+            <a:r>
+              <a:rPr lang="tr-TR" sz="3600" b="1" dirty="0" err="1" smtClean="0">
+                <a:latin typeface="Times New Roman" panose="02020603050405020304" pitchFamily="18" charset="0"/>
+                <a:cs typeface="Times New Roman" panose="02020603050405020304" pitchFamily="18" charset="0"/>
+              </a:rPr>
+              <a:t>the</a:t>
+            </a:r>
+            <a:r>
+              <a:rPr lang="tr-TR" sz="3600" b="1" dirty="0" smtClean="0">
+                <a:latin typeface="Times New Roman" panose="02020603050405020304" pitchFamily="18" charset="0"/>
+                <a:cs typeface="Times New Roman" panose="02020603050405020304" pitchFamily="18" charset="0"/>
+              </a:rPr>
+              <a:t> </a:t>
+            </a:r>
+            <a:r>
+              <a:rPr lang="tr-TR" sz="3600" b="1" dirty="0" err="1" smtClean="0">
+                <a:latin typeface="Times New Roman" panose="02020603050405020304" pitchFamily="18" charset="0"/>
+                <a:cs typeface="Times New Roman" panose="02020603050405020304" pitchFamily="18" charset="0"/>
+              </a:rPr>
+              <a:t>reverse</a:t>
+            </a:r>
+            <a:r>
+              <a:rPr lang="tr-TR" sz="3600" b="1" dirty="0" smtClean="0">
+                <a:latin typeface="Times New Roman" panose="02020603050405020304" pitchFamily="18" charset="0"/>
+                <a:cs typeface="Times New Roman" panose="02020603050405020304" pitchFamily="18" charset="0"/>
+              </a:rPr>
+              <a:t> </a:t>
+            </a:r>
+            <a:r>
+              <a:rPr lang="tr-TR" sz="3600" b="1" dirty="0" err="1" smtClean="0">
+                <a:latin typeface="Times New Roman" panose="02020603050405020304" pitchFamily="18" charset="0"/>
+                <a:cs typeface="Times New Roman" panose="02020603050405020304" pitchFamily="18" charset="0"/>
+              </a:rPr>
+              <a:t>conduction</a:t>
+            </a:r>
+            <a:r>
+              <a:rPr lang="tr-TR" sz="3600" b="1" dirty="0" smtClean="0">
+                <a:latin typeface="Times New Roman" panose="02020603050405020304" pitchFamily="18" charset="0"/>
+                <a:cs typeface="Times New Roman" panose="02020603050405020304" pitchFamily="18" charset="0"/>
+              </a:rPr>
+              <a:t> </a:t>
+            </a:r>
+            <a:r>
+              <a:rPr lang="tr-TR" sz="3600" b="1" dirty="0" err="1" smtClean="0">
+                <a:latin typeface="Times New Roman" panose="02020603050405020304" pitchFamily="18" charset="0"/>
+                <a:cs typeface="Times New Roman" panose="02020603050405020304" pitchFamily="18" charset="0"/>
+              </a:rPr>
+              <a:t>loss</a:t>
+            </a:r>
+            <a:r>
+              <a:rPr lang="tr-TR" sz="3600" dirty="0" smtClean="0">
+                <a:latin typeface="Times New Roman" panose="02020603050405020304" pitchFamily="18" charset="0"/>
+                <a:cs typeface="Times New Roman" panose="02020603050405020304" pitchFamily="18" charset="0"/>
+              </a:rPr>
+              <a:t>. </a:t>
+            </a:r>
+            <a:r>
+              <a:rPr lang="tr-TR" sz="3600" dirty="0" err="1" smtClean="0">
+                <a:latin typeface="Times New Roman" panose="02020603050405020304" pitchFamily="18" charset="0"/>
+                <a:cs typeface="Times New Roman" panose="02020603050405020304" pitchFamily="18" charset="0"/>
+              </a:rPr>
+              <a:t>Therefore</a:t>
+            </a:r>
+            <a:r>
+              <a:rPr lang="en-GB" sz="3600" dirty="0" smtClean="0">
+                <a:latin typeface="Times New Roman" panose="02020603050405020304" pitchFamily="18" charset="0"/>
+                <a:cs typeface="Times New Roman" panose="02020603050405020304" pitchFamily="18" charset="0"/>
+              </a:rPr>
+              <a:t>, </a:t>
+            </a:r>
+            <a:r>
+              <a:rPr lang="tr-TR" sz="3600" dirty="0" err="1" smtClean="0">
+                <a:latin typeface="Times New Roman" panose="02020603050405020304" pitchFamily="18" charset="0"/>
+                <a:cs typeface="Times New Roman" panose="02020603050405020304" pitchFamily="18" charset="0"/>
+              </a:rPr>
+              <a:t>the</a:t>
+            </a:r>
+            <a:r>
+              <a:rPr lang="tr-TR" sz="3600" dirty="0" smtClean="0">
+                <a:latin typeface="Times New Roman" panose="02020603050405020304" pitchFamily="18" charset="0"/>
+                <a:cs typeface="Times New Roman" panose="02020603050405020304" pitchFamily="18" charset="0"/>
+              </a:rPr>
+              <a:t> </a:t>
+            </a:r>
+            <a:r>
+              <a:rPr lang="tr-TR" sz="3600" dirty="0" err="1" smtClean="0">
+                <a:latin typeface="Times New Roman" panose="02020603050405020304" pitchFamily="18" charset="0"/>
+                <a:cs typeface="Times New Roman" panose="02020603050405020304" pitchFamily="18" charset="0"/>
+              </a:rPr>
+              <a:t>negative</a:t>
+            </a:r>
+            <a:r>
+              <a:rPr lang="tr-TR" sz="3600" dirty="0" smtClean="0">
+                <a:latin typeface="Times New Roman" panose="02020603050405020304" pitchFamily="18" charset="0"/>
+                <a:cs typeface="Times New Roman" panose="02020603050405020304" pitchFamily="18" charset="0"/>
+              </a:rPr>
+              <a:t> </a:t>
+            </a:r>
+            <a:r>
+              <a:rPr lang="tr-TR" sz="3600" dirty="0" err="1" smtClean="0">
+                <a:latin typeface="Times New Roman" panose="02020603050405020304" pitchFamily="18" charset="0"/>
+                <a:cs typeface="Times New Roman" panose="02020603050405020304" pitchFamily="18" charset="0"/>
+              </a:rPr>
+              <a:t>gate</a:t>
+            </a:r>
+            <a:r>
+              <a:rPr lang="tr-TR" sz="3600" dirty="0" smtClean="0">
+                <a:latin typeface="Times New Roman" panose="02020603050405020304" pitchFamily="18" charset="0"/>
+                <a:cs typeface="Times New Roman" panose="02020603050405020304" pitchFamily="18" charset="0"/>
+              </a:rPr>
+              <a:t> </a:t>
+            </a:r>
+            <a:r>
+              <a:rPr lang="tr-TR" sz="3600" dirty="0" err="1" smtClean="0">
+                <a:latin typeface="Times New Roman" panose="02020603050405020304" pitchFamily="18" charset="0"/>
+                <a:cs typeface="Times New Roman" panose="02020603050405020304" pitchFamily="18" charset="0"/>
+              </a:rPr>
+              <a:t>bias</a:t>
+            </a:r>
+            <a:r>
+              <a:rPr lang="tr-TR" sz="3600" dirty="0" smtClean="0">
+                <a:latin typeface="Times New Roman" panose="02020603050405020304" pitchFamily="18" charset="0"/>
+                <a:cs typeface="Times New Roman" panose="02020603050405020304" pitchFamily="18" charset="0"/>
+              </a:rPr>
+              <a:t> </a:t>
+            </a:r>
+            <a:r>
+              <a:rPr lang="tr-TR" sz="3600" dirty="0" err="1" smtClean="0">
+                <a:latin typeface="Times New Roman" panose="02020603050405020304" pitchFamily="18" charset="0"/>
+                <a:cs typeface="Times New Roman" panose="02020603050405020304" pitchFamily="18" charset="0"/>
+              </a:rPr>
+              <a:t>level</a:t>
+            </a:r>
+            <a:r>
+              <a:rPr lang="tr-TR" sz="3600" dirty="0" smtClean="0">
+                <a:latin typeface="Times New Roman" panose="02020603050405020304" pitchFamily="18" charset="0"/>
+                <a:cs typeface="Times New Roman" panose="02020603050405020304" pitchFamily="18" charset="0"/>
+              </a:rPr>
+              <a:t> </a:t>
+            </a:r>
+            <a:r>
+              <a:rPr lang="tr-TR" sz="3600" dirty="0" err="1" smtClean="0">
+                <a:latin typeface="Times New Roman" panose="02020603050405020304" pitchFamily="18" charset="0"/>
+                <a:cs typeface="Times New Roman" panose="02020603050405020304" pitchFamily="18" charset="0"/>
+              </a:rPr>
+              <a:t>and</a:t>
+            </a:r>
+            <a:r>
+              <a:rPr lang="tr-TR" sz="3600" dirty="0" smtClean="0">
+                <a:latin typeface="Times New Roman" panose="02020603050405020304" pitchFamily="18" charset="0"/>
+                <a:cs typeface="Times New Roman" panose="02020603050405020304" pitchFamily="18" charset="0"/>
+              </a:rPr>
+              <a:t> </a:t>
+            </a:r>
+            <a:r>
+              <a:rPr lang="tr-TR" sz="3600" dirty="0" err="1" smtClean="0">
+                <a:latin typeface="Times New Roman" panose="02020603050405020304" pitchFamily="18" charset="0"/>
+                <a:cs typeface="Times New Roman" panose="02020603050405020304" pitchFamily="18" charset="0"/>
+              </a:rPr>
+              <a:t>dead</a:t>
+            </a:r>
+            <a:r>
+              <a:rPr lang="tr-TR" sz="3600" dirty="0" smtClean="0">
+                <a:latin typeface="Times New Roman" panose="02020603050405020304" pitchFamily="18" charset="0"/>
+                <a:cs typeface="Times New Roman" panose="02020603050405020304" pitchFamily="18" charset="0"/>
+              </a:rPr>
+              <a:t>-time </a:t>
+            </a:r>
+            <a:r>
+              <a:rPr lang="tr-TR" sz="3600" dirty="0" err="1" smtClean="0">
+                <a:latin typeface="Times New Roman" panose="02020603050405020304" pitchFamily="18" charset="0"/>
+                <a:cs typeface="Times New Roman" panose="02020603050405020304" pitchFamily="18" charset="0"/>
+              </a:rPr>
+              <a:t>duration</a:t>
+            </a:r>
+            <a:r>
+              <a:rPr lang="tr-TR" sz="3600" dirty="0" smtClean="0">
+                <a:latin typeface="Times New Roman" panose="02020603050405020304" pitchFamily="18" charset="0"/>
+                <a:cs typeface="Times New Roman" panose="02020603050405020304" pitchFamily="18" charset="0"/>
+              </a:rPr>
+              <a:t> </a:t>
+            </a:r>
+            <a:r>
+              <a:rPr lang="tr-TR" sz="3600" dirty="0" err="1" smtClean="0">
+                <a:latin typeface="Times New Roman" panose="02020603050405020304" pitchFamily="18" charset="0"/>
+                <a:cs typeface="Times New Roman" panose="02020603050405020304" pitchFamily="18" charset="0"/>
+              </a:rPr>
+              <a:t>optimization</a:t>
+            </a:r>
+            <a:r>
+              <a:rPr lang="tr-TR" sz="3600" dirty="0" smtClean="0">
+                <a:latin typeface="Times New Roman" panose="02020603050405020304" pitchFamily="18" charset="0"/>
+                <a:cs typeface="Times New Roman" panose="02020603050405020304" pitchFamily="18" charset="0"/>
+              </a:rPr>
+              <a:t> is </a:t>
+            </a:r>
+            <a:r>
+              <a:rPr lang="en-GB" sz="3600" dirty="0" smtClean="0">
+                <a:latin typeface="Times New Roman" panose="02020603050405020304" pitchFamily="18" charset="0"/>
+                <a:cs typeface="Times New Roman" panose="02020603050405020304" pitchFamily="18" charset="0"/>
+              </a:rPr>
+              <a:t>very critical</a:t>
+            </a:r>
+            <a:r>
+              <a:rPr lang="tr-TR" sz="3600" dirty="0" smtClean="0">
+                <a:latin typeface="Times New Roman" panose="02020603050405020304" pitchFamily="18" charset="0"/>
+                <a:cs typeface="Times New Roman" panose="02020603050405020304" pitchFamily="18" charset="0"/>
+              </a:rPr>
+              <a:t> </a:t>
+            </a:r>
+            <a:r>
+              <a:rPr lang="tr-TR" sz="3600" dirty="0" err="1" smtClean="0">
+                <a:latin typeface="Times New Roman" panose="02020603050405020304" pitchFamily="18" charset="0"/>
+                <a:cs typeface="Times New Roman" panose="02020603050405020304" pitchFamily="18" charset="0"/>
+              </a:rPr>
+              <a:t>for</a:t>
+            </a:r>
+            <a:r>
+              <a:rPr lang="tr-TR" sz="3600" dirty="0" smtClean="0">
+                <a:latin typeface="Times New Roman" panose="02020603050405020304" pitchFamily="18" charset="0"/>
+                <a:cs typeface="Times New Roman" panose="02020603050405020304" pitchFamily="18" charset="0"/>
+              </a:rPr>
+              <a:t> </a:t>
+            </a:r>
+            <a:r>
+              <a:rPr lang="tr-TR" sz="3600" dirty="0" err="1" smtClean="0">
+                <a:latin typeface="Times New Roman" panose="02020603050405020304" pitchFamily="18" charset="0"/>
+                <a:cs typeface="Times New Roman" panose="02020603050405020304" pitchFamily="18" charset="0"/>
+              </a:rPr>
+              <a:t>especially</a:t>
+            </a:r>
+            <a:r>
+              <a:rPr lang="tr-TR" sz="3600" dirty="0" smtClean="0">
+                <a:latin typeface="Times New Roman" panose="02020603050405020304" pitchFamily="18" charset="0"/>
+                <a:cs typeface="Times New Roman" panose="02020603050405020304" pitchFamily="18" charset="0"/>
+              </a:rPr>
+              <a:t> </a:t>
+            </a:r>
+            <a:r>
+              <a:rPr lang="tr-TR" sz="3600" dirty="0" err="1" smtClean="0">
+                <a:latin typeface="Times New Roman" panose="02020603050405020304" pitchFamily="18" charset="0"/>
+                <a:cs typeface="Times New Roman" panose="02020603050405020304" pitchFamily="18" charset="0"/>
+              </a:rPr>
+              <a:t>high</a:t>
+            </a:r>
+            <a:r>
+              <a:rPr lang="tr-TR" sz="3600" dirty="0" smtClean="0">
+                <a:latin typeface="Times New Roman" panose="02020603050405020304" pitchFamily="18" charset="0"/>
+                <a:cs typeface="Times New Roman" panose="02020603050405020304" pitchFamily="18" charset="0"/>
+              </a:rPr>
+              <a:t> </a:t>
+            </a:r>
+            <a:r>
+              <a:rPr lang="tr-TR" sz="3600" dirty="0" err="1" smtClean="0">
+                <a:latin typeface="Times New Roman" panose="02020603050405020304" pitchFamily="18" charset="0"/>
+                <a:cs typeface="Times New Roman" panose="02020603050405020304" pitchFamily="18" charset="0"/>
+              </a:rPr>
+              <a:t>frequency</a:t>
+            </a:r>
+            <a:r>
+              <a:rPr lang="tr-TR" sz="3600" dirty="0" smtClean="0">
+                <a:latin typeface="Times New Roman" panose="02020603050405020304" pitchFamily="18" charset="0"/>
+                <a:cs typeface="Times New Roman" panose="02020603050405020304" pitchFamily="18" charset="0"/>
+              </a:rPr>
+              <a:t> </a:t>
+            </a:r>
+            <a:r>
+              <a:rPr lang="tr-TR" sz="3600" dirty="0" err="1" smtClean="0">
+                <a:latin typeface="Times New Roman" panose="02020603050405020304" pitchFamily="18" charset="0"/>
+                <a:cs typeface="Times New Roman" panose="02020603050405020304" pitchFamily="18" charset="0"/>
+              </a:rPr>
+              <a:t>switching</a:t>
+            </a:r>
+            <a:r>
+              <a:rPr lang="tr-TR" sz="3600" dirty="0" smtClean="0">
+                <a:latin typeface="Times New Roman" panose="02020603050405020304" pitchFamily="18" charset="0"/>
+                <a:cs typeface="Times New Roman" panose="02020603050405020304" pitchFamily="18" charset="0"/>
+              </a:rPr>
+              <a:t> </a:t>
+            </a:r>
+            <a:r>
+              <a:rPr lang="tr-TR" sz="3600" dirty="0" err="1" smtClean="0">
+                <a:latin typeface="Times New Roman" panose="02020603050405020304" pitchFamily="18" charset="0"/>
+                <a:cs typeface="Times New Roman" panose="02020603050405020304" pitchFamily="18" charset="0"/>
+              </a:rPr>
+              <a:t>applications</a:t>
+            </a:r>
+            <a:r>
+              <a:rPr lang="en-GB" sz="3600" dirty="0" smtClean="0">
+                <a:latin typeface="Times New Roman" panose="02020603050405020304" pitchFamily="18" charset="0"/>
+                <a:cs typeface="Times New Roman" panose="02020603050405020304" pitchFamily="18" charset="0"/>
+              </a:rPr>
+              <a:t>.</a:t>
+            </a:r>
+          </a:p>
+        </p:txBody>
+      </p:sp>
+      <p:pic>
+        <p:nvPicPr>
+          <p:cNvPr id="90" name="Resim 89"/>
+          <p:cNvPicPr/>
+          <p:nvPr/>
+        </p:nvPicPr>
+        <p:blipFill rotWithShape="1">
+          <a:blip r:embed="rId13" cstate="print">
+            <a:extLst>
+              <a:ext uri="{28A0092B-C50C-407E-A947-70E740481C1C}">
+                <a14:useLocalDpi xmlns:a14="http://schemas.microsoft.com/office/drawing/2010/main" val="0"/>
+              </a:ext>
+            </a:extLst>
+          </a:blip>
+          <a:srcRect l="3136" t="6914" r="8521" b="3320"/>
+          <a:stretch/>
+        </p:blipFill>
+        <p:spPr bwMode="auto">
+          <a:xfrm>
+            <a:off x="16209454" y="8747560"/>
+            <a:ext cx="6134963" cy="4966801"/>
+          </a:xfrm>
+          <a:prstGeom prst="rect">
+            <a:avLst/>
+          </a:prstGeom>
+          <a:noFill/>
+          <a:ln>
+            <a:noFill/>
+          </a:ln>
+          <a:extLst>
+            <a:ext uri="{53640926-AAD7-44D8-BBD7-CCE9431645EC}">
+              <a14:shadowObscured xmlns:a14="http://schemas.microsoft.com/office/drawing/2010/main"/>
+            </a:ext>
+          </a:extLst>
+        </p:spPr>
+      </p:pic>
+      <p:sp>
+        <p:nvSpPr>
+          <p:cNvPr id="96" name="Metin kutusu 95"/>
+          <p:cNvSpPr txBox="1"/>
+          <p:nvPr/>
+        </p:nvSpPr>
+        <p:spPr>
+          <a:xfrm>
+            <a:off x="15923704" y="13752462"/>
+            <a:ext cx="7580118" cy="1477328"/>
+          </a:xfrm>
+          <a:prstGeom prst="rect">
+            <a:avLst/>
+          </a:prstGeom>
+          <a:noFill/>
+        </p:spPr>
+        <p:txBody>
+          <a:bodyPr wrap="square" rtlCol="0">
+            <a:spAutoFit/>
+          </a:bodyPr>
+          <a:lstStyle/>
+          <a:p>
+            <a:pPr algn="l"/>
+            <a:r>
+              <a:rPr lang="en-US" sz="3000" dirty="0">
+                <a:latin typeface="Times New Roman" panose="02020603050405020304" pitchFamily="18" charset="0"/>
+                <a:cs typeface="Times New Roman" panose="02020603050405020304" pitchFamily="18" charset="0"/>
+              </a:rPr>
+              <a:t>Fig. </a:t>
+            </a:r>
+            <a:r>
+              <a:rPr lang="tr-TR" sz="3000" dirty="0" smtClean="0">
+                <a:latin typeface="Times New Roman" panose="02020603050405020304" pitchFamily="18" charset="0"/>
+                <a:cs typeface="Times New Roman" panose="02020603050405020304" pitchFamily="18" charset="0"/>
+              </a:rPr>
+              <a:t>3</a:t>
+            </a:r>
+            <a:r>
+              <a:rPr lang="en-US" sz="3000" dirty="0" smtClean="0">
+                <a:latin typeface="Times New Roman" panose="02020603050405020304" pitchFamily="18" charset="0"/>
+                <a:cs typeface="Times New Roman" panose="02020603050405020304" pitchFamily="18" charset="0"/>
+              </a:rPr>
+              <a:t>:</a:t>
+            </a:r>
+            <a:r>
+              <a:rPr lang="tr-TR" sz="3000" dirty="0" smtClean="0">
+                <a:latin typeface="Times New Roman" panose="02020603050405020304" pitchFamily="18" charset="0"/>
+                <a:cs typeface="Times New Roman" panose="02020603050405020304" pitchFamily="18" charset="0"/>
+              </a:rPr>
+              <a:t> </a:t>
+            </a:r>
+            <a:r>
+              <a:rPr lang="en-US" sz="3000" dirty="0">
+                <a:latin typeface="Times New Roman" panose="02020603050405020304" pitchFamily="18" charset="0"/>
+                <a:cs typeface="Times New Roman" panose="02020603050405020304" pitchFamily="18" charset="0"/>
+              </a:rPr>
+              <a:t>Thermal characteristics of </a:t>
+            </a:r>
+            <a:r>
+              <a:rPr lang="tr-TR" sz="3000" dirty="0" smtClean="0">
+                <a:latin typeface="Times New Roman" panose="02020603050405020304" pitchFamily="18" charset="0"/>
+                <a:cs typeface="Times New Roman" panose="02020603050405020304" pitchFamily="18" charset="0"/>
+              </a:rPr>
+              <a:t> G</a:t>
+            </a:r>
+            <a:r>
+              <a:rPr lang="en-US" sz="3000" dirty="0" smtClean="0">
+                <a:latin typeface="Times New Roman" panose="02020603050405020304" pitchFamily="18" charset="0"/>
+                <a:cs typeface="Times New Roman" panose="02020603050405020304" pitchFamily="18" charset="0"/>
+              </a:rPr>
+              <a:t>S66508B </a:t>
+            </a:r>
+            <a:r>
+              <a:rPr lang="en-US" sz="3000" dirty="0">
+                <a:latin typeface="Times New Roman" panose="02020603050405020304" pitchFamily="18" charset="0"/>
+                <a:cs typeface="Times New Roman" panose="02020603050405020304" pitchFamily="18" charset="0"/>
+              </a:rPr>
+              <a:t>obtained by the </a:t>
+            </a:r>
+            <a:r>
+              <a:rPr lang="en-US" sz="3000" dirty="0" smtClean="0">
+                <a:latin typeface="Times New Roman" panose="02020603050405020304" pitchFamily="18" charset="0"/>
+                <a:cs typeface="Times New Roman" panose="02020603050405020304" pitchFamily="18" charset="0"/>
+              </a:rPr>
+              <a:t>model for </a:t>
+            </a:r>
+            <a:r>
+              <a:rPr lang="en-US" sz="3000" dirty="0">
+                <a:latin typeface="Times New Roman" panose="02020603050405020304" pitchFamily="18" charset="0"/>
+                <a:cs typeface="Times New Roman" panose="02020603050405020304" pitchFamily="18" charset="0"/>
+              </a:rPr>
+              <a:t>forward conduction at 6V gate-source voltage</a:t>
+            </a:r>
+            <a:endParaRPr lang="en-US" sz="3000" dirty="0" smtClean="0">
+              <a:latin typeface="Times New Roman" panose="02020603050405020304" pitchFamily="18" charset="0"/>
+              <a:cs typeface="Times New Roman" panose="02020603050405020304" pitchFamily="18" charset="0"/>
+            </a:endParaRPr>
+          </a:p>
+        </p:txBody>
+      </p:sp>
+      <p:sp>
+        <p:nvSpPr>
+          <p:cNvPr id="97" name="Metin kutusu 96"/>
+          <p:cNvSpPr txBox="1"/>
+          <p:nvPr/>
+        </p:nvSpPr>
+        <p:spPr>
+          <a:xfrm>
+            <a:off x="7219950" y="15262833"/>
+            <a:ext cx="7551420" cy="5078313"/>
+          </a:xfrm>
+          <a:prstGeom prst="rect">
+            <a:avLst/>
+          </a:prstGeom>
+          <a:noFill/>
+        </p:spPr>
+        <p:txBody>
+          <a:bodyPr wrap="square" rtlCol="0">
+            <a:spAutoFit/>
+          </a:bodyPr>
+          <a:lstStyle/>
+          <a:p>
+            <a:pPr marL="571500" indent="-571500" algn="l">
+              <a:buFont typeface="Wingdings" panose="05000000000000000000" pitchFamily="2" charset="2"/>
+              <a:buChar char="§"/>
+            </a:pPr>
+            <a:r>
+              <a:rPr lang="en-GB" sz="3600" dirty="0" smtClean="0">
+                <a:latin typeface="Times New Roman" panose="02020603050405020304" pitchFamily="18" charset="0"/>
+                <a:cs typeface="Times New Roman" panose="02020603050405020304" pitchFamily="18" charset="0"/>
+              </a:rPr>
+              <a:t>Blue branch indicates the device channel</a:t>
+            </a:r>
+          </a:p>
+          <a:p>
+            <a:pPr marL="571500" indent="-571500" algn="l">
+              <a:buFont typeface="Wingdings" panose="05000000000000000000" pitchFamily="2" charset="2"/>
+              <a:buChar char="§"/>
+            </a:pPr>
+            <a:r>
+              <a:rPr lang="en-GB" sz="3600" dirty="0" smtClean="0">
+                <a:latin typeface="Times New Roman" panose="02020603050405020304" pitchFamily="18" charset="0"/>
+                <a:cs typeface="Times New Roman" panose="02020603050405020304" pitchFamily="18" charset="0"/>
+              </a:rPr>
+              <a:t>The parasitic capacitances are highly dependent on the electrical field between</a:t>
+            </a:r>
+            <a:r>
+              <a:rPr lang="tr-TR" sz="3600" dirty="0" smtClean="0">
+                <a:latin typeface="Times New Roman" panose="02020603050405020304" pitchFamily="18" charset="0"/>
+                <a:cs typeface="Times New Roman" panose="02020603050405020304" pitchFamily="18" charset="0"/>
+              </a:rPr>
+              <a:t> </a:t>
+            </a:r>
+            <a:r>
+              <a:rPr lang="en-GB" sz="3600" dirty="0" smtClean="0">
+                <a:latin typeface="Times New Roman" panose="02020603050405020304" pitchFamily="18" charset="0"/>
+                <a:cs typeface="Times New Roman" panose="02020603050405020304" pitchFamily="18" charset="0"/>
+              </a:rPr>
+              <a:t>drain-source terminals.</a:t>
+            </a:r>
+          </a:p>
+          <a:p>
+            <a:pPr marL="571500" indent="-571500" algn="l">
+              <a:buFont typeface="Wingdings" panose="05000000000000000000" pitchFamily="2" charset="2"/>
+              <a:buChar char="§"/>
+            </a:pPr>
+            <a:r>
+              <a:rPr lang="en-GB" sz="3600" dirty="0" smtClean="0">
+                <a:latin typeface="Times New Roman" panose="02020603050405020304" pitchFamily="18" charset="0"/>
+                <a:cs typeface="Times New Roman" panose="02020603050405020304" pitchFamily="18" charset="0"/>
+              </a:rPr>
+              <a:t>Kelvin Source (SS) pin is used to eliminate Common Source Inductance (CSI) which might cause the device failure.</a:t>
+            </a:r>
+          </a:p>
+        </p:txBody>
+      </p:sp>
+      <p:sp>
+        <p:nvSpPr>
+          <p:cNvPr id="98" name="Metin kutusu 97"/>
+          <p:cNvSpPr txBox="1"/>
+          <p:nvPr/>
+        </p:nvSpPr>
+        <p:spPr>
+          <a:xfrm>
+            <a:off x="22578363" y="9287065"/>
+            <a:ext cx="6979920" cy="3416320"/>
+          </a:xfrm>
+          <a:prstGeom prst="rect">
+            <a:avLst/>
+          </a:prstGeom>
+          <a:noFill/>
+        </p:spPr>
+        <p:txBody>
+          <a:bodyPr wrap="square" rtlCol="0">
+            <a:spAutoFit/>
+          </a:bodyPr>
+          <a:lstStyle/>
+          <a:p>
+            <a:pPr marL="571500" indent="-571500" algn="l">
+              <a:buFont typeface="Wingdings" panose="05000000000000000000" pitchFamily="2" charset="2"/>
+              <a:buChar char="§"/>
+            </a:pPr>
+            <a:r>
+              <a:rPr lang="en-GB" sz="3600" dirty="0" smtClean="0">
+                <a:latin typeface="Times New Roman" panose="02020603050405020304" pitchFamily="18" charset="0"/>
+                <a:cs typeface="Times New Roman" panose="02020603050405020304" pitchFamily="18" charset="0"/>
+              </a:rPr>
+              <a:t>Junction temperature is a key factor which affects the trans</a:t>
+            </a:r>
+            <a:r>
+              <a:rPr lang="tr-TR" sz="3600" dirty="0" smtClean="0">
+                <a:latin typeface="Times New Roman" panose="02020603050405020304" pitchFamily="18" charset="0"/>
+                <a:cs typeface="Times New Roman" panose="02020603050405020304" pitchFamily="18" charset="0"/>
+              </a:rPr>
+              <a:t>-</a:t>
+            </a:r>
+            <a:r>
+              <a:rPr lang="en-GB" sz="3600" dirty="0" smtClean="0">
+                <a:latin typeface="Times New Roman" panose="02020603050405020304" pitchFamily="18" charset="0"/>
+                <a:cs typeface="Times New Roman" panose="02020603050405020304" pitchFamily="18" charset="0"/>
+              </a:rPr>
+              <a:t>conductance of the device</a:t>
+            </a:r>
+          </a:p>
+          <a:p>
+            <a:pPr marL="571500" indent="-571500" algn="l">
+              <a:buFont typeface="Wingdings" panose="05000000000000000000" pitchFamily="2" charset="2"/>
+              <a:buChar char="§"/>
+            </a:pPr>
+            <a:r>
+              <a:rPr lang="en-GB" sz="3600" dirty="0" smtClean="0">
+                <a:latin typeface="Times New Roman" panose="02020603050405020304" pitchFamily="18" charset="0"/>
+                <a:cs typeface="Times New Roman" panose="02020603050405020304" pitchFamily="18" charset="0"/>
+              </a:rPr>
+              <a:t>The trans-conductance is nearly halved for every 75ºC increase in junction temperature</a:t>
+            </a:r>
+          </a:p>
+        </p:txBody>
+      </p:sp>
+      <p:sp>
+        <p:nvSpPr>
+          <p:cNvPr id="99" name="Metin kutusu 56"/>
+          <p:cNvSpPr txBox="1">
+            <a:spLocks noChangeArrowheads="1"/>
+          </p:cNvSpPr>
+          <p:nvPr/>
+        </p:nvSpPr>
+        <p:spPr bwMode="auto">
+          <a:xfrm>
+            <a:off x="15511462" y="15474792"/>
             <a:ext cx="14239875" cy="769441"/>
           </a:xfrm>
           <a:prstGeom prst="rect">
@@ -2583,334 +4462,23 @@
           <a:p>
             <a:r>
               <a:rPr lang="tr-TR" altLang="en-US" sz="4400" b="1" dirty="0" err="1" smtClean="0"/>
-              <a:t>Dynamic</a:t>
+              <a:t>Switching</a:t>
             </a:r>
             <a:r>
               <a:rPr lang="tr-TR" altLang="en-US" sz="4400" b="1" dirty="0" smtClean="0"/>
-              <a:t> Model </a:t>
+              <a:t> Test </a:t>
             </a:r>
             <a:r>
               <a:rPr lang="tr-TR" altLang="en-US" sz="4400" b="1" dirty="0" err="1" smtClean="0"/>
-              <a:t>Results</a:t>
-            </a:r>
-            <a:endParaRPr lang="en-US" altLang="en-US" sz="4400" b="1" dirty="0"/>
-          </a:p>
-        </p:txBody>
-      </p:sp>
-      <p:pic>
-        <p:nvPicPr>
-          <p:cNvPr id="122" name="Picture 23"/>
-          <p:cNvPicPr/>
-          <p:nvPr/>
-        </p:nvPicPr>
-        <p:blipFill rotWithShape="1">
-          <a:blip r:embed="rId8" cstate="print">
-            <a:extLst>
-              <a:ext uri="{28A0092B-C50C-407E-A947-70E740481C1C}">
-                <a14:useLocalDpi xmlns:a14="http://schemas.microsoft.com/office/drawing/2010/main" val="0"/>
-              </a:ext>
-            </a:extLst>
-          </a:blip>
-          <a:srcRect l="1" t="5631" r="6374"/>
-          <a:stretch/>
-        </p:blipFill>
-        <p:spPr bwMode="auto">
-          <a:xfrm>
-            <a:off x="1376077" y="21752164"/>
-            <a:ext cx="5593656" cy="5000335"/>
-          </a:xfrm>
-          <a:prstGeom prst="rect">
-            <a:avLst/>
-          </a:prstGeom>
-          <a:noFill/>
-          <a:ln>
-            <a:noFill/>
-          </a:ln>
-          <a:extLst>
-            <a:ext uri="{53640926-AAD7-44D8-BBD7-CCE9431645EC}">
-              <a14:shadowObscured xmlns:a14="http://schemas.microsoft.com/office/drawing/2010/main"/>
-            </a:ext>
-          </a:extLst>
-        </p:spPr>
-      </p:pic>
-      <p:pic>
-        <p:nvPicPr>
-          <p:cNvPr id="123" name="Picture 3"/>
-          <p:cNvPicPr/>
-          <p:nvPr/>
-        </p:nvPicPr>
-        <p:blipFill rotWithShape="1">
-          <a:blip r:embed="rId9" cstate="print">
-            <a:extLst>
-              <a:ext uri="{28A0092B-C50C-407E-A947-70E740481C1C}">
-                <a14:useLocalDpi xmlns:a14="http://schemas.microsoft.com/office/drawing/2010/main" val="0"/>
-              </a:ext>
-            </a:extLst>
-          </a:blip>
-          <a:srcRect l="1981" t="1511" r="7833"/>
-          <a:stretch/>
-        </p:blipFill>
-        <p:spPr bwMode="auto">
-          <a:xfrm>
-            <a:off x="8024323" y="21752164"/>
-            <a:ext cx="5664267" cy="5000335"/>
-          </a:xfrm>
-          <a:prstGeom prst="rect">
-            <a:avLst/>
-          </a:prstGeom>
-          <a:noFill/>
-          <a:ln>
-            <a:noFill/>
-          </a:ln>
-          <a:extLst>
-            <a:ext uri="{53640926-AAD7-44D8-BBD7-CCE9431645EC}">
-              <a14:shadowObscured xmlns:a14="http://schemas.microsoft.com/office/drawing/2010/main"/>
-            </a:ext>
-          </a:extLst>
-        </p:spPr>
-      </p:pic>
-      <p:sp>
-        <p:nvSpPr>
-          <p:cNvPr id="126" name="Metin kutusu 125"/>
-          <p:cNvSpPr txBox="1"/>
-          <p:nvPr/>
-        </p:nvSpPr>
-        <p:spPr>
-          <a:xfrm>
-            <a:off x="17311325" y="30189200"/>
-            <a:ext cx="4001632" cy="553998"/>
-          </a:xfrm>
-          <a:prstGeom prst="rect">
-            <a:avLst/>
-          </a:prstGeom>
-          <a:noFill/>
-        </p:spPr>
-        <p:txBody>
-          <a:bodyPr wrap="square" rtlCol="0">
-            <a:spAutoFit/>
-          </a:bodyPr>
-          <a:lstStyle/>
-          <a:p>
-            <a:r>
-              <a:rPr lang="tr-TR" sz="3000" dirty="0" err="1" smtClean="0"/>
-              <a:t>Capacitances</a:t>
-            </a:r>
-            <a:r>
-              <a:rPr lang="tr-TR" sz="3000" dirty="0" smtClean="0"/>
+              <a:t>Circuit</a:t>
+            </a:r>
+            <a:r>
+              <a:rPr lang="tr-TR" altLang="en-US" sz="4400" b="1" dirty="0" smtClean="0"/>
               <a:t> </a:t>
             </a:r>
             <a:r>
-              <a:rPr lang="tr-TR" sz="3000" dirty="0" err="1" smtClean="0"/>
-              <a:t>vs</a:t>
-            </a:r>
-            <a:r>
-              <a:rPr lang="tr-TR" sz="3000" dirty="0" smtClean="0"/>
-              <a:t> V</a:t>
-            </a:r>
-            <a:r>
-              <a:rPr lang="tr-TR" sz="2400" dirty="0" smtClean="0"/>
-              <a:t>DS</a:t>
-            </a:r>
-            <a:endParaRPr lang="en-US" sz="3000" dirty="0"/>
-          </a:p>
-        </p:txBody>
-      </p:sp>
-      <p:sp>
-        <p:nvSpPr>
-          <p:cNvPr id="127" name="Metin kutusu 126"/>
-          <p:cNvSpPr txBox="1"/>
-          <p:nvPr/>
-        </p:nvSpPr>
-        <p:spPr>
-          <a:xfrm>
-            <a:off x="24363333" y="30189200"/>
-            <a:ext cx="4001632" cy="553998"/>
-          </a:xfrm>
-          <a:prstGeom prst="rect">
-            <a:avLst/>
-          </a:prstGeom>
-          <a:noFill/>
-        </p:spPr>
-        <p:txBody>
-          <a:bodyPr wrap="square" rtlCol="0">
-            <a:spAutoFit/>
-          </a:bodyPr>
-          <a:lstStyle/>
-          <a:p>
-            <a:r>
-              <a:rPr lang="tr-TR" sz="3000" dirty="0" smtClean="0"/>
-              <a:t>C</a:t>
-            </a:r>
-            <a:r>
-              <a:rPr lang="tr-TR" sz="2400" dirty="0" smtClean="0"/>
-              <a:t>ISS</a:t>
-            </a:r>
-            <a:r>
-              <a:rPr lang="tr-TR" sz="3000" dirty="0" smtClean="0"/>
-              <a:t> </a:t>
-            </a:r>
-            <a:r>
-              <a:rPr lang="tr-TR" sz="3000" dirty="0" err="1" smtClean="0"/>
-              <a:t>vs</a:t>
-            </a:r>
-            <a:r>
-              <a:rPr lang="tr-TR" sz="3000" dirty="0" smtClean="0"/>
-              <a:t> V</a:t>
-            </a:r>
-            <a:r>
-              <a:rPr lang="tr-TR" sz="2400" dirty="0" smtClean="0"/>
-              <a:t>GS</a:t>
-            </a:r>
-            <a:endParaRPr lang="en-US" sz="3000" dirty="0"/>
-          </a:p>
-        </p:txBody>
-      </p:sp>
-      <p:sp>
-        <p:nvSpPr>
-          <p:cNvPr id="130" name="Metin kutusu 56"/>
-          <p:cNvSpPr txBox="1">
-            <a:spLocks noChangeArrowheads="1"/>
-          </p:cNvSpPr>
-          <p:nvPr/>
-        </p:nvSpPr>
-        <p:spPr bwMode="auto">
-          <a:xfrm>
-            <a:off x="7921549" y="40566492"/>
-            <a:ext cx="14239875" cy="707886"/>
-          </a:xfrm>
-          <a:prstGeom prst="rect">
-            <a:avLst/>
-          </a:prstGeom>
-          <a:noFill/>
-          <a:ln>
-            <a:noFill/>
-          </a:ln>
-          <a:extLst>
-            <a:ext uri="{909E8E84-426E-40DD-AFC4-6F175D3DCCD1}">
-              <a14:hiddenFill xmlns:a14="http://schemas.microsoft.com/office/drawing/2010/main">
-                <a:solidFill>
-                  <a:srgbClr val="FFFFFF"/>
-                </a:solidFill>
-              </a14:hiddenFill>
-            </a:ext>
-            <a:ext uri="{91240B29-F687-4F45-9708-019B960494DF}">
-              <a14:hiddenLine xmlns:a14="http://schemas.microsoft.com/office/drawing/2010/main" w="9525">
-                <a:solidFill>
-                  <a:srgbClr val="000000"/>
-                </a:solidFill>
-                <a:miter lim="800000"/>
-                <a:headEnd/>
-                <a:tailEnd/>
-              </a14:hiddenLine>
-            </a:ext>
-          </a:extLst>
-        </p:spPr>
-        <p:txBody>
-          <a:bodyPr>
-            <a:spAutoFit/>
-          </a:bodyPr>
-          <a:lstStyle>
-            <a:lvl1pPr>
-              <a:defRPr sz="8200">
-                <a:solidFill>
-                  <a:schemeClr val="tx1"/>
-                </a:solidFill>
-                <a:latin typeface="Arial" panose="020B0604020202020204" pitchFamily="34" charset="0"/>
-              </a:defRPr>
-            </a:lvl1pPr>
-            <a:lvl2pPr marL="742950" indent="-285750">
-              <a:defRPr sz="8200">
-                <a:solidFill>
-                  <a:schemeClr val="tx1"/>
-                </a:solidFill>
-                <a:latin typeface="Arial" panose="020B0604020202020204" pitchFamily="34" charset="0"/>
-              </a:defRPr>
-            </a:lvl2pPr>
-            <a:lvl3pPr marL="1143000" indent="-228600">
-              <a:defRPr sz="8200">
-                <a:solidFill>
-                  <a:schemeClr val="tx1"/>
-                </a:solidFill>
-                <a:latin typeface="Arial" panose="020B0604020202020204" pitchFamily="34" charset="0"/>
-              </a:defRPr>
-            </a:lvl3pPr>
-            <a:lvl4pPr marL="1600200" indent="-228600">
-              <a:defRPr sz="8200">
-                <a:solidFill>
-                  <a:schemeClr val="tx1"/>
-                </a:solidFill>
-                <a:latin typeface="Arial" panose="020B0604020202020204" pitchFamily="34" charset="0"/>
-              </a:defRPr>
-            </a:lvl4pPr>
-            <a:lvl5pPr marL="2057400" indent="-228600">
-              <a:defRPr sz="8200">
-                <a:solidFill>
-                  <a:schemeClr val="tx1"/>
-                </a:solidFill>
-                <a:latin typeface="Arial" panose="020B0604020202020204" pitchFamily="34" charset="0"/>
-              </a:defRPr>
-            </a:lvl5pPr>
-            <a:lvl6pPr marL="2514600" indent="-228600" eaLnBrk="0" fontAlgn="base" hangingPunct="0">
-              <a:spcBef>
-                <a:spcPct val="0"/>
-              </a:spcBef>
-              <a:spcAft>
-                <a:spcPct val="0"/>
-              </a:spcAft>
-              <a:defRPr sz="8200">
-                <a:solidFill>
-                  <a:schemeClr val="tx1"/>
-                </a:solidFill>
-                <a:latin typeface="Arial" panose="020B0604020202020204" pitchFamily="34" charset="0"/>
-              </a:defRPr>
-            </a:lvl6pPr>
-            <a:lvl7pPr marL="2971800" indent="-228600" eaLnBrk="0" fontAlgn="base" hangingPunct="0">
-              <a:spcBef>
-                <a:spcPct val="0"/>
-              </a:spcBef>
-              <a:spcAft>
-                <a:spcPct val="0"/>
-              </a:spcAft>
-              <a:defRPr sz="8200">
-                <a:solidFill>
-                  <a:schemeClr val="tx1"/>
-                </a:solidFill>
-                <a:latin typeface="Arial" panose="020B0604020202020204" pitchFamily="34" charset="0"/>
-              </a:defRPr>
-            </a:lvl7pPr>
-            <a:lvl8pPr marL="3429000" indent="-228600" eaLnBrk="0" fontAlgn="base" hangingPunct="0">
-              <a:spcBef>
-                <a:spcPct val="0"/>
-              </a:spcBef>
-              <a:spcAft>
-                <a:spcPct val="0"/>
-              </a:spcAft>
-              <a:defRPr sz="8200">
-                <a:solidFill>
-                  <a:schemeClr val="tx1"/>
-                </a:solidFill>
-                <a:latin typeface="Arial" panose="020B0604020202020204" pitchFamily="34" charset="0"/>
-              </a:defRPr>
-            </a:lvl8pPr>
-            <a:lvl9pPr marL="3886200" indent="-228600" eaLnBrk="0" fontAlgn="base" hangingPunct="0">
-              <a:spcBef>
-                <a:spcPct val="0"/>
-              </a:spcBef>
-              <a:spcAft>
-                <a:spcPct val="0"/>
-              </a:spcAft>
-              <a:defRPr sz="8200">
-                <a:solidFill>
-                  <a:schemeClr val="tx1"/>
-                </a:solidFill>
-                <a:latin typeface="Arial" panose="020B0604020202020204" pitchFamily="34" charset="0"/>
-              </a:defRPr>
-            </a:lvl9pPr>
-          </a:lstStyle>
-          <a:p>
-            <a:r>
-              <a:rPr lang="en-GB" altLang="en-US" sz="4000" b="1" dirty="0" smtClean="0"/>
-              <a:t>References</a:t>
+              <a:rPr lang="tr-TR" altLang="en-US" sz="4400" b="1" dirty="0" err="1" smtClean="0"/>
+              <a:t>Configurations</a:t>
             </a:r>
             <a:endParaRPr lang="en-GB" altLang="en-US" sz="4400" b="1" dirty="0"/>
           </a:p>
@@ -2918,844 +4486,14 @@
       </p:sp>
       <p:sp>
         <p:nvSpPr>
-          <p:cNvPr id="131" name="Metin kutusu 53"/>
+          <p:cNvPr id="100" name="Metin kutusu 99"/>
           <p:cNvSpPr txBox="1"/>
           <p:nvPr/>
         </p:nvSpPr>
         <p:spPr>
           <a:xfrm>
-            <a:off x="765007" y="41120528"/>
-            <a:ext cx="28089072" cy="1015663"/>
-          </a:xfrm>
-          <a:prstGeom prst="rect">
-            <a:avLst/>
-          </a:prstGeom>
-          <a:noFill/>
-        </p:spPr>
-        <p:txBody>
-          <a:bodyPr wrap="square">
-            <a:spAutoFit/>
-          </a:bodyPr>
-          <a:lstStyle/>
-          <a:p>
-            <a:pPr algn="just">
-              <a:defRPr/>
-            </a:pPr>
-            <a:r>
-              <a:rPr lang="tr-TR" sz="2000" dirty="0" smtClean="0"/>
-              <a:t>[1]    	GaN </a:t>
-            </a:r>
-            <a:r>
-              <a:rPr lang="tr-TR" sz="2000" dirty="0" err="1"/>
-              <a:t>Transistors</a:t>
-            </a:r>
-            <a:r>
-              <a:rPr lang="tr-TR" sz="2000" dirty="0"/>
-              <a:t> </a:t>
-            </a:r>
-            <a:r>
-              <a:rPr lang="tr-TR" sz="2000" dirty="0" err="1"/>
-              <a:t>for</a:t>
-            </a:r>
-            <a:r>
-              <a:rPr lang="tr-TR" sz="2000" dirty="0"/>
-              <a:t> </a:t>
-            </a:r>
-            <a:r>
-              <a:rPr lang="tr-TR" sz="2000" dirty="0" err="1"/>
-              <a:t>Efficient</a:t>
-            </a:r>
-            <a:r>
-              <a:rPr lang="tr-TR" sz="2000" dirty="0"/>
-              <a:t> </a:t>
-            </a:r>
-            <a:r>
-              <a:rPr lang="tr-TR" sz="2000" dirty="0" err="1"/>
-              <a:t>Power</a:t>
-            </a:r>
-            <a:r>
-              <a:rPr lang="tr-TR" sz="2000" dirty="0"/>
-              <a:t> Conversion. (2014). </a:t>
-            </a:r>
-            <a:endParaRPr lang="tr-TR" sz="2000" dirty="0" smtClean="0"/>
-          </a:p>
-          <a:p>
-            <a:pPr algn="just">
-              <a:defRPr/>
-            </a:pPr>
-            <a:r>
-              <a:rPr lang="tr-TR" sz="2000" dirty="0" smtClean="0"/>
-              <a:t>[2]    	</a:t>
-            </a:r>
-            <a:r>
-              <a:rPr lang="en-GB" sz="2000" dirty="0" smtClean="0"/>
-              <a:t>Jones</a:t>
-            </a:r>
-            <a:r>
-              <a:rPr lang="en-GB" sz="2000" dirty="0"/>
-              <a:t>, E. A., Wang, F. F., &amp; </a:t>
-            </a:r>
-            <a:r>
-              <a:rPr lang="en-GB" sz="2000" dirty="0" err="1"/>
-              <a:t>Costinett</a:t>
-            </a:r>
-            <a:r>
-              <a:rPr lang="en-GB" sz="2000" dirty="0"/>
-              <a:t>, D. (2016). Review of Commercial GaN Power Devices and </a:t>
-            </a:r>
-            <a:r>
-              <a:rPr lang="en-GB" sz="2000" dirty="0" smtClean="0"/>
-              <a:t>GaN-Based Converter </a:t>
-            </a:r>
-            <a:r>
-              <a:rPr lang="en-GB" sz="2000" dirty="0"/>
-              <a:t>Design Challenges. IEEE Journal of Emerging and Selected Topics in Power </a:t>
-            </a:r>
-            <a:r>
-              <a:rPr lang="en-GB" sz="2000" dirty="0" smtClean="0"/>
-              <a:t>Electronics</a:t>
-            </a:r>
-            <a:r>
-              <a:rPr lang="en-GB" sz="2000" dirty="0"/>
-              <a:t>, 4(3), 707–719. </a:t>
-            </a:r>
-            <a:endParaRPr lang="tr-TR" sz="2000" dirty="0" smtClean="0"/>
-          </a:p>
-          <a:p>
-            <a:pPr algn="just">
-              <a:defRPr/>
-            </a:pPr>
-            <a:r>
-              <a:rPr lang="tr-TR" sz="2000" dirty="0" smtClean="0"/>
-              <a:t>[3]	</a:t>
-            </a:r>
-            <a:r>
-              <a:rPr lang="en-US" sz="2000" dirty="0" smtClean="0"/>
-              <a:t>GaN </a:t>
-            </a:r>
-            <a:r>
-              <a:rPr lang="en-US" sz="2000" dirty="0"/>
-              <a:t>Systems, “GS66508B Bottom-side cooled 650 V E-mode GaN transistor Preliminary Datasheet,” pp. </a:t>
-            </a:r>
-            <a:r>
-              <a:rPr lang="en-US" sz="2000" dirty="0" smtClean="0"/>
-              <a:t>1–16</a:t>
-            </a:r>
-            <a:r>
-              <a:rPr lang="en-US" sz="2000" dirty="0"/>
-              <a:t>, 2018.</a:t>
-            </a:r>
-            <a:endParaRPr lang="en-GB" sz="2000" dirty="0" smtClean="0"/>
-          </a:p>
-        </p:txBody>
-      </p:sp>
-      <p:sp>
-        <p:nvSpPr>
-          <p:cNvPr id="54" name="Text Box 14"/>
-          <p:cNvSpPr txBox="1">
-            <a:spLocks noChangeArrowheads="1"/>
-          </p:cNvSpPr>
-          <p:nvPr/>
-        </p:nvSpPr>
-        <p:spPr bwMode="auto">
-          <a:xfrm>
-            <a:off x="16209454" y="4447641"/>
-            <a:ext cx="13245158" cy="1723549"/>
-          </a:xfrm>
-          <a:prstGeom prst="rect">
-            <a:avLst/>
-          </a:prstGeom>
-          <a:noFill/>
-          <a:ln w="9525">
-            <a:noFill/>
-            <a:miter lim="800000"/>
-            <a:headEnd/>
-            <a:tailEnd/>
-          </a:ln>
-          <a:effectLst/>
-        </p:spPr>
-        <p:txBody>
-          <a:bodyPr wrap="square">
-            <a:spAutoFit/>
-          </a:bodyPr>
-          <a:lstStyle/>
-          <a:p>
-            <a:pPr defTabSz="4389438"/>
-            <a:r>
-              <a:rPr lang="tr-TR" sz="6600" noProof="1" smtClean="0"/>
-              <a:t>Ozan Keysan</a:t>
-            </a:r>
-            <a:endParaRPr lang="en-US" sz="6600" noProof="1" smtClean="0"/>
-          </a:p>
-          <a:p>
-            <a:pPr defTabSz="4389438"/>
-            <a:r>
-              <a:rPr lang="tr-TR" sz="4000" i="1" noProof="1" smtClean="0"/>
-              <a:t>(keysan</a:t>
-            </a:r>
-            <a:r>
-              <a:rPr lang="en-US" sz="4000" i="1" noProof="1" smtClean="0"/>
-              <a:t>@metu.edu.tr</a:t>
-            </a:r>
-            <a:r>
-              <a:rPr lang="tr-TR" sz="4000" i="1" noProof="1" smtClean="0"/>
-              <a:t>)</a:t>
-            </a:r>
-            <a:endParaRPr lang="en-US" sz="7200" noProof="1"/>
-          </a:p>
-        </p:txBody>
-      </p:sp>
-      <p:sp>
-        <p:nvSpPr>
-          <p:cNvPr id="55" name="Text Box 14"/>
-          <p:cNvSpPr txBox="1">
-            <a:spLocks noChangeArrowheads="1"/>
-          </p:cNvSpPr>
-          <p:nvPr/>
-        </p:nvSpPr>
-        <p:spPr bwMode="auto">
-          <a:xfrm>
-            <a:off x="8493596" y="6534970"/>
-            <a:ext cx="13245158" cy="830997"/>
-          </a:xfrm>
-          <a:prstGeom prst="rect">
-            <a:avLst/>
-          </a:prstGeom>
-          <a:noFill/>
-          <a:ln w="9525">
-            <a:noFill/>
-            <a:miter lim="800000"/>
-            <a:headEnd/>
-            <a:tailEnd/>
-          </a:ln>
-          <a:effectLst/>
-        </p:spPr>
-        <p:txBody>
-          <a:bodyPr wrap="square">
-            <a:spAutoFit/>
-          </a:bodyPr>
-          <a:lstStyle/>
-          <a:p>
-            <a:pPr defTabSz="4389438"/>
-            <a:r>
-              <a:rPr lang="en-US" sz="4800" b="1" i="1" noProof="1" smtClean="0"/>
-              <a:t>PowerLab Research Group</a:t>
-            </a:r>
-            <a:r>
-              <a:rPr lang="tr-TR" sz="4800" b="1" i="1" noProof="1" smtClean="0"/>
-              <a:t>, </a:t>
-            </a:r>
-            <a:r>
-              <a:rPr lang="en-US" sz="4800" b="1" i="1" noProof="1" smtClean="0"/>
-              <a:t>METU, ANKARA </a:t>
-            </a:r>
-            <a:endParaRPr lang="tr-TR" sz="4800" b="1" i="1" noProof="1" smtClean="0"/>
-          </a:p>
-        </p:txBody>
-      </p:sp>
-      <p:sp>
-        <p:nvSpPr>
-          <p:cNvPr id="61" name="Metin kutusu 56"/>
-          <p:cNvSpPr txBox="1">
-            <a:spLocks noChangeArrowheads="1"/>
-          </p:cNvSpPr>
-          <p:nvPr/>
-        </p:nvSpPr>
-        <p:spPr bwMode="auto">
-          <a:xfrm>
-            <a:off x="15712096" y="35620348"/>
-            <a:ext cx="14239875" cy="923330"/>
-          </a:xfrm>
-          <a:prstGeom prst="rect">
-            <a:avLst/>
-          </a:prstGeom>
-          <a:noFill/>
-          <a:ln>
-            <a:noFill/>
-          </a:ln>
-          <a:extLst>
-            <a:ext uri="{909E8E84-426E-40DD-AFC4-6F175D3DCCD1}">
-              <a14:hiddenFill xmlns:a14="http://schemas.microsoft.com/office/drawing/2010/main">
-                <a:solidFill>
-                  <a:srgbClr val="FFFFFF"/>
-                </a:solidFill>
-              </a14:hiddenFill>
-            </a:ext>
-            <a:ext uri="{91240B29-F687-4F45-9708-019B960494DF}">
-              <a14:hiddenLine xmlns:a14="http://schemas.microsoft.com/office/drawing/2010/main" w="9525">
-                <a:solidFill>
-                  <a:srgbClr val="000000"/>
-                </a:solidFill>
-                <a:miter lim="800000"/>
-                <a:headEnd/>
-                <a:tailEnd/>
-              </a14:hiddenLine>
-            </a:ext>
-          </a:extLst>
-        </p:spPr>
-        <p:txBody>
-          <a:bodyPr>
-            <a:spAutoFit/>
-          </a:bodyPr>
-          <a:lstStyle>
-            <a:lvl1pPr>
-              <a:defRPr sz="8200">
-                <a:solidFill>
-                  <a:schemeClr val="tx1"/>
-                </a:solidFill>
-                <a:latin typeface="Arial" panose="020B0604020202020204" pitchFamily="34" charset="0"/>
-              </a:defRPr>
-            </a:lvl1pPr>
-            <a:lvl2pPr marL="742950" indent="-285750">
-              <a:defRPr sz="8200">
-                <a:solidFill>
-                  <a:schemeClr val="tx1"/>
-                </a:solidFill>
-                <a:latin typeface="Arial" panose="020B0604020202020204" pitchFamily="34" charset="0"/>
-              </a:defRPr>
-            </a:lvl2pPr>
-            <a:lvl3pPr marL="1143000" indent="-228600">
-              <a:defRPr sz="8200">
-                <a:solidFill>
-                  <a:schemeClr val="tx1"/>
-                </a:solidFill>
-                <a:latin typeface="Arial" panose="020B0604020202020204" pitchFamily="34" charset="0"/>
-              </a:defRPr>
-            </a:lvl3pPr>
-            <a:lvl4pPr marL="1600200" indent="-228600">
-              <a:defRPr sz="8200">
-                <a:solidFill>
-                  <a:schemeClr val="tx1"/>
-                </a:solidFill>
-                <a:latin typeface="Arial" panose="020B0604020202020204" pitchFamily="34" charset="0"/>
-              </a:defRPr>
-            </a:lvl4pPr>
-            <a:lvl5pPr marL="2057400" indent="-228600">
-              <a:defRPr sz="8200">
-                <a:solidFill>
-                  <a:schemeClr val="tx1"/>
-                </a:solidFill>
-                <a:latin typeface="Arial" panose="020B0604020202020204" pitchFamily="34" charset="0"/>
-              </a:defRPr>
-            </a:lvl5pPr>
-            <a:lvl6pPr marL="2514600" indent="-228600" eaLnBrk="0" fontAlgn="base" hangingPunct="0">
-              <a:spcBef>
-                <a:spcPct val="0"/>
-              </a:spcBef>
-              <a:spcAft>
-                <a:spcPct val="0"/>
-              </a:spcAft>
-              <a:defRPr sz="8200">
-                <a:solidFill>
-                  <a:schemeClr val="tx1"/>
-                </a:solidFill>
-                <a:latin typeface="Arial" panose="020B0604020202020204" pitchFamily="34" charset="0"/>
-              </a:defRPr>
-            </a:lvl6pPr>
-            <a:lvl7pPr marL="2971800" indent="-228600" eaLnBrk="0" fontAlgn="base" hangingPunct="0">
-              <a:spcBef>
-                <a:spcPct val="0"/>
-              </a:spcBef>
-              <a:spcAft>
-                <a:spcPct val="0"/>
-              </a:spcAft>
-              <a:defRPr sz="8200">
-                <a:solidFill>
-                  <a:schemeClr val="tx1"/>
-                </a:solidFill>
-                <a:latin typeface="Arial" panose="020B0604020202020204" pitchFamily="34" charset="0"/>
-              </a:defRPr>
-            </a:lvl7pPr>
-            <a:lvl8pPr marL="3429000" indent="-228600" eaLnBrk="0" fontAlgn="base" hangingPunct="0">
-              <a:spcBef>
-                <a:spcPct val="0"/>
-              </a:spcBef>
-              <a:spcAft>
-                <a:spcPct val="0"/>
-              </a:spcAft>
-              <a:defRPr sz="8200">
-                <a:solidFill>
-                  <a:schemeClr val="tx1"/>
-                </a:solidFill>
-                <a:latin typeface="Arial" panose="020B0604020202020204" pitchFamily="34" charset="0"/>
-              </a:defRPr>
-            </a:lvl8pPr>
-            <a:lvl9pPr marL="3886200" indent="-228600" eaLnBrk="0" fontAlgn="base" hangingPunct="0">
-              <a:spcBef>
-                <a:spcPct val="0"/>
-              </a:spcBef>
-              <a:spcAft>
-                <a:spcPct val="0"/>
-              </a:spcAft>
-              <a:defRPr sz="8200">
-                <a:solidFill>
-                  <a:schemeClr val="tx1"/>
-                </a:solidFill>
-                <a:latin typeface="Arial" panose="020B0604020202020204" pitchFamily="34" charset="0"/>
-              </a:defRPr>
-            </a:lvl9pPr>
-          </a:lstStyle>
-          <a:p>
-            <a:r>
-              <a:rPr lang="tr-TR" altLang="en-US" sz="5400" b="1" dirty="0" err="1" smtClean="0"/>
-              <a:t>Conclusion</a:t>
-            </a:r>
-            <a:endParaRPr lang="en-US" altLang="en-US" sz="4400" b="1" dirty="0"/>
-          </a:p>
-        </p:txBody>
-      </p:sp>
-      <p:sp>
-        <p:nvSpPr>
-          <p:cNvPr id="62" name="Metin kutusu 53"/>
-          <p:cNvSpPr txBox="1"/>
-          <p:nvPr/>
-        </p:nvSpPr>
-        <p:spPr>
-          <a:xfrm>
-            <a:off x="16079980" y="36654389"/>
-            <a:ext cx="13129404" cy="3323987"/>
-          </a:xfrm>
-          <a:prstGeom prst="rect">
-            <a:avLst/>
-          </a:prstGeom>
-          <a:noFill/>
-        </p:spPr>
-        <p:txBody>
-          <a:bodyPr wrap="square">
-            <a:spAutoFit/>
-          </a:bodyPr>
-          <a:lstStyle/>
-          <a:p>
-            <a:pPr algn="just">
-              <a:defRPr/>
-            </a:pPr>
-            <a:r>
-              <a:rPr lang="en-GB" sz="3000" dirty="0" smtClean="0"/>
-              <a:t>In this study, the general structure of an enhancement mode GaN transistor is shared. Since the GaN transistors are wide bandgap transistors</a:t>
-            </a:r>
-          </a:p>
-          <a:p>
-            <a:pPr algn="just">
-              <a:defRPr/>
-            </a:pPr>
-            <a:r>
-              <a:rPr lang="en-GB" sz="3000" dirty="0" smtClean="0"/>
-              <a:t> it is possible to manufacture</a:t>
-            </a:r>
-            <a:r>
-              <a:rPr lang="tr-TR" sz="3000" dirty="0" smtClean="0"/>
-              <a:t> </a:t>
-            </a:r>
-            <a:r>
-              <a:rPr lang="tr-TR" sz="3000" dirty="0" err="1" smtClean="0"/>
-              <a:t>them</a:t>
-            </a:r>
-            <a:r>
-              <a:rPr lang="en-GB" sz="3000" dirty="0" smtClean="0"/>
-              <a:t> in small package sizes which reduces parasitics components significantly and also device losses. A model is created in Simulink® platform to analyse the switching performances of GaNFETs. The static and dynamic results of the model clearly show the capabilities of GaN transistors.</a:t>
-            </a:r>
-          </a:p>
-        </p:txBody>
-      </p:sp>
-      <p:sp>
-        <p:nvSpPr>
-          <p:cNvPr id="63" name="Text Box 14"/>
-          <p:cNvSpPr txBox="1">
-            <a:spLocks noChangeArrowheads="1"/>
-          </p:cNvSpPr>
-          <p:nvPr/>
-        </p:nvSpPr>
-        <p:spPr bwMode="auto">
-          <a:xfrm>
-            <a:off x="8703074" y="4455765"/>
-            <a:ext cx="13245158" cy="1723549"/>
-          </a:xfrm>
-          <a:prstGeom prst="rect">
-            <a:avLst/>
-          </a:prstGeom>
-          <a:noFill/>
-          <a:ln w="9525">
-            <a:noFill/>
-            <a:miter lim="800000"/>
-            <a:headEnd/>
-            <a:tailEnd/>
-          </a:ln>
-          <a:effectLst/>
-        </p:spPr>
-        <p:txBody>
-          <a:bodyPr wrap="square" anchor="ctr">
-            <a:spAutoFit/>
-          </a:bodyPr>
-          <a:lstStyle/>
-          <a:p>
-            <a:pPr defTabSz="4389438"/>
-            <a:r>
-              <a:rPr lang="tr-TR" sz="6600" noProof="1" smtClean="0"/>
-              <a:t>Mesut Ugur</a:t>
-            </a:r>
-            <a:endParaRPr lang="en-US" sz="6600" noProof="1" smtClean="0"/>
-          </a:p>
-          <a:p>
-            <a:pPr defTabSz="4389438"/>
-            <a:r>
-              <a:rPr lang="tr-TR" sz="4000" i="1" noProof="1" smtClean="0"/>
-              <a:t>(ugurm</a:t>
-            </a:r>
-            <a:r>
-              <a:rPr lang="en-US" sz="4000" i="1" noProof="1" smtClean="0"/>
-              <a:t>@metu.edu.tr</a:t>
-            </a:r>
-            <a:r>
-              <a:rPr lang="tr-TR" sz="4000" i="1" noProof="1" smtClean="0"/>
-              <a:t>)</a:t>
-            </a:r>
-            <a:endParaRPr lang="en-US" sz="7200" noProof="1"/>
-          </a:p>
-        </p:txBody>
-      </p:sp>
-      <p:pic>
-        <p:nvPicPr>
-          <p:cNvPr id="11" name="Resim 10"/>
-          <p:cNvPicPr>
-            <a:picLocks noChangeAspect="1"/>
-          </p:cNvPicPr>
-          <p:nvPr/>
-        </p:nvPicPr>
-        <p:blipFill>
-          <a:blip r:embed="rId10"/>
-          <a:stretch>
-            <a:fillRect/>
-          </a:stretch>
-        </p:blipFill>
-        <p:spPr>
-          <a:xfrm>
-            <a:off x="9587056" y="4663319"/>
-            <a:ext cx="847105" cy="1446705"/>
-          </a:xfrm>
-          <a:prstGeom prst="rect">
-            <a:avLst/>
-          </a:prstGeom>
-        </p:spPr>
-      </p:pic>
-      <p:sp>
-        <p:nvSpPr>
-          <p:cNvPr id="15" name="Metin kutusu 14"/>
-          <p:cNvSpPr txBox="1"/>
-          <p:nvPr/>
-        </p:nvSpPr>
-        <p:spPr>
-          <a:xfrm>
-            <a:off x="939073" y="9522801"/>
-            <a:ext cx="13323753" cy="3416320"/>
-          </a:xfrm>
-          <a:prstGeom prst="rect">
-            <a:avLst/>
-          </a:prstGeom>
-          <a:noFill/>
-        </p:spPr>
-        <p:txBody>
-          <a:bodyPr wrap="square" rtlCol="0">
-            <a:spAutoFit/>
-          </a:bodyPr>
-          <a:lstStyle/>
-          <a:p>
-            <a:pPr algn="just"/>
-            <a:r>
-              <a:rPr lang="en-GB" sz="3600" dirty="0">
-                <a:latin typeface="Times New Roman" panose="02020603050405020304" pitchFamily="18" charset="0"/>
-                <a:cs typeface="Times New Roman" panose="02020603050405020304" pitchFamily="18" charset="0"/>
-              </a:rPr>
-              <a:t>In this paper, turn-on and turn-off switching </a:t>
-            </a:r>
-            <a:r>
-              <a:rPr lang="en-GB" sz="3600" dirty="0" smtClean="0">
-                <a:latin typeface="Times New Roman" panose="02020603050405020304" pitchFamily="18" charset="0"/>
-                <a:cs typeface="Times New Roman" panose="02020603050405020304" pitchFamily="18" charset="0"/>
-              </a:rPr>
-              <a:t>behaviour </a:t>
-            </a:r>
-            <a:r>
-              <a:rPr lang="en-GB" sz="3600" dirty="0">
-                <a:latin typeface="Times New Roman" panose="02020603050405020304" pitchFamily="18" charset="0"/>
-                <a:cs typeface="Times New Roman" panose="02020603050405020304" pitchFamily="18" charset="0"/>
-              </a:rPr>
-              <a:t>of 650V enhancement-mode GaN power </a:t>
-            </a:r>
-            <a:r>
-              <a:rPr lang="en-GB" sz="3600" dirty="0" smtClean="0">
-                <a:latin typeface="Times New Roman" panose="02020603050405020304" pitchFamily="18" charset="0"/>
-                <a:cs typeface="Times New Roman" panose="02020603050405020304" pitchFamily="18" charset="0"/>
-              </a:rPr>
-              <a:t>FETs</a:t>
-            </a:r>
-            <a:r>
-              <a:rPr lang="tr-TR" sz="3600" dirty="0" smtClean="0">
-                <a:latin typeface="Times New Roman" panose="02020603050405020304" pitchFamily="18" charset="0"/>
-                <a:cs typeface="Times New Roman" panose="02020603050405020304" pitchFamily="18" charset="0"/>
-              </a:rPr>
-              <a:t> </a:t>
-            </a:r>
-            <a:r>
-              <a:rPr lang="en-GB" sz="3600" dirty="0" smtClean="0">
-                <a:latin typeface="Times New Roman" panose="02020603050405020304" pitchFamily="18" charset="0"/>
-                <a:cs typeface="Times New Roman" panose="02020603050405020304" pitchFamily="18" charset="0"/>
-              </a:rPr>
-              <a:t>are </a:t>
-            </a:r>
-            <a:r>
-              <a:rPr lang="en-GB" sz="3600" dirty="0">
-                <a:latin typeface="Times New Roman" panose="02020603050405020304" pitchFamily="18" charset="0"/>
-                <a:cs typeface="Times New Roman" panose="02020603050405020304" pitchFamily="18" charset="0"/>
-              </a:rPr>
-              <a:t>investigated. An analytical model is developed to </a:t>
-            </a:r>
-            <a:r>
-              <a:rPr lang="en-GB" sz="3600" dirty="0" smtClean="0">
-                <a:latin typeface="Times New Roman" panose="02020603050405020304" pitchFamily="18" charset="0"/>
-                <a:cs typeface="Times New Roman" panose="02020603050405020304" pitchFamily="18" charset="0"/>
-              </a:rPr>
-              <a:t>analyse </a:t>
-            </a:r>
-            <a:r>
-              <a:rPr lang="en-GB" sz="3600" dirty="0">
-                <a:latin typeface="Times New Roman" panose="02020603050405020304" pitchFamily="18" charset="0"/>
-                <a:cs typeface="Times New Roman" panose="02020603050405020304" pitchFamily="18" charset="0"/>
-              </a:rPr>
-              <a:t>the current-voltage characteristics of </a:t>
-            </a:r>
-            <a:r>
-              <a:rPr lang="en-GB" sz="3600" dirty="0" smtClean="0">
-                <a:latin typeface="Times New Roman" panose="02020603050405020304" pitchFamily="18" charset="0"/>
-                <a:cs typeface="Times New Roman" panose="02020603050405020304" pitchFamily="18" charset="0"/>
-              </a:rPr>
-              <a:t>the</a:t>
-            </a:r>
-            <a:r>
-              <a:rPr lang="tr-TR" sz="3600" dirty="0" smtClean="0">
-                <a:latin typeface="Times New Roman" panose="02020603050405020304" pitchFamily="18" charset="0"/>
-                <a:cs typeface="Times New Roman" panose="02020603050405020304" pitchFamily="18" charset="0"/>
-              </a:rPr>
-              <a:t> </a:t>
-            </a:r>
-            <a:r>
-              <a:rPr lang="en-GB" sz="3600" dirty="0" smtClean="0">
-                <a:latin typeface="Times New Roman" panose="02020603050405020304" pitchFamily="18" charset="0"/>
-                <a:cs typeface="Times New Roman" panose="02020603050405020304" pitchFamily="18" charset="0"/>
-              </a:rPr>
-              <a:t>device </a:t>
-            </a:r>
-            <a:r>
-              <a:rPr lang="en-GB" sz="3600" dirty="0">
-                <a:latin typeface="Times New Roman" panose="02020603050405020304" pitchFamily="18" charset="0"/>
-                <a:cs typeface="Times New Roman" panose="02020603050405020304" pitchFamily="18" charset="0"/>
-              </a:rPr>
-              <a:t>during switching transients both with and without the effects of parasitic components. In </a:t>
-            </a:r>
-            <a:r>
-              <a:rPr lang="en-GB" sz="3600" dirty="0" smtClean="0">
-                <a:latin typeface="Times New Roman" panose="02020603050405020304" pitchFamily="18" charset="0"/>
-                <a:cs typeface="Times New Roman" panose="02020603050405020304" pitchFamily="18" charset="0"/>
-              </a:rPr>
-              <a:t>addition,</a:t>
-            </a:r>
-            <a:r>
-              <a:rPr lang="tr-TR" sz="3600" dirty="0" smtClean="0">
-                <a:latin typeface="Times New Roman" panose="02020603050405020304" pitchFamily="18" charset="0"/>
-                <a:cs typeface="Times New Roman" panose="02020603050405020304" pitchFamily="18" charset="0"/>
-              </a:rPr>
-              <a:t> </a:t>
-            </a:r>
-            <a:r>
-              <a:rPr lang="en-GB" sz="3600" dirty="0" smtClean="0">
-                <a:latin typeface="Times New Roman" panose="02020603050405020304" pitchFamily="18" charset="0"/>
-                <a:cs typeface="Times New Roman" panose="02020603050405020304" pitchFamily="18" charset="0"/>
-              </a:rPr>
-              <a:t>the </a:t>
-            </a:r>
-            <a:r>
-              <a:rPr lang="en-GB" sz="3600" dirty="0">
-                <a:latin typeface="Times New Roman" panose="02020603050405020304" pitchFamily="18" charset="0"/>
-                <a:cs typeface="Times New Roman" panose="02020603050405020304" pitchFamily="18" charset="0"/>
-              </a:rPr>
-              <a:t>effect of the temperature and circuit parameters on the switching characteristics are investigated.</a:t>
-            </a:r>
-            <a:endParaRPr lang="en-GB" sz="3600" dirty="0">
-              <a:latin typeface="Times New Roman" panose="02020603050405020304" pitchFamily="18" charset="0"/>
-              <a:cs typeface="Times New Roman" panose="02020603050405020304" pitchFamily="18" charset="0"/>
-            </a:endParaRPr>
-          </a:p>
-        </p:txBody>
-      </p:sp>
-      <p:sp>
-        <p:nvSpPr>
-          <p:cNvPr id="16" name="Rectangle 2"/>
-          <p:cNvSpPr>
-            <a:spLocks noChangeArrowheads="1"/>
-          </p:cNvSpPr>
-          <p:nvPr/>
-        </p:nvSpPr>
-        <p:spPr bwMode="auto">
-          <a:xfrm>
-            <a:off x="0" y="0"/>
-            <a:ext cx="30275213" cy="0"/>
-          </a:xfrm>
-          <a:prstGeom prst="rect">
-            <a:avLst/>
-          </a:prstGeom>
-          <a:noFill/>
-          <a:ln>
-            <a:noFill/>
-          </a:ln>
-          <a:effectLst/>
-          <a:extLst>
-            <a:ext uri="{909E8E84-426E-40DD-AFC4-6F175D3DCCD1}">
-              <a14:hiddenFill xmlns:a14="http://schemas.microsoft.com/office/drawing/2010/main">
-                <a:solidFill>
-                  <a:schemeClr val="accent1"/>
-                </a:solidFill>
-              </a14:hiddenFill>
-            </a:ext>
-            <a:ext uri="{91240B29-F687-4F45-9708-019B960494DF}">
-              <a14:hiddenLine xmlns:a14="http://schemas.microsoft.com/office/drawing/2010/main" w="9525">
-                <a:solidFill>
-                  <a:schemeClr val="tx1"/>
-                </a:solidFill>
-                <a:miter lim="800000"/>
-                <a:headEnd/>
-                <a:tailEnd/>
-              </a14:hiddenLine>
-            </a:ext>
-            <a:ext uri="{AF507438-7753-43E0-B8FC-AC1667EBCBE1}">
-              <a14:hiddenEffects xmlns:a14="http://schemas.microsoft.com/office/drawing/2010/main">
-                <a:effectLst>
-                  <a:outerShdw dist="35921" dir="2700000" algn="ctr" rotWithShape="0">
-                    <a:schemeClr val="bg2"/>
-                  </a:outerShdw>
-                </a:effectLst>
-              </a14:hiddenEffects>
-            </a:ext>
-          </a:extLst>
-        </p:spPr>
-        <p:txBody>
-          <a:bodyPr vert="horz" wrap="none" lIns="91440" tIns="45720" rIns="91440" bIns="45720" numCol="1" anchor="ctr" anchorCtr="0" compatLnSpc="1">
-            <a:prstTxWarp prst="textNoShape">
-              <a:avLst/>
-            </a:prstTxWarp>
-            <a:spAutoFit/>
-          </a:bodyPr>
-          <a:lstStyle/>
-          <a:p>
-            <a:endParaRPr lang="en-GB"/>
-          </a:p>
-        </p:txBody>
-      </p:sp>
-      <p:sp>
-        <p:nvSpPr>
-          <p:cNvPr id="71" name="Text Box 42"/>
-          <p:cNvSpPr txBox="1">
-            <a:spLocks noChangeArrowheads="1"/>
-          </p:cNvSpPr>
-          <p:nvPr/>
-        </p:nvSpPr>
-        <p:spPr bwMode="auto">
-          <a:xfrm>
-            <a:off x="3919501" y="13468265"/>
-            <a:ext cx="7372350" cy="923330"/>
-          </a:xfrm>
-          <a:prstGeom prst="rect">
-            <a:avLst/>
-          </a:prstGeom>
-          <a:noFill/>
-          <a:ln w="9525">
-            <a:noFill/>
-            <a:miter lim="800000"/>
-            <a:headEnd/>
-            <a:tailEnd/>
-          </a:ln>
-          <a:effectLst/>
-        </p:spPr>
-        <p:txBody>
-          <a:bodyPr>
-            <a:spAutoFit/>
-          </a:bodyPr>
-          <a:lstStyle/>
-          <a:p>
-            <a:pPr defTabSz="4389438">
-              <a:spcBef>
-                <a:spcPct val="50000"/>
-              </a:spcBef>
-            </a:pPr>
-            <a:r>
-              <a:rPr lang="tr-TR" sz="5400" b="1" noProof="1" smtClean="0"/>
-              <a:t>GaN Modeling</a:t>
-            </a:r>
-            <a:endParaRPr lang="en-US" sz="5400" b="1" noProof="1"/>
-          </a:p>
-        </p:txBody>
-      </p:sp>
-      <p:pic>
-        <p:nvPicPr>
-          <p:cNvPr id="21" name="Resim 20"/>
-          <p:cNvPicPr>
-            <a:picLocks noChangeAspect="1"/>
-          </p:cNvPicPr>
-          <p:nvPr/>
-        </p:nvPicPr>
-        <p:blipFill rotWithShape="1">
-          <a:blip r:embed="rId11"/>
-          <a:srcRect l="1" r="64690"/>
-          <a:stretch/>
-        </p:blipFill>
-        <p:spPr>
-          <a:xfrm>
-            <a:off x="612742" y="14649448"/>
-            <a:ext cx="6454808" cy="5442204"/>
-          </a:xfrm>
-          <a:prstGeom prst="rect">
-            <a:avLst/>
-          </a:prstGeom>
-        </p:spPr>
-      </p:pic>
-      <p:sp>
-        <p:nvSpPr>
-          <p:cNvPr id="76" name="Metin kutusu 75"/>
-          <p:cNvSpPr txBox="1"/>
-          <p:nvPr/>
-        </p:nvSpPr>
-        <p:spPr>
-          <a:xfrm>
-            <a:off x="33583112" y="20393060"/>
-            <a:ext cx="2890079" cy="553998"/>
-          </a:xfrm>
-          <a:prstGeom prst="rect">
-            <a:avLst/>
-          </a:prstGeom>
-          <a:noFill/>
-        </p:spPr>
-        <p:txBody>
-          <a:bodyPr wrap="square" rtlCol="0">
-            <a:spAutoFit/>
-          </a:bodyPr>
-          <a:lstStyle/>
-          <a:p>
-            <a:r>
-              <a:rPr lang="en-GB" sz="3000" dirty="0" smtClean="0"/>
-              <a:t>(b) DPT Circuit</a:t>
-            </a:r>
-            <a:endParaRPr lang="en-GB" sz="3000" dirty="0"/>
-          </a:p>
-        </p:txBody>
-      </p:sp>
-      <p:sp>
-        <p:nvSpPr>
-          <p:cNvPr id="77" name="Metin kutusu 76"/>
-          <p:cNvSpPr txBox="1"/>
-          <p:nvPr/>
-        </p:nvSpPr>
-        <p:spPr>
-          <a:xfrm>
-            <a:off x="1376077" y="20044805"/>
-            <a:ext cx="5843670" cy="1015663"/>
+            <a:off x="23593726" y="21909884"/>
+            <a:ext cx="5140923" cy="1015663"/>
           </a:xfrm>
           <a:prstGeom prst="rect">
             <a:avLst/>
@@ -3774,148 +4512,91 @@
                 <a:latin typeface="Times New Roman" panose="02020603050405020304" pitchFamily="18" charset="0"/>
                 <a:cs typeface="Times New Roman" panose="02020603050405020304" pitchFamily="18" charset="0"/>
               </a:rPr>
-              <a:t>Fig. 1: </a:t>
+              <a:t>Fig. </a:t>
+            </a:r>
+            <a:r>
+              <a:rPr lang="tr-TR" sz="3000" dirty="0">
+                <a:latin typeface="Times New Roman" panose="02020603050405020304" pitchFamily="18" charset="0"/>
+                <a:cs typeface="Times New Roman" panose="02020603050405020304" pitchFamily="18" charset="0"/>
+              </a:rPr>
+              <a:t>4</a:t>
+            </a:r>
+            <a:r>
+              <a:rPr lang="en-US" sz="3000" dirty="0" smtClean="0">
+                <a:latin typeface="Times New Roman" panose="02020603050405020304" pitchFamily="18" charset="0"/>
+                <a:cs typeface="Times New Roman" panose="02020603050405020304" pitchFamily="18" charset="0"/>
+              </a:rPr>
+              <a:t>:</a:t>
             </a:r>
             <a:r>
               <a:rPr lang="tr-TR" sz="3000" dirty="0" smtClean="0">
                 <a:latin typeface="Times New Roman" panose="02020603050405020304" pitchFamily="18" charset="0"/>
                 <a:cs typeface="Times New Roman" panose="02020603050405020304" pitchFamily="18" charset="0"/>
               </a:rPr>
-              <a:t>The</a:t>
-            </a:r>
-            <a:r>
-              <a:rPr lang="en-US" sz="3000" dirty="0" smtClean="0">
-                <a:latin typeface="Times New Roman" panose="02020603050405020304" pitchFamily="18" charset="0"/>
-                <a:cs typeface="Times New Roman" panose="02020603050405020304" pitchFamily="18" charset="0"/>
-              </a:rPr>
               <a:t> </a:t>
             </a:r>
             <a:r>
-              <a:rPr lang="en-US" sz="3000" dirty="0">
-                <a:latin typeface="Times New Roman" panose="02020603050405020304" pitchFamily="18" charset="0"/>
-                <a:cs typeface="Times New Roman" panose="02020603050405020304" pitchFamily="18" charset="0"/>
-              </a:rPr>
-              <a:t>hybrid model of e-mode GaN power </a:t>
-            </a:r>
-            <a:r>
-              <a:rPr lang="en-US" sz="3000" dirty="0" smtClean="0">
-                <a:latin typeface="Times New Roman" panose="02020603050405020304" pitchFamily="18" charset="0"/>
-                <a:cs typeface="Times New Roman" panose="02020603050405020304" pitchFamily="18" charset="0"/>
-              </a:rPr>
-              <a:t>FET</a:t>
+              <a:rPr lang="tr-TR" sz="3000" dirty="0" err="1" smtClean="0">
+                <a:latin typeface="Times New Roman" panose="02020603050405020304" pitchFamily="18" charset="0"/>
+                <a:cs typeface="Times New Roman" panose="02020603050405020304" pitchFamily="18" charset="0"/>
+              </a:rPr>
+              <a:t>Double</a:t>
+            </a:r>
+            <a:r>
+              <a:rPr lang="tr-TR" sz="3000" dirty="0" smtClean="0">
+                <a:latin typeface="Times New Roman" panose="02020603050405020304" pitchFamily="18" charset="0"/>
+                <a:cs typeface="Times New Roman" panose="02020603050405020304" pitchFamily="18" charset="0"/>
+              </a:rPr>
+              <a:t> </a:t>
+            </a:r>
+            <a:r>
+              <a:rPr lang="tr-TR" sz="3000" dirty="0" err="1" smtClean="0">
+                <a:latin typeface="Times New Roman" panose="02020603050405020304" pitchFamily="18" charset="0"/>
+                <a:cs typeface="Times New Roman" panose="02020603050405020304" pitchFamily="18" charset="0"/>
+              </a:rPr>
+              <a:t>Pulse</a:t>
+            </a:r>
+            <a:r>
+              <a:rPr lang="tr-TR" sz="3000" dirty="0" smtClean="0">
+                <a:latin typeface="Times New Roman" panose="02020603050405020304" pitchFamily="18" charset="0"/>
+                <a:cs typeface="Times New Roman" panose="02020603050405020304" pitchFamily="18" charset="0"/>
+              </a:rPr>
+              <a:t> Test (DPT) </a:t>
+            </a:r>
+            <a:r>
+              <a:rPr lang="tr-TR" sz="3000" dirty="0" err="1" smtClean="0">
+                <a:latin typeface="Times New Roman" panose="02020603050405020304" pitchFamily="18" charset="0"/>
+                <a:cs typeface="Times New Roman" panose="02020603050405020304" pitchFamily="18" charset="0"/>
+              </a:rPr>
+              <a:t>Circuit</a:t>
+            </a:r>
+            <a:r>
+              <a:rPr lang="tr-TR" sz="3000" dirty="0" smtClean="0">
+                <a:latin typeface="Times New Roman" panose="02020603050405020304" pitchFamily="18" charset="0"/>
+                <a:cs typeface="Times New Roman" panose="02020603050405020304" pitchFamily="18" charset="0"/>
+              </a:rPr>
+              <a:t> </a:t>
+            </a:r>
+            <a:r>
+              <a:rPr lang="en-GB" sz="3000" dirty="0" smtClean="0">
+                <a:latin typeface="Times New Roman" panose="02020603050405020304" pitchFamily="18" charset="0"/>
+                <a:cs typeface="Times New Roman" panose="02020603050405020304" pitchFamily="18" charset="0"/>
+              </a:rPr>
+              <a:t>Configuration</a:t>
             </a:r>
           </a:p>
         </p:txBody>
       </p:sp>
       <p:sp>
         <p:nvSpPr>
-          <p:cNvPr id="78" name="Metin kutusu 77"/>
+          <p:cNvPr id="101" name="Metin kutusu 100"/>
           <p:cNvSpPr txBox="1"/>
           <p:nvPr/>
         </p:nvSpPr>
         <p:spPr>
           <a:xfrm>
-            <a:off x="7067550" y="15110433"/>
-            <a:ext cx="7551420" cy="5078313"/>
-          </a:xfrm>
-          <a:prstGeom prst="rect">
-            <a:avLst/>
-          </a:prstGeom>
-          <a:noFill/>
-        </p:spPr>
-        <p:txBody>
-          <a:bodyPr wrap="square" rtlCol="0">
-            <a:spAutoFit/>
-          </a:bodyPr>
-          <a:lstStyle/>
-          <a:p>
-            <a:pPr marL="571500" indent="-571500" algn="l">
-              <a:buFont typeface="Wingdings" panose="05000000000000000000" pitchFamily="2" charset="2"/>
-              <a:buChar char="§"/>
-            </a:pPr>
-            <a:r>
-              <a:rPr lang="en-GB" sz="3600" dirty="0" smtClean="0">
-                <a:latin typeface="Times New Roman" panose="02020603050405020304" pitchFamily="18" charset="0"/>
-                <a:cs typeface="Times New Roman" panose="02020603050405020304" pitchFamily="18" charset="0"/>
-              </a:rPr>
-              <a:t>Blue branch indicates the device channel</a:t>
-            </a:r>
-          </a:p>
-          <a:p>
-            <a:pPr marL="571500" indent="-571500" algn="l">
-              <a:buFont typeface="Wingdings" panose="05000000000000000000" pitchFamily="2" charset="2"/>
-              <a:buChar char="§"/>
-            </a:pPr>
-            <a:r>
-              <a:rPr lang="en-GB" sz="3600" dirty="0" smtClean="0">
-                <a:latin typeface="Times New Roman" panose="02020603050405020304" pitchFamily="18" charset="0"/>
-                <a:cs typeface="Times New Roman" panose="02020603050405020304" pitchFamily="18" charset="0"/>
-              </a:rPr>
-              <a:t>The parasitic capacitances are highly dependent on the electrical field between</a:t>
-            </a:r>
-            <a:r>
-              <a:rPr lang="tr-TR" sz="3600" dirty="0" smtClean="0">
-                <a:latin typeface="Times New Roman" panose="02020603050405020304" pitchFamily="18" charset="0"/>
-                <a:cs typeface="Times New Roman" panose="02020603050405020304" pitchFamily="18" charset="0"/>
-              </a:rPr>
-              <a:t> </a:t>
-            </a:r>
-            <a:r>
-              <a:rPr lang="en-GB" sz="3600" dirty="0" smtClean="0">
-                <a:latin typeface="Times New Roman" panose="02020603050405020304" pitchFamily="18" charset="0"/>
-                <a:cs typeface="Times New Roman" panose="02020603050405020304" pitchFamily="18" charset="0"/>
-              </a:rPr>
-              <a:t>drain-source terminals.</a:t>
-            </a:r>
-          </a:p>
-          <a:p>
-            <a:pPr marL="571500" indent="-571500" algn="l">
-              <a:buFont typeface="Wingdings" panose="05000000000000000000" pitchFamily="2" charset="2"/>
-              <a:buChar char="§"/>
-            </a:pPr>
-            <a:r>
-              <a:rPr lang="en-GB" sz="3600" dirty="0" smtClean="0">
-                <a:latin typeface="Times New Roman" panose="02020603050405020304" pitchFamily="18" charset="0"/>
-                <a:cs typeface="Times New Roman" panose="02020603050405020304" pitchFamily="18" charset="0"/>
-              </a:rPr>
-              <a:t>Kelvin Source (SS) pin is used to eliminate Common Source Inductance (CSI) which might cause the device failure.</a:t>
-            </a:r>
-          </a:p>
-        </p:txBody>
-      </p:sp>
-      <p:pic>
-        <p:nvPicPr>
-          <p:cNvPr id="29" name="Resim 28"/>
-          <p:cNvPicPr>
-            <a:picLocks noChangeAspect="1"/>
-          </p:cNvPicPr>
-          <p:nvPr/>
-        </p:nvPicPr>
-        <p:blipFill rotWithShape="1">
-          <a:blip r:embed="rId12"/>
-          <a:srcRect l="40026" r="23811"/>
-          <a:stretch/>
-        </p:blipFill>
-        <p:spPr>
-          <a:xfrm>
-            <a:off x="32357422" y="15226827"/>
-            <a:ext cx="5902616" cy="4961919"/>
-          </a:xfrm>
-          <a:prstGeom prst="rect">
-            <a:avLst/>
-          </a:prstGeom>
-        </p:spPr>
-      </p:pic>
-      <p:sp>
-        <p:nvSpPr>
-          <p:cNvPr id="82" name="Metin kutusu 81"/>
-          <p:cNvSpPr txBox="1"/>
-          <p:nvPr/>
-        </p:nvSpPr>
-        <p:spPr>
-          <a:xfrm>
-            <a:off x="1033404" y="27268470"/>
-            <a:ext cx="13229422" cy="1015663"/>
+            <a:off x="16269783" y="16897165"/>
+            <a:ext cx="6528544" cy="1754326"/>
           </a:xfrm>
           <a:prstGeom prst="rect">
             <a:avLst/>
@@ -3930,204 +4611,996 @@
           <a:p>
             <a:pPr algn="l"/>
             <a:r>
-              <a:rPr lang="en-US" sz="3000" dirty="0">
-                <a:latin typeface="Times New Roman" panose="02020603050405020304" pitchFamily="18" charset="0"/>
-                <a:cs typeface="Times New Roman" panose="02020603050405020304" pitchFamily="18" charset="0"/>
-              </a:rPr>
-              <a:t>Fig. </a:t>
-            </a:r>
-            <a:r>
-              <a:rPr lang="tr-TR" sz="3000" dirty="0" smtClean="0">
-                <a:latin typeface="Times New Roman" panose="02020603050405020304" pitchFamily="18" charset="0"/>
-                <a:cs typeface="Times New Roman" panose="02020603050405020304" pitchFamily="18" charset="0"/>
-              </a:rPr>
-              <a:t>2</a:t>
-            </a:r>
-            <a:r>
-              <a:rPr lang="en-US" sz="3000" dirty="0" smtClean="0">
-                <a:latin typeface="Times New Roman" panose="02020603050405020304" pitchFamily="18" charset="0"/>
-                <a:cs typeface="Times New Roman" panose="02020603050405020304" pitchFamily="18" charset="0"/>
-              </a:rPr>
-              <a:t>:</a:t>
-            </a:r>
-            <a:r>
-              <a:rPr lang="tr-TR" sz="3000" dirty="0" smtClean="0">
+              <a:rPr lang="tr-TR" sz="3600" dirty="0" err="1" smtClean="0">
+                <a:latin typeface="Times New Roman" panose="02020603050405020304" pitchFamily="18" charset="0"/>
+                <a:cs typeface="Times New Roman" panose="02020603050405020304" pitchFamily="18" charset="0"/>
+              </a:rPr>
+              <a:t>The</a:t>
+            </a:r>
+            <a:r>
+              <a:rPr lang="tr-TR" sz="3600" dirty="0">
                 <a:latin typeface="Times New Roman" panose="02020603050405020304" pitchFamily="18" charset="0"/>
                 <a:cs typeface="Times New Roman" panose="02020603050405020304" pitchFamily="18" charset="0"/>
               </a:rPr>
               <a:t> </a:t>
             </a:r>
             <a:r>
-              <a:rPr lang="tr-TR" sz="3000" dirty="0" smtClean="0">
-                <a:latin typeface="Times New Roman" panose="02020603050405020304" pitchFamily="18" charset="0"/>
-                <a:cs typeface="Times New Roman" panose="02020603050405020304" pitchFamily="18" charset="0"/>
-              </a:rPr>
-              <a:t>Parasitic</a:t>
-            </a:r>
-            <a:r>
-              <a:rPr lang="tr-TR" sz="3000" dirty="0" smtClean="0">
+              <a:rPr lang="tr-TR" sz="3600" dirty="0" err="1" smtClean="0">
+                <a:latin typeface="Times New Roman" panose="02020603050405020304" pitchFamily="18" charset="0"/>
+                <a:cs typeface="Times New Roman" panose="02020603050405020304" pitchFamily="18" charset="0"/>
+              </a:rPr>
+              <a:t>circuit</a:t>
+            </a:r>
+            <a:r>
+              <a:rPr lang="tr-TR" sz="3600" dirty="0" smtClean="0">
+                <a:latin typeface="Times New Roman" panose="02020603050405020304" pitchFamily="18" charset="0"/>
+                <a:cs typeface="Times New Roman" panose="02020603050405020304" pitchFamily="18" charset="0"/>
+              </a:rPr>
+              <a:t> is </a:t>
+            </a:r>
+            <a:r>
+              <a:rPr lang="tr-TR" sz="3600" dirty="0" err="1" smtClean="0">
+                <a:latin typeface="Times New Roman" panose="02020603050405020304" pitchFamily="18" charset="0"/>
+                <a:cs typeface="Times New Roman" panose="02020603050405020304" pitchFamily="18" charset="0"/>
+              </a:rPr>
+              <a:t>implemented</a:t>
+            </a:r>
+            <a:r>
+              <a:rPr lang="tr-TR" sz="3600" dirty="0" smtClean="0">
+                <a:latin typeface="Times New Roman" panose="02020603050405020304" pitchFamily="18" charset="0"/>
+                <a:cs typeface="Times New Roman" panose="02020603050405020304" pitchFamily="18" charset="0"/>
+              </a:rPr>
+              <a:t> in MATLAB / </a:t>
+            </a:r>
+            <a:r>
+              <a:rPr lang="tr-TR" sz="3600" dirty="0" err="1" smtClean="0">
+                <a:latin typeface="Times New Roman" panose="02020603050405020304" pitchFamily="18" charset="0"/>
+                <a:cs typeface="Times New Roman" panose="02020603050405020304" pitchFamily="18" charset="0"/>
+              </a:rPr>
+              <a:t>Simulink</a:t>
+            </a:r>
+            <a:r>
+              <a:rPr lang="tr-TR" sz="3600" dirty="0" smtClean="0">
+                <a:latin typeface="Times New Roman" panose="02020603050405020304" pitchFamily="18" charset="0"/>
+                <a:cs typeface="Times New Roman" panose="02020603050405020304" pitchFamily="18" charset="0"/>
+              </a:rPr>
+              <a:t>® platform </a:t>
+            </a:r>
+            <a:r>
+              <a:rPr lang="tr-TR" sz="3600" dirty="0" err="1" smtClean="0">
+                <a:latin typeface="Times New Roman" panose="02020603050405020304" pitchFamily="18" charset="0"/>
+                <a:cs typeface="Times New Roman" panose="02020603050405020304" pitchFamily="18" charset="0"/>
+              </a:rPr>
+              <a:t>to</a:t>
+            </a:r>
+            <a:r>
+              <a:rPr lang="tr-TR" sz="3600" dirty="0" smtClean="0">
                 <a:latin typeface="Times New Roman" panose="02020603050405020304" pitchFamily="18" charset="0"/>
                 <a:cs typeface="Times New Roman" panose="02020603050405020304" pitchFamily="18" charset="0"/>
               </a:rPr>
               <a:t> </a:t>
             </a:r>
             <a:r>
-              <a:rPr lang="tr-TR" sz="3000" dirty="0" smtClean="0">
-                <a:latin typeface="Times New Roman" panose="02020603050405020304" pitchFamily="18" charset="0"/>
-                <a:cs typeface="Times New Roman" panose="02020603050405020304" pitchFamily="18" charset="0"/>
-              </a:rPr>
-              <a:t>capacitances</a:t>
-            </a:r>
-            <a:r>
-              <a:rPr lang="tr-TR" sz="3000" dirty="0" smtClean="0">
+              <a:rPr lang="tr-TR" sz="3600" dirty="0" err="1" smtClean="0">
+                <a:latin typeface="Times New Roman" panose="02020603050405020304" pitchFamily="18" charset="0"/>
+                <a:cs typeface="Times New Roman" panose="02020603050405020304" pitchFamily="18" charset="0"/>
+              </a:rPr>
+              <a:t>investigate</a:t>
+            </a:r>
+            <a:r>
+              <a:rPr lang="tr-TR" sz="3600" dirty="0" smtClean="0">
                 <a:latin typeface="Times New Roman" panose="02020603050405020304" pitchFamily="18" charset="0"/>
                 <a:cs typeface="Times New Roman" panose="02020603050405020304" pitchFamily="18" charset="0"/>
               </a:rPr>
               <a:t> </a:t>
             </a:r>
             <a:r>
-              <a:rPr lang="tr-TR" sz="3000" dirty="0" smtClean="0">
-                <a:latin typeface="Times New Roman" panose="02020603050405020304" pitchFamily="18" charset="0"/>
-                <a:cs typeface="Times New Roman" panose="02020603050405020304" pitchFamily="18" charset="0"/>
-              </a:rPr>
-              <a:t>vs</a:t>
-            </a:r>
-            <a:r>
-              <a:rPr lang="tr-TR" sz="3000" dirty="0" smtClean="0">
+              <a:rPr lang="tr-TR" sz="3600" dirty="0" err="1" smtClean="0">
+                <a:latin typeface="Times New Roman" panose="02020603050405020304" pitchFamily="18" charset="0"/>
+                <a:cs typeface="Times New Roman" panose="02020603050405020304" pitchFamily="18" charset="0"/>
+              </a:rPr>
+              <a:t>switching</a:t>
+            </a:r>
+            <a:r>
+              <a:rPr lang="tr-TR" sz="3600" dirty="0" smtClean="0">
                 <a:latin typeface="Times New Roman" panose="02020603050405020304" pitchFamily="18" charset="0"/>
                 <a:cs typeface="Times New Roman" panose="02020603050405020304" pitchFamily="18" charset="0"/>
               </a:rPr>
               <a:t> </a:t>
             </a:r>
             <a:r>
-              <a:rPr lang="tr-TR" sz="3000" dirty="0" smtClean="0">
-                <a:latin typeface="Times New Roman" panose="02020603050405020304" pitchFamily="18" charset="0"/>
-                <a:cs typeface="Times New Roman" panose="02020603050405020304" pitchFamily="18" charset="0"/>
-              </a:rPr>
-              <a:t>Drain</a:t>
-            </a:r>
-            <a:r>
-              <a:rPr lang="tr-TR" sz="3000" dirty="0" smtClean="0">
-                <a:latin typeface="Times New Roman" panose="02020603050405020304" pitchFamily="18" charset="0"/>
-                <a:cs typeface="Times New Roman" panose="02020603050405020304" pitchFamily="18" charset="0"/>
-              </a:rPr>
-              <a:t>-Source </a:t>
-            </a:r>
-            <a:r>
-              <a:rPr lang="tr-TR" sz="3000" dirty="0" smtClean="0">
-                <a:latin typeface="Times New Roman" panose="02020603050405020304" pitchFamily="18" charset="0"/>
-                <a:cs typeface="Times New Roman" panose="02020603050405020304" pitchFamily="18" charset="0"/>
-              </a:rPr>
-              <a:t>Voltage</a:t>
-            </a:r>
-            <a:r>
-              <a:rPr lang="tr-TR" sz="3000" dirty="0" smtClean="0">
-                <a:latin typeface="Times New Roman" panose="02020603050405020304" pitchFamily="18" charset="0"/>
-                <a:cs typeface="Times New Roman" panose="02020603050405020304" pitchFamily="18" charset="0"/>
-              </a:rPr>
-              <a:t> </a:t>
-            </a:r>
-            <a:r>
-              <a:rPr lang="tr-TR" sz="3000" dirty="0" smtClean="0">
-                <a:latin typeface="Times New Roman" panose="02020603050405020304" pitchFamily="18" charset="0"/>
-                <a:cs typeface="Times New Roman" panose="02020603050405020304" pitchFamily="18" charset="0"/>
-              </a:rPr>
-              <a:t>plot</a:t>
-            </a:r>
-            <a:r>
-              <a:rPr lang="tr-TR" sz="3000" dirty="0" smtClean="0">
-                <a:latin typeface="Times New Roman" panose="02020603050405020304" pitchFamily="18" charset="0"/>
-                <a:cs typeface="Times New Roman" panose="02020603050405020304" pitchFamily="18" charset="0"/>
-              </a:rPr>
-              <a:t> (a) &amp; </a:t>
-            </a:r>
-            <a:r>
-              <a:rPr lang="tr-TR" sz="3000" dirty="0" smtClean="0">
-                <a:latin typeface="Times New Roman" panose="02020603050405020304" pitchFamily="18" charset="0"/>
-                <a:cs typeface="Times New Roman" panose="02020603050405020304" pitchFamily="18" charset="0"/>
-              </a:rPr>
-              <a:t>Input</a:t>
-            </a:r>
-            <a:r>
-              <a:rPr lang="tr-TR" sz="3000" dirty="0" smtClean="0">
-                <a:latin typeface="Times New Roman" panose="02020603050405020304" pitchFamily="18" charset="0"/>
-                <a:cs typeface="Times New Roman" panose="02020603050405020304" pitchFamily="18" charset="0"/>
-              </a:rPr>
-              <a:t> </a:t>
-            </a:r>
-            <a:r>
-              <a:rPr lang="tr-TR" sz="3000" dirty="0" smtClean="0">
-                <a:latin typeface="Times New Roman" panose="02020603050405020304" pitchFamily="18" charset="0"/>
-                <a:cs typeface="Times New Roman" panose="02020603050405020304" pitchFamily="18" charset="0"/>
-              </a:rPr>
-              <a:t>Capacitance</a:t>
-            </a:r>
-            <a:r>
-              <a:rPr lang="tr-TR" sz="3000" dirty="0" smtClean="0">
-                <a:latin typeface="Times New Roman" panose="02020603050405020304" pitchFamily="18" charset="0"/>
-                <a:cs typeface="Times New Roman" panose="02020603050405020304" pitchFamily="18" charset="0"/>
-              </a:rPr>
-              <a:t> </a:t>
-            </a:r>
-            <a:r>
-              <a:rPr lang="tr-TR" sz="3000" dirty="0" smtClean="0">
-                <a:latin typeface="Times New Roman" panose="02020603050405020304" pitchFamily="18" charset="0"/>
-                <a:cs typeface="Times New Roman" panose="02020603050405020304" pitchFamily="18" charset="0"/>
-              </a:rPr>
-              <a:t>vs</a:t>
-            </a:r>
-            <a:r>
-              <a:rPr lang="tr-TR" sz="3000" dirty="0" smtClean="0">
-                <a:latin typeface="Times New Roman" panose="02020603050405020304" pitchFamily="18" charset="0"/>
-                <a:cs typeface="Times New Roman" panose="02020603050405020304" pitchFamily="18" charset="0"/>
-              </a:rPr>
-              <a:t> Gate-Source </a:t>
-            </a:r>
-            <a:r>
-              <a:rPr lang="tr-TR" sz="3000" dirty="0" smtClean="0">
-                <a:latin typeface="Times New Roman" panose="02020603050405020304" pitchFamily="18" charset="0"/>
-                <a:cs typeface="Times New Roman" panose="02020603050405020304" pitchFamily="18" charset="0"/>
-              </a:rPr>
-              <a:t>Voltage</a:t>
-            </a:r>
-            <a:r>
-              <a:rPr lang="tr-TR" sz="3000" dirty="0" smtClean="0">
-                <a:latin typeface="Times New Roman" panose="02020603050405020304" pitchFamily="18" charset="0"/>
-                <a:cs typeface="Times New Roman" panose="02020603050405020304" pitchFamily="18" charset="0"/>
-              </a:rPr>
-              <a:t> </a:t>
-            </a:r>
-            <a:r>
-              <a:rPr lang="tr-TR" sz="3000" dirty="0" smtClean="0">
-                <a:latin typeface="Times New Roman" panose="02020603050405020304" pitchFamily="18" charset="0"/>
-                <a:cs typeface="Times New Roman" panose="02020603050405020304" pitchFamily="18" charset="0"/>
-              </a:rPr>
-              <a:t>plot</a:t>
-            </a:r>
-            <a:r>
-              <a:rPr lang="tr-TR" sz="3000" dirty="0" smtClean="0">
-                <a:latin typeface="Times New Roman" panose="02020603050405020304" pitchFamily="18" charset="0"/>
-                <a:cs typeface="Times New Roman" panose="02020603050405020304" pitchFamily="18" charset="0"/>
-              </a:rPr>
-              <a:t> (b)</a:t>
-            </a:r>
-            <a:endParaRPr lang="en-US" sz="3000" dirty="0" smtClean="0">
+              <a:rPr lang="tr-TR" sz="3600" dirty="0" err="1" smtClean="0">
+                <a:latin typeface="Times New Roman" panose="02020603050405020304" pitchFamily="18" charset="0"/>
+                <a:cs typeface="Times New Roman" panose="02020603050405020304" pitchFamily="18" charset="0"/>
+              </a:rPr>
+              <a:t>transients</a:t>
+            </a:r>
+            <a:r>
+              <a:rPr lang="tr-TR" sz="3600" dirty="0" smtClean="0">
+                <a:latin typeface="Times New Roman" panose="02020603050405020304" pitchFamily="18" charset="0"/>
+                <a:cs typeface="Times New Roman" panose="02020603050405020304" pitchFamily="18" charset="0"/>
+              </a:rPr>
+              <a:t>.</a:t>
+            </a:r>
+            <a:endParaRPr lang="en-GB" sz="3600" dirty="0" smtClean="0">
               <a:latin typeface="Times New Roman" panose="02020603050405020304" pitchFamily="18" charset="0"/>
               <a:cs typeface="Times New Roman" panose="02020603050405020304" pitchFamily="18" charset="0"/>
             </a:endParaRPr>
           </a:p>
         </p:txBody>
       </p:sp>
+      <p:graphicFrame>
+        <p:nvGraphicFramePr>
+          <p:cNvPr id="37" name="Tablo 36"/>
+          <p:cNvGraphicFramePr>
+            <a:graphicFrameLocks noGrp="1"/>
+          </p:cNvGraphicFramePr>
+          <p:nvPr>
+            <p:extLst>
+              <p:ext uri="{D42A27DB-BD31-4B8C-83A1-F6EECF244321}">
+                <p14:modId xmlns:p14="http://schemas.microsoft.com/office/powerpoint/2010/main" val="3786851814"/>
+              </p:ext>
+            </p:extLst>
+          </p:nvPr>
+        </p:nvGraphicFramePr>
+        <p:xfrm>
+          <a:off x="15747798" y="23790980"/>
+          <a:ext cx="13706814" cy="2228347"/>
+        </p:xfrm>
+        <a:graphic>
+          <a:graphicData uri="http://schemas.openxmlformats.org/drawingml/2006/table">
+            <a:tbl>
+              <a:tblPr firstRow="1" firstCol="1" bandRow="1">
+                <a:tableStyleId>{ED083AE6-46FA-4A59-8FB0-9F97EB10719F}</a:tableStyleId>
+              </a:tblPr>
+              <a:tblGrid>
+                <a:gridCol w="3088322">
+                  <a:extLst>
+                    <a:ext uri="{9D8B030D-6E8A-4147-A177-3AD203B41FA5}">
+                      <a16:colId xmlns:a16="http://schemas.microsoft.com/office/drawing/2014/main" val="526134272"/>
+                    </a:ext>
+                  </a:extLst>
+                </a:gridCol>
+                <a:gridCol w="1124585">
+                  <a:extLst>
+                    <a:ext uri="{9D8B030D-6E8A-4147-A177-3AD203B41FA5}">
+                      <a16:colId xmlns:a16="http://schemas.microsoft.com/office/drawing/2014/main" val="1816080516"/>
+                    </a:ext>
+                  </a:extLst>
+                </a:gridCol>
+                <a:gridCol w="3814128">
+                  <a:extLst>
+                    <a:ext uri="{9D8B030D-6E8A-4147-A177-3AD203B41FA5}">
+                      <a16:colId xmlns:a16="http://schemas.microsoft.com/office/drawing/2014/main" val="3812648055"/>
+                    </a:ext>
+                  </a:extLst>
+                </a:gridCol>
+                <a:gridCol w="948372">
+                  <a:extLst>
+                    <a:ext uri="{9D8B030D-6E8A-4147-A177-3AD203B41FA5}">
+                      <a16:colId xmlns:a16="http://schemas.microsoft.com/office/drawing/2014/main" val="675463665"/>
+                    </a:ext>
+                  </a:extLst>
+                </a:gridCol>
+                <a:gridCol w="3811141">
+                  <a:extLst>
+                    <a:ext uri="{9D8B030D-6E8A-4147-A177-3AD203B41FA5}">
+                      <a16:colId xmlns:a16="http://schemas.microsoft.com/office/drawing/2014/main" val="3235881223"/>
+                    </a:ext>
+                  </a:extLst>
+                </a:gridCol>
+                <a:gridCol w="920266">
+                  <a:extLst>
+                    <a:ext uri="{9D8B030D-6E8A-4147-A177-3AD203B41FA5}">
+                      <a16:colId xmlns:a16="http://schemas.microsoft.com/office/drawing/2014/main" val="1722992962"/>
+                    </a:ext>
+                  </a:extLst>
+                </a:gridCol>
+              </a:tblGrid>
+              <a:tr h="608190">
+                <a:tc>
+                  <a:txBody>
+                    <a:bodyPr/>
+                    <a:lstStyle/>
+                    <a:p>
+                      <a:pPr algn="ctr">
+                        <a:spcAft>
+                          <a:spcPts val="0"/>
+                        </a:spcAft>
+                      </a:pPr>
+                      <a:r>
+                        <a:rPr lang="en-US" sz="2000" b="0" dirty="0">
+                          <a:effectLst/>
+                        </a:rPr>
+                        <a:t>Input voltage (V</a:t>
+                      </a:r>
+                      <a:r>
+                        <a:rPr lang="en-US" sz="2000" b="0" baseline="-25000" dirty="0">
+                          <a:effectLst/>
+                        </a:rPr>
+                        <a:t>d</a:t>
+                      </a:r>
+                      <a:r>
+                        <a:rPr lang="en-US" sz="2000" b="0" dirty="0">
+                          <a:effectLst/>
+                        </a:rPr>
+                        <a:t>)</a:t>
+                      </a:r>
+                      <a:endParaRPr lang="en-GB" sz="2400" b="0" dirty="0">
+                        <a:effectLst/>
+                        <a:latin typeface="Times New Roman" panose="02020603050405020304" pitchFamily="18" charset="0"/>
+                        <a:ea typeface="Times New Roman" panose="02020603050405020304" pitchFamily="18" charset="0"/>
+                      </a:endParaRPr>
+                    </a:p>
+                  </a:txBody>
+                  <a:tcPr marL="68580" marR="68580" marT="0" marB="0" anchor="ctr"/>
+                </a:tc>
+                <a:tc>
+                  <a:txBody>
+                    <a:bodyPr/>
+                    <a:lstStyle/>
+                    <a:p>
+                      <a:pPr algn="ctr">
+                        <a:spcAft>
+                          <a:spcPts val="0"/>
+                        </a:spcAft>
+                      </a:pPr>
+                      <a:r>
+                        <a:rPr lang="en-US" sz="2000" b="0" dirty="0">
+                          <a:effectLst/>
+                        </a:rPr>
+                        <a:t>400 V</a:t>
+                      </a:r>
+                      <a:endParaRPr lang="en-GB" sz="2400" b="0" dirty="0">
+                        <a:effectLst/>
+                        <a:latin typeface="Times New Roman" panose="02020603050405020304" pitchFamily="18" charset="0"/>
+                        <a:ea typeface="Times New Roman" panose="02020603050405020304" pitchFamily="18" charset="0"/>
+                      </a:endParaRPr>
+                    </a:p>
+                  </a:txBody>
+                  <a:tcPr marL="68580" marR="68580" marT="0" marB="0" anchor="ctr"/>
+                </a:tc>
+                <a:tc>
+                  <a:txBody>
+                    <a:bodyPr/>
+                    <a:lstStyle/>
+                    <a:p>
+                      <a:pPr algn="ctr">
+                        <a:spcAft>
+                          <a:spcPts val="0"/>
+                        </a:spcAft>
+                      </a:pPr>
+                      <a:r>
+                        <a:rPr lang="en-US" sz="2000" b="0" dirty="0">
+                          <a:effectLst/>
+                        </a:rPr>
+                        <a:t>Internal gate resistance (R</a:t>
+                      </a:r>
+                      <a:r>
+                        <a:rPr lang="en-US" sz="2000" b="0" baseline="-25000" dirty="0">
+                          <a:effectLst/>
+                        </a:rPr>
+                        <a:t>g</a:t>
+                      </a:r>
+                      <a:r>
+                        <a:rPr lang="en-US" sz="2000" b="0" dirty="0">
+                          <a:effectLst/>
+                        </a:rPr>
+                        <a:t>)</a:t>
+                      </a:r>
+                      <a:endParaRPr lang="en-GB" sz="2400" b="0" dirty="0">
+                        <a:effectLst/>
+                        <a:latin typeface="Times New Roman" panose="02020603050405020304" pitchFamily="18" charset="0"/>
+                        <a:ea typeface="Times New Roman" panose="02020603050405020304" pitchFamily="18" charset="0"/>
+                      </a:endParaRPr>
+                    </a:p>
+                  </a:txBody>
+                  <a:tcPr marL="68580" marR="68580" marT="0" marB="0" anchor="ctr"/>
+                </a:tc>
+                <a:tc>
+                  <a:txBody>
+                    <a:bodyPr/>
+                    <a:lstStyle/>
+                    <a:p>
+                      <a:pPr algn="ctr">
+                        <a:spcAft>
+                          <a:spcPts val="0"/>
+                        </a:spcAft>
+                      </a:pPr>
+                      <a:r>
+                        <a:rPr lang="en-US" sz="2000" b="0" dirty="0">
+                          <a:effectLst/>
+                        </a:rPr>
+                        <a:t>1.5 Ω</a:t>
+                      </a:r>
+                      <a:endParaRPr lang="en-GB" sz="2400" b="0" dirty="0">
+                        <a:effectLst/>
+                        <a:latin typeface="Times New Roman" panose="02020603050405020304" pitchFamily="18" charset="0"/>
+                        <a:ea typeface="Times New Roman" panose="02020603050405020304" pitchFamily="18" charset="0"/>
+                      </a:endParaRPr>
+                    </a:p>
+                  </a:txBody>
+                  <a:tcPr marL="68580" marR="68580" marT="0" marB="0" anchor="ctr"/>
+                </a:tc>
+                <a:tc>
+                  <a:txBody>
+                    <a:bodyPr/>
+                    <a:lstStyle/>
+                    <a:p>
+                      <a:pPr algn="ctr">
+                        <a:spcAft>
+                          <a:spcPts val="0"/>
+                        </a:spcAft>
+                      </a:pPr>
+                      <a:r>
+                        <a:rPr lang="en-US" sz="2000" b="0" dirty="0">
+                          <a:effectLst/>
+                        </a:rPr>
+                        <a:t>Gate parasitic inductance (L</a:t>
+                      </a:r>
+                      <a:r>
+                        <a:rPr lang="en-US" sz="2000" b="0" baseline="-25000" dirty="0">
+                          <a:effectLst/>
+                        </a:rPr>
+                        <a:t>g</a:t>
+                      </a:r>
+                      <a:r>
+                        <a:rPr lang="en-US" sz="2000" b="0" dirty="0">
+                          <a:effectLst/>
+                        </a:rPr>
+                        <a:t>)</a:t>
+                      </a:r>
+                      <a:endParaRPr lang="en-GB" sz="2400" b="0" dirty="0">
+                        <a:effectLst/>
+                        <a:latin typeface="Times New Roman" panose="02020603050405020304" pitchFamily="18" charset="0"/>
+                        <a:ea typeface="Times New Roman" panose="02020603050405020304" pitchFamily="18" charset="0"/>
+                      </a:endParaRPr>
+                    </a:p>
+                  </a:txBody>
+                  <a:tcPr marL="68580" marR="68580" marT="0" marB="0" anchor="ctr"/>
+                </a:tc>
+                <a:tc>
+                  <a:txBody>
+                    <a:bodyPr/>
+                    <a:lstStyle/>
+                    <a:p>
+                      <a:pPr algn="ctr">
+                        <a:spcAft>
+                          <a:spcPts val="0"/>
+                        </a:spcAft>
+                      </a:pPr>
+                      <a:r>
+                        <a:rPr lang="en-US" sz="2000" b="0" dirty="0">
+                          <a:effectLst/>
+                        </a:rPr>
+                        <a:t>3.0 nH</a:t>
+                      </a:r>
+                      <a:endParaRPr lang="en-GB" sz="2400" b="0" dirty="0">
+                        <a:effectLst/>
+                        <a:latin typeface="Times New Roman" panose="02020603050405020304" pitchFamily="18" charset="0"/>
+                        <a:ea typeface="Times New Roman" panose="02020603050405020304" pitchFamily="18" charset="0"/>
+                      </a:endParaRPr>
+                    </a:p>
+                  </a:txBody>
+                  <a:tcPr marL="68580" marR="68580" marT="0" marB="0" anchor="ctr"/>
+                </a:tc>
+                <a:extLst>
+                  <a:ext uri="{0D108BD9-81ED-4DB2-BD59-A6C34878D82A}">
+                    <a16:rowId xmlns:a16="http://schemas.microsoft.com/office/drawing/2014/main" val="2325043301"/>
+                  </a:ext>
+                </a:extLst>
+              </a:tr>
+              <a:tr h="605871">
+                <a:tc>
+                  <a:txBody>
+                    <a:bodyPr/>
+                    <a:lstStyle/>
+                    <a:p>
+                      <a:pPr algn="ctr">
+                        <a:spcAft>
+                          <a:spcPts val="0"/>
+                        </a:spcAft>
+                      </a:pPr>
+                      <a:r>
+                        <a:rPr lang="en-US" sz="2000" b="0" dirty="0">
+                          <a:effectLst/>
+                        </a:rPr>
+                        <a:t>Output Current (I</a:t>
+                      </a:r>
+                      <a:r>
+                        <a:rPr lang="en-US" sz="2000" b="0" baseline="-25000" dirty="0">
+                          <a:effectLst/>
+                        </a:rPr>
+                        <a:t>LOAD</a:t>
+                      </a:r>
+                      <a:r>
+                        <a:rPr lang="en-US" sz="2000" b="0" dirty="0">
+                          <a:effectLst/>
+                        </a:rPr>
+                        <a:t>)</a:t>
+                      </a:r>
+                      <a:endParaRPr lang="en-GB" sz="2400" b="0" dirty="0">
+                        <a:effectLst/>
+                        <a:latin typeface="Times New Roman" panose="02020603050405020304" pitchFamily="18" charset="0"/>
+                        <a:ea typeface="Times New Roman" panose="02020603050405020304" pitchFamily="18" charset="0"/>
+                      </a:endParaRPr>
+                    </a:p>
+                  </a:txBody>
+                  <a:tcPr marL="68580" marR="68580" marT="0" marB="0" anchor="ctr"/>
+                </a:tc>
+                <a:tc>
+                  <a:txBody>
+                    <a:bodyPr/>
+                    <a:lstStyle/>
+                    <a:p>
+                      <a:pPr algn="ctr">
+                        <a:spcAft>
+                          <a:spcPts val="0"/>
+                        </a:spcAft>
+                      </a:pPr>
+                      <a:r>
+                        <a:rPr lang="en-US" sz="2000" b="0" dirty="0">
+                          <a:effectLst/>
+                        </a:rPr>
+                        <a:t> 20 A</a:t>
+                      </a:r>
+                      <a:endParaRPr lang="en-GB" sz="2400" b="0" dirty="0">
+                        <a:effectLst/>
+                        <a:latin typeface="Times New Roman" panose="02020603050405020304" pitchFamily="18" charset="0"/>
+                        <a:ea typeface="Times New Roman" panose="02020603050405020304" pitchFamily="18" charset="0"/>
+                      </a:endParaRPr>
+                    </a:p>
+                  </a:txBody>
+                  <a:tcPr marL="68580" marR="68580" marT="0" marB="0" anchor="ctr"/>
+                </a:tc>
+                <a:tc>
+                  <a:txBody>
+                    <a:bodyPr/>
+                    <a:lstStyle/>
+                    <a:p>
+                      <a:pPr algn="ctr">
+                        <a:spcAft>
+                          <a:spcPts val="0"/>
+                        </a:spcAft>
+                      </a:pPr>
+                      <a:r>
+                        <a:rPr lang="en-US" sz="2000" b="0" dirty="0">
+                          <a:effectLst/>
+                        </a:rPr>
+                        <a:t>Drain/source inductances </a:t>
+                      </a:r>
+                      <a:r>
+                        <a:rPr lang="en-US" sz="2000" b="0" dirty="0" smtClean="0">
+                          <a:effectLst/>
+                        </a:rPr>
+                        <a:t>(L</a:t>
+                      </a:r>
+                      <a:r>
+                        <a:rPr lang="en-US" sz="2000" b="0" baseline="-25000" dirty="0" smtClean="0">
+                          <a:effectLst/>
+                        </a:rPr>
+                        <a:t>s</a:t>
+                      </a:r>
+                      <a:r>
+                        <a:rPr lang="en-US" sz="2000" b="0" dirty="0">
+                          <a:effectLst/>
+                        </a:rPr>
+                        <a:t>)</a:t>
+                      </a:r>
+                      <a:endParaRPr lang="en-GB" sz="2400" b="0" dirty="0">
+                        <a:effectLst/>
+                        <a:latin typeface="Times New Roman" panose="02020603050405020304" pitchFamily="18" charset="0"/>
+                        <a:ea typeface="Times New Roman" panose="02020603050405020304" pitchFamily="18" charset="0"/>
+                      </a:endParaRPr>
+                    </a:p>
+                  </a:txBody>
+                  <a:tcPr marL="68580" marR="68580" marT="0" marB="0" anchor="ctr"/>
+                </a:tc>
+                <a:tc>
+                  <a:txBody>
+                    <a:bodyPr/>
+                    <a:lstStyle/>
+                    <a:p>
+                      <a:pPr algn="ctr">
+                        <a:spcAft>
+                          <a:spcPts val="0"/>
+                        </a:spcAft>
+                      </a:pPr>
+                      <a:r>
+                        <a:rPr lang="en-US" sz="2000" b="0" dirty="0">
+                          <a:effectLst/>
+                        </a:rPr>
+                        <a:t>0.9 nH</a:t>
+                      </a:r>
+                      <a:endParaRPr lang="en-GB" sz="2400" b="0" dirty="0">
+                        <a:effectLst/>
+                        <a:latin typeface="Times New Roman" panose="02020603050405020304" pitchFamily="18" charset="0"/>
+                        <a:ea typeface="Times New Roman" panose="02020603050405020304" pitchFamily="18" charset="0"/>
+                      </a:endParaRPr>
+                    </a:p>
+                  </a:txBody>
+                  <a:tcPr marL="68580" marR="68580" marT="0" marB="0" anchor="ctr"/>
+                </a:tc>
+                <a:tc>
+                  <a:txBody>
+                    <a:bodyPr/>
+                    <a:lstStyle/>
+                    <a:p>
+                      <a:pPr algn="ctr">
+                        <a:spcAft>
+                          <a:spcPts val="0"/>
+                        </a:spcAft>
+                      </a:pPr>
+                      <a:r>
+                        <a:rPr lang="en-US" sz="2000" b="0" dirty="0">
+                          <a:effectLst/>
+                        </a:rPr>
+                        <a:t>Power loop inductance (L</a:t>
+                      </a:r>
+                      <a:r>
+                        <a:rPr lang="en-US" sz="2000" b="0" baseline="-25000" dirty="0">
+                          <a:effectLst/>
+                        </a:rPr>
+                        <a:t>p</a:t>
+                      </a:r>
+                      <a:r>
+                        <a:rPr lang="en-US" sz="2000" b="0" dirty="0">
+                          <a:effectLst/>
+                        </a:rPr>
+                        <a:t>)</a:t>
+                      </a:r>
+                      <a:endParaRPr lang="en-GB" sz="2400" b="0" dirty="0">
+                        <a:effectLst/>
+                        <a:latin typeface="Times New Roman" panose="02020603050405020304" pitchFamily="18" charset="0"/>
+                        <a:ea typeface="Times New Roman" panose="02020603050405020304" pitchFamily="18" charset="0"/>
+                      </a:endParaRPr>
+                    </a:p>
+                  </a:txBody>
+                  <a:tcPr marL="68580" marR="68580" marT="0" marB="0" anchor="ctr"/>
+                </a:tc>
+                <a:tc>
+                  <a:txBody>
+                    <a:bodyPr/>
+                    <a:lstStyle/>
+                    <a:p>
+                      <a:pPr algn="ctr">
+                        <a:spcAft>
+                          <a:spcPts val="0"/>
+                        </a:spcAft>
+                      </a:pPr>
+                      <a:r>
+                        <a:rPr lang="en-US" sz="2000" b="0">
+                          <a:effectLst/>
+                        </a:rPr>
+                        <a:t>7.0 nH</a:t>
+                      </a:r>
+                      <a:endParaRPr lang="en-GB" sz="2400" b="0">
+                        <a:effectLst/>
+                        <a:latin typeface="Times New Roman" panose="02020603050405020304" pitchFamily="18" charset="0"/>
+                        <a:ea typeface="Times New Roman" panose="02020603050405020304" pitchFamily="18" charset="0"/>
+                      </a:endParaRPr>
+                    </a:p>
+                  </a:txBody>
+                  <a:tcPr marL="68580" marR="68580" marT="0" marB="0" anchor="ctr"/>
+                </a:tc>
+                <a:extLst>
+                  <a:ext uri="{0D108BD9-81ED-4DB2-BD59-A6C34878D82A}">
+                    <a16:rowId xmlns:a16="http://schemas.microsoft.com/office/drawing/2014/main" val="2206440118"/>
+                  </a:ext>
+                </a:extLst>
+              </a:tr>
+              <a:tr h="603552">
+                <a:tc>
+                  <a:txBody>
+                    <a:bodyPr/>
+                    <a:lstStyle/>
+                    <a:p>
+                      <a:pPr algn="ctr">
+                        <a:spcAft>
+                          <a:spcPts val="0"/>
+                        </a:spcAft>
+                      </a:pPr>
+                      <a:r>
+                        <a:rPr lang="en-US" sz="2000" b="0" dirty="0">
+                          <a:effectLst/>
+                        </a:rPr>
+                        <a:t>Load inductance (L</a:t>
+                      </a:r>
+                      <a:r>
+                        <a:rPr lang="en-US" sz="2000" b="0" baseline="-25000" dirty="0">
+                          <a:effectLst/>
+                        </a:rPr>
+                        <a:t>LOAD</a:t>
+                      </a:r>
+                      <a:r>
+                        <a:rPr lang="en-US" sz="2000" b="0" dirty="0">
+                          <a:effectLst/>
+                        </a:rPr>
+                        <a:t>)</a:t>
+                      </a:r>
+                      <a:endParaRPr lang="en-GB" sz="2400" b="0" dirty="0">
+                        <a:effectLst/>
+                        <a:latin typeface="Times New Roman" panose="02020603050405020304" pitchFamily="18" charset="0"/>
+                        <a:ea typeface="Times New Roman" panose="02020603050405020304" pitchFamily="18" charset="0"/>
+                      </a:endParaRPr>
+                    </a:p>
+                  </a:txBody>
+                  <a:tcPr marL="68580" marR="68580" marT="0" marB="0" anchor="ctr"/>
+                </a:tc>
+                <a:tc>
+                  <a:txBody>
+                    <a:bodyPr/>
+                    <a:lstStyle/>
+                    <a:p>
+                      <a:pPr algn="ctr">
+                        <a:spcAft>
+                          <a:spcPts val="0"/>
+                        </a:spcAft>
+                      </a:pPr>
+                      <a:r>
+                        <a:rPr lang="en-US" sz="2000" b="0">
+                          <a:effectLst/>
+                        </a:rPr>
+                        <a:t>35 mH</a:t>
+                      </a:r>
+                      <a:endParaRPr lang="en-GB" sz="2400" b="0">
+                        <a:effectLst/>
+                        <a:latin typeface="Times New Roman" panose="02020603050405020304" pitchFamily="18" charset="0"/>
+                        <a:ea typeface="Times New Roman" panose="02020603050405020304" pitchFamily="18" charset="0"/>
+                      </a:endParaRPr>
+                    </a:p>
+                  </a:txBody>
+                  <a:tcPr marL="68580" marR="68580" marT="0" marB="0" anchor="ctr"/>
+                </a:tc>
+                <a:tc>
+                  <a:txBody>
+                    <a:bodyPr/>
+                    <a:lstStyle/>
+                    <a:p>
+                      <a:pPr algn="ctr">
+                        <a:spcAft>
+                          <a:spcPts val="0"/>
+                        </a:spcAft>
+                      </a:pPr>
+                      <a:r>
+                        <a:rPr lang="en-US" sz="2000" b="0" dirty="0">
+                          <a:effectLst/>
+                        </a:rPr>
+                        <a:t>Turn-on gate resistance (R</a:t>
+                      </a:r>
+                      <a:r>
+                        <a:rPr lang="en-US" sz="2000" b="0" baseline="-25000" dirty="0">
+                          <a:effectLst/>
+                        </a:rPr>
+                        <a:t>G-ON</a:t>
+                      </a:r>
+                      <a:r>
+                        <a:rPr lang="en-US" sz="2000" b="0" dirty="0">
+                          <a:effectLst/>
+                        </a:rPr>
+                        <a:t>)</a:t>
+                      </a:r>
+                      <a:endParaRPr lang="en-GB" sz="2400" b="0" dirty="0">
+                        <a:effectLst/>
+                        <a:latin typeface="Times New Roman" panose="02020603050405020304" pitchFamily="18" charset="0"/>
+                        <a:ea typeface="Times New Roman" panose="02020603050405020304" pitchFamily="18" charset="0"/>
+                      </a:endParaRPr>
+                    </a:p>
+                  </a:txBody>
+                  <a:tcPr marL="68580" marR="68580" marT="0" marB="0" anchor="ctr"/>
+                </a:tc>
+                <a:tc>
+                  <a:txBody>
+                    <a:bodyPr/>
+                    <a:lstStyle/>
+                    <a:p>
+                      <a:pPr algn="ctr">
+                        <a:spcAft>
+                          <a:spcPts val="0"/>
+                        </a:spcAft>
+                      </a:pPr>
+                      <a:r>
+                        <a:rPr lang="en-US" sz="2000" b="0" dirty="0">
+                          <a:effectLst/>
+                        </a:rPr>
+                        <a:t>10 Ω</a:t>
+                      </a:r>
+                      <a:endParaRPr lang="en-GB" sz="2400" b="0" dirty="0">
+                        <a:effectLst/>
+                        <a:latin typeface="Times New Roman" panose="02020603050405020304" pitchFamily="18" charset="0"/>
+                        <a:ea typeface="Times New Roman" panose="02020603050405020304" pitchFamily="18" charset="0"/>
+                      </a:endParaRPr>
+                    </a:p>
+                  </a:txBody>
+                  <a:tcPr marL="68580" marR="68580" marT="0" marB="0" anchor="ctr"/>
+                </a:tc>
+                <a:tc>
+                  <a:txBody>
+                    <a:bodyPr/>
+                    <a:lstStyle/>
+                    <a:p>
+                      <a:pPr algn="ctr">
+                        <a:spcAft>
+                          <a:spcPts val="0"/>
+                        </a:spcAft>
+                      </a:pPr>
+                      <a:r>
+                        <a:rPr lang="en-US" sz="2000" b="0" dirty="0">
+                          <a:effectLst/>
+                        </a:rPr>
+                        <a:t>Junction Temperature (T</a:t>
+                      </a:r>
+                      <a:r>
+                        <a:rPr lang="en-US" sz="2000" b="0" baseline="-25000" dirty="0">
+                          <a:effectLst/>
+                        </a:rPr>
+                        <a:t>J</a:t>
+                      </a:r>
+                      <a:r>
+                        <a:rPr lang="en-US" sz="2000" b="0" dirty="0">
+                          <a:effectLst/>
+                        </a:rPr>
+                        <a:t>)</a:t>
+                      </a:r>
+                      <a:endParaRPr lang="en-GB" sz="2400" b="0" dirty="0">
+                        <a:effectLst/>
+                        <a:latin typeface="Times New Roman" panose="02020603050405020304" pitchFamily="18" charset="0"/>
+                        <a:ea typeface="Times New Roman" panose="02020603050405020304" pitchFamily="18" charset="0"/>
+                      </a:endParaRPr>
+                    </a:p>
+                  </a:txBody>
+                  <a:tcPr marL="68580" marR="68580" marT="0" marB="0" anchor="ctr"/>
+                </a:tc>
+                <a:tc>
+                  <a:txBody>
+                    <a:bodyPr/>
+                    <a:lstStyle/>
+                    <a:p>
+                      <a:pPr algn="ctr">
+                        <a:spcAft>
+                          <a:spcPts val="0"/>
+                        </a:spcAft>
+                      </a:pPr>
+                      <a:r>
+                        <a:rPr lang="en-US" sz="2000" b="0">
+                          <a:effectLst/>
+                        </a:rPr>
+                        <a:t>125 </a:t>
+                      </a:r>
+                      <a:r>
+                        <a:rPr lang="en-US" sz="2000" b="0" baseline="30000">
+                          <a:effectLst/>
+                        </a:rPr>
+                        <a:t>0</a:t>
+                      </a:r>
+                      <a:r>
+                        <a:rPr lang="en-US" sz="2000" b="0">
+                          <a:effectLst/>
+                        </a:rPr>
+                        <a:t>C</a:t>
+                      </a:r>
+                      <a:endParaRPr lang="en-GB" sz="2400" b="0">
+                        <a:effectLst/>
+                        <a:latin typeface="Times New Roman" panose="02020603050405020304" pitchFamily="18" charset="0"/>
+                        <a:ea typeface="Times New Roman" panose="02020603050405020304" pitchFamily="18" charset="0"/>
+                      </a:endParaRPr>
+                    </a:p>
+                  </a:txBody>
+                  <a:tcPr marL="68580" marR="68580" marT="0" marB="0" anchor="ctr"/>
+                </a:tc>
+                <a:extLst>
+                  <a:ext uri="{0D108BD9-81ED-4DB2-BD59-A6C34878D82A}">
+                    <a16:rowId xmlns:a16="http://schemas.microsoft.com/office/drawing/2014/main" val="2651464838"/>
+                  </a:ext>
+                </a:extLst>
+              </a:tr>
+              <a:tr h="410734">
+                <a:tc>
+                  <a:txBody>
+                    <a:bodyPr/>
+                    <a:lstStyle/>
+                    <a:p>
+                      <a:pPr algn="ctr">
+                        <a:spcAft>
+                          <a:spcPts val="0"/>
+                        </a:spcAft>
+                      </a:pPr>
+                      <a:r>
+                        <a:rPr lang="en-US" sz="2000" b="0" dirty="0">
+                          <a:effectLst/>
+                        </a:rPr>
+                        <a:t>Applied gate voltage (V</a:t>
+                      </a:r>
+                      <a:r>
+                        <a:rPr lang="en-US" sz="2000" b="0" baseline="-25000" dirty="0">
+                          <a:effectLst/>
+                        </a:rPr>
+                        <a:t>gs</a:t>
+                      </a:r>
+                      <a:r>
+                        <a:rPr lang="en-US" sz="2000" b="0" dirty="0">
+                          <a:effectLst/>
+                        </a:rPr>
+                        <a:t>)</a:t>
+                      </a:r>
+                      <a:endParaRPr lang="en-GB" sz="2400" b="0" dirty="0">
+                        <a:effectLst/>
+                        <a:latin typeface="Times New Roman" panose="02020603050405020304" pitchFamily="18" charset="0"/>
+                        <a:ea typeface="Times New Roman" panose="02020603050405020304" pitchFamily="18" charset="0"/>
+                      </a:endParaRPr>
+                    </a:p>
+                  </a:txBody>
+                  <a:tcPr marL="68580" marR="68580" marT="0" marB="0" anchor="ctr"/>
+                </a:tc>
+                <a:tc>
+                  <a:txBody>
+                    <a:bodyPr/>
+                    <a:lstStyle/>
+                    <a:p>
+                      <a:pPr algn="ctr">
+                        <a:spcAft>
+                          <a:spcPts val="0"/>
+                        </a:spcAft>
+                      </a:pPr>
+                      <a:r>
+                        <a:rPr lang="en-US" sz="2000" b="0">
+                          <a:effectLst/>
+                        </a:rPr>
+                        <a:t>-3V/+6V</a:t>
+                      </a:r>
+                      <a:endParaRPr lang="en-GB" sz="2400" b="0">
+                        <a:effectLst/>
+                        <a:latin typeface="Times New Roman" panose="02020603050405020304" pitchFamily="18" charset="0"/>
+                        <a:ea typeface="Times New Roman" panose="02020603050405020304" pitchFamily="18" charset="0"/>
+                      </a:endParaRPr>
+                    </a:p>
+                  </a:txBody>
+                  <a:tcPr marL="68580" marR="68580" marT="0" marB="0" anchor="ctr"/>
+                </a:tc>
+                <a:tc>
+                  <a:txBody>
+                    <a:bodyPr/>
+                    <a:lstStyle/>
+                    <a:p>
+                      <a:pPr algn="ctr">
+                        <a:spcAft>
+                          <a:spcPts val="0"/>
+                        </a:spcAft>
+                      </a:pPr>
+                      <a:r>
+                        <a:rPr lang="en-US" sz="2000" b="0" dirty="0">
+                          <a:effectLst/>
+                        </a:rPr>
+                        <a:t>Turn-off gate resistance (R</a:t>
+                      </a:r>
+                      <a:r>
+                        <a:rPr lang="en-US" sz="2000" b="0" baseline="-25000" dirty="0">
+                          <a:effectLst/>
+                        </a:rPr>
+                        <a:t>G-OFF</a:t>
+                      </a:r>
+                      <a:r>
+                        <a:rPr lang="en-US" sz="2000" b="0" dirty="0">
+                          <a:effectLst/>
+                        </a:rPr>
+                        <a:t>)</a:t>
+                      </a:r>
+                      <a:endParaRPr lang="en-GB" sz="2400" b="0" dirty="0">
+                        <a:effectLst/>
+                        <a:latin typeface="Times New Roman" panose="02020603050405020304" pitchFamily="18" charset="0"/>
+                        <a:ea typeface="Times New Roman" panose="02020603050405020304" pitchFamily="18" charset="0"/>
+                      </a:endParaRPr>
+                    </a:p>
+                  </a:txBody>
+                  <a:tcPr marL="68580" marR="68580" marT="0" marB="0" anchor="ctr"/>
+                </a:tc>
+                <a:tc>
+                  <a:txBody>
+                    <a:bodyPr/>
+                    <a:lstStyle/>
+                    <a:p>
+                      <a:pPr algn="ctr">
+                        <a:spcAft>
+                          <a:spcPts val="0"/>
+                        </a:spcAft>
+                      </a:pPr>
+                      <a:r>
+                        <a:rPr lang="en-US" sz="2000" b="0" dirty="0">
+                          <a:effectLst/>
+                        </a:rPr>
+                        <a:t>1 Ω</a:t>
+                      </a:r>
+                      <a:endParaRPr lang="en-GB" sz="2400" b="0" dirty="0">
+                        <a:effectLst/>
+                        <a:latin typeface="Times New Roman" panose="02020603050405020304" pitchFamily="18" charset="0"/>
+                        <a:ea typeface="Times New Roman" panose="02020603050405020304" pitchFamily="18" charset="0"/>
+                      </a:endParaRPr>
+                    </a:p>
+                  </a:txBody>
+                  <a:tcPr marL="68580" marR="68580" marT="0" marB="0" anchor="ctr"/>
+                </a:tc>
+                <a:tc>
+                  <a:txBody>
+                    <a:bodyPr/>
+                    <a:lstStyle/>
+                    <a:p>
+                      <a:pPr algn="ctr">
+                        <a:spcAft>
+                          <a:spcPts val="0"/>
+                        </a:spcAft>
+                      </a:pPr>
+                      <a:r>
+                        <a:rPr lang="en-US" sz="2000" b="0" dirty="0">
+                          <a:effectLst/>
+                        </a:rPr>
+                        <a:t>Dead-time (t</a:t>
+                      </a:r>
+                      <a:r>
+                        <a:rPr lang="en-US" sz="2000" b="0" baseline="-25000" dirty="0">
+                          <a:effectLst/>
+                        </a:rPr>
+                        <a:t>dead</a:t>
+                      </a:r>
+                      <a:r>
+                        <a:rPr lang="en-US" sz="2000" b="0" dirty="0">
+                          <a:effectLst/>
+                        </a:rPr>
+                        <a:t>)</a:t>
+                      </a:r>
+                      <a:endParaRPr lang="en-GB" sz="2400" b="0" dirty="0">
+                        <a:effectLst/>
+                        <a:latin typeface="Times New Roman" panose="02020603050405020304" pitchFamily="18" charset="0"/>
+                        <a:ea typeface="Times New Roman" panose="02020603050405020304" pitchFamily="18" charset="0"/>
+                      </a:endParaRPr>
+                    </a:p>
+                  </a:txBody>
+                  <a:tcPr marL="68580" marR="68580" marT="0" marB="0" anchor="ctr"/>
+                </a:tc>
+                <a:tc>
+                  <a:txBody>
+                    <a:bodyPr/>
+                    <a:lstStyle/>
+                    <a:p>
+                      <a:pPr algn="ctr">
+                        <a:spcAft>
+                          <a:spcPts val="0"/>
+                        </a:spcAft>
+                      </a:pPr>
+                      <a:r>
+                        <a:rPr lang="en-US" sz="2000" b="0" dirty="0">
+                          <a:effectLst/>
+                        </a:rPr>
+                        <a:t>20 ns</a:t>
+                      </a:r>
+                      <a:endParaRPr lang="en-GB" sz="2400" b="0" dirty="0">
+                        <a:effectLst/>
+                        <a:latin typeface="Times New Roman" panose="02020603050405020304" pitchFamily="18" charset="0"/>
+                        <a:ea typeface="Times New Roman" panose="02020603050405020304" pitchFamily="18" charset="0"/>
+                      </a:endParaRPr>
+                    </a:p>
+                  </a:txBody>
+                  <a:tcPr marL="68580" marR="68580" marT="0" marB="0" anchor="ctr"/>
+                </a:tc>
+                <a:extLst>
+                  <a:ext uri="{0D108BD9-81ED-4DB2-BD59-A6C34878D82A}">
+                    <a16:rowId xmlns:a16="http://schemas.microsoft.com/office/drawing/2014/main" val="2692517693"/>
+                  </a:ext>
+                </a:extLst>
+              </a:tr>
+            </a:tbl>
+          </a:graphicData>
+        </a:graphic>
+      </p:graphicFrame>
       <p:sp>
         <p:nvSpPr>
-          <p:cNvPr id="83" name="Metin kutusu 82"/>
+          <p:cNvPr id="105" name="Metin kutusu 104"/>
           <p:cNvSpPr txBox="1"/>
           <p:nvPr/>
         </p:nvSpPr>
         <p:spPr>
           <a:xfrm>
-            <a:off x="4159211" y="26701773"/>
-            <a:ext cx="694959" cy="553998"/>
+            <a:off x="15747798" y="23186182"/>
+            <a:ext cx="12654925" cy="584775"/>
           </a:xfrm>
           <a:prstGeom prst="rect">
             <a:avLst/>
@@ -4142,269 +5615,20 @@
           <a:p>
             <a:pPr algn="l"/>
             <a:r>
-              <a:rPr lang="tr-TR" sz="3000" dirty="0" smtClean="0">
-                <a:latin typeface="Times New Roman" panose="02020603050405020304" pitchFamily="18" charset="0"/>
-                <a:cs typeface="Times New Roman" panose="02020603050405020304" pitchFamily="18" charset="0"/>
-              </a:rPr>
-              <a:t>(a)</a:t>
-            </a:r>
-          </a:p>
-        </p:txBody>
-      </p:sp>
-      <p:sp>
-        <p:nvSpPr>
-          <p:cNvPr id="84" name="Metin kutusu 83"/>
-          <p:cNvSpPr txBox="1"/>
-          <p:nvPr/>
-        </p:nvSpPr>
-        <p:spPr>
-          <a:xfrm>
-            <a:off x="11034670" y="26695440"/>
-            <a:ext cx="694959" cy="553998"/>
-          </a:xfrm>
-          <a:prstGeom prst="rect">
-            <a:avLst/>
-          </a:prstGeom>
-          <a:noFill/>
-        </p:spPr>
-        <p:txBody>
-          <a:bodyPr wrap="square" rtlCol="0">
-            <a:spAutoFit/>
-          </a:bodyPr>
-          <a:lstStyle/>
-          <a:p>
-            <a:pPr algn="l"/>
-            <a:r>
-              <a:rPr lang="tr-TR" sz="3000" dirty="0" smtClean="0">
-                <a:latin typeface="Times New Roman" panose="02020603050405020304" pitchFamily="18" charset="0"/>
-                <a:cs typeface="Times New Roman" panose="02020603050405020304" pitchFamily="18" charset="0"/>
-              </a:rPr>
-              <a:t>(b)</a:t>
-            </a:r>
-          </a:p>
-        </p:txBody>
-      </p:sp>
-      <p:sp>
-        <p:nvSpPr>
-          <p:cNvPr id="85" name="Metin kutusu 84"/>
-          <p:cNvSpPr txBox="1"/>
-          <p:nvPr/>
-        </p:nvSpPr>
-        <p:spPr>
-          <a:xfrm>
-            <a:off x="865588" y="28590029"/>
-            <a:ext cx="13318773" cy="2308324"/>
-          </a:xfrm>
-          <a:prstGeom prst="rect">
-            <a:avLst/>
-          </a:prstGeom>
-          <a:noFill/>
-        </p:spPr>
-        <p:txBody>
-          <a:bodyPr wrap="square" rtlCol="0">
-            <a:spAutoFit/>
-          </a:bodyPr>
-          <a:lstStyle/>
-          <a:p>
-            <a:pPr algn="just"/>
-            <a:r>
-              <a:rPr lang="en-GB" sz="3600" dirty="0" smtClean="0">
-                <a:latin typeface="Times New Roman" panose="02020603050405020304" pitchFamily="18" charset="0"/>
-                <a:cs typeface="Times New Roman" panose="02020603050405020304" pitchFamily="18" charset="0"/>
-              </a:rPr>
-              <a:t>Even though manufacturer provides the </a:t>
-            </a:r>
-            <a:r>
-              <a:rPr lang="en-GB" sz="3600" dirty="0" smtClean="0">
-                <a:latin typeface="Times New Roman" panose="02020603050405020304" pitchFamily="18" charset="0"/>
-                <a:cs typeface="Times New Roman" panose="02020603050405020304" pitchFamily="18" charset="0"/>
-              </a:rPr>
-              <a:t>Ciss</a:t>
-            </a:r>
-            <a:r>
-              <a:rPr lang="en-GB" sz="3600" dirty="0" smtClean="0">
-                <a:latin typeface="Times New Roman" panose="02020603050405020304" pitchFamily="18" charset="0"/>
-                <a:cs typeface="Times New Roman" panose="02020603050405020304" pitchFamily="18" charset="0"/>
-              </a:rPr>
-              <a:t> as constant with respect to drain-source voltage, it changes significantly with varying gate-source voltage. Implementing this feature in the model is important to obtain accurate dynamic/switching characteristics.</a:t>
-            </a:r>
-          </a:p>
-        </p:txBody>
-      </p:sp>
-      <p:sp>
-        <p:nvSpPr>
-          <p:cNvPr id="86" name="Metin kutusu 85"/>
-          <p:cNvSpPr txBox="1"/>
-          <p:nvPr/>
-        </p:nvSpPr>
-        <p:spPr>
-          <a:xfrm>
-            <a:off x="4159210" y="37619202"/>
-            <a:ext cx="694959" cy="553998"/>
-          </a:xfrm>
-          <a:prstGeom prst="rect">
-            <a:avLst/>
-          </a:prstGeom>
-          <a:noFill/>
-        </p:spPr>
-        <p:txBody>
-          <a:bodyPr wrap="square" rtlCol="0">
-            <a:spAutoFit/>
-          </a:bodyPr>
-          <a:lstStyle/>
-          <a:p>
-            <a:pPr algn="l"/>
-            <a:r>
-              <a:rPr lang="tr-TR" sz="3000" dirty="0" smtClean="0">
-                <a:latin typeface="Times New Roman" panose="02020603050405020304" pitchFamily="18" charset="0"/>
-                <a:cs typeface="Times New Roman" panose="02020603050405020304" pitchFamily="18" charset="0"/>
-              </a:rPr>
-              <a:t>(a)</a:t>
-            </a:r>
-          </a:p>
-        </p:txBody>
-      </p:sp>
-      <p:sp>
-        <p:nvSpPr>
-          <p:cNvPr id="87" name="Metin kutusu 86"/>
-          <p:cNvSpPr txBox="1"/>
-          <p:nvPr/>
-        </p:nvSpPr>
-        <p:spPr>
-          <a:xfrm>
-            <a:off x="11034670" y="37621513"/>
-            <a:ext cx="694959" cy="553998"/>
-          </a:xfrm>
-          <a:prstGeom prst="rect">
-            <a:avLst/>
-          </a:prstGeom>
-          <a:noFill/>
-        </p:spPr>
-        <p:txBody>
-          <a:bodyPr wrap="square" rtlCol="0">
-            <a:spAutoFit/>
-          </a:bodyPr>
-          <a:lstStyle/>
-          <a:p>
-            <a:pPr algn="l"/>
-            <a:r>
-              <a:rPr lang="tr-TR" sz="3000" dirty="0" smtClean="0">
-                <a:latin typeface="Times New Roman" panose="02020603050405020304" pitchFamily="18" charset="0"/>
-                <a:cs typeface="Times New Roman" panose="02020603050405020304" pitchFamily="18" charset="0"/>
-              </a:rPr>
-              <a:t>(b)</a:t>
-            </a:r>
-          </a:p>
-        </p:txBody>
-      </p:sp>
-      <p:sp>
-        <p:nvSpPr>
-          <p:cNvPr id="88" name="Metin kutusu 87"/>
-          <p:cNvSpPr txBox="1"/>
-          <p:nvPr/>
-        </p:nvSpPr>
-        <p:spPr>
-          <a:xfrm>
-            <a:off x="1306838" y="38181339"/>
-            <a:ext cx="13229422" cy="553998"/>
-          </a:xfrm>
-          <a:prstGeom prst="rect">
-            <a:avLst/>
-          </a:prstGeom>
-          <a:noFill/>
-        </p:spPr>
-        <p:txBody>
-          <a:bodyPr wrap="square" rtlCol="0">
-            <a:spAutoFit/>
-          </a:bodyPr>
-          <a:lstStyle/>
-          <a:p>
-            <a:pPr algn="l"/>
-            <a:r>
-              <a:rPr lang="en-US" sz="3000" dirty="0">
-                <a:latin typeface="Times New Roman" panose="02020603050405020304" pitchFamily="18" charset="0"/>
-                <a:cs typeface="Times New Roman" panose="02020603050405020304" pitchFamily="18" charset="0"/>
-              </a:rPr>
-              <a:t>Fig. </a:t>
-            </a:r>
-            <a:r>
-              <a:rPr lang="tr-TR" sz="3000" dirty="0">
-                <a:latin typeface="Times New Roman" panose="02020603050405020304" pitchFamily="18" charset="0"/>
-                <a:cs typeface="Times New Roman" panose="02020603050405020304" pitchFamily="18" charset="0"/>
-              </a:rPr>
-              <a:t>3</a:t>
-            </a:r>
-            <a:r>
-              <a:rPr lang="en-US" sz="3000" dirty="0" smtClean="0">
-                <a:latin typeface="Times New Roman" panose="02020603050405020304" pitchFamily="18" charset="0"/>
-                <a:cs typeface="Times New Roman" panose="02020603050405020304" pitchFamily="18" charset="0"/>
-              </a:rPr>
-              <a:t>:</a:t>
-            </a:r>
-            <a:r>
-              <a:rPr lang="tr-TR" sz="3000" dirty="0" smtClean="0">
-                <a:latin typeface="Times New Roman" panose="02020603050405020304" pitchFamily="18" charset="0"/>
-                <a:cs typeface="Times New Roman" panose="02020603050405020304" pitchFamily="18" charset="0"/>
-              </a:rPr>
-              <a:t> </a:t>
-            </a:r>
-            <a:r>
-              <a:rPr lang="tr-TR" sz="3000" dirty="0" err="1" smtClean="0">
-                <a:latin typeface="Times New Roman" panose="02020603050405020304" pitchFamily="18" charset="0"/>
-                <a:cs typeface="Times New Roman" panose="02020603050405020304" pitchFamily="18" charset="0"/>
-              </a:rPr>
-              <a:t>Forward</a:t>
-            </a:r>
-            <a:r>
-              <a:rPr lang="tr-TR" sz="3000" dirty="0" smtClean="0">
-                <a:latin typeface="Times New Roman" panose="02020603050405020304" pitchFamily="18" charset="0"/>
-                <a:cs typeface="Times New Roman" panose="02020603050405020304" pitchFamily="18" charset="0"/>
-              </a:rPr>
-              <a:t> </a:t>
-            </a:r>
-            <a:r>
-              <a:rPr lang="tr-TR" sz="3000" dirty="0" err="1" smtClean="0">
-                <a:latin typeface="Times New Roman" panose="02020603050405020304" pitchFamily="18" charset="0"/>
-                <a:cs typeface="Times New Roman" panose="02020603050405020304" pitchFamily="18" charset="0"/>
-              </a:rPr>
-              <a:t>Conduction</a:t>
-            </a:r>
-            <a:r>
-              <a:rPr lang="tr-TR" sz="3000" dirty="0" smtClean="0">
-                <a:latin typeface="Times New Roman" panose="02020603050405020304" pitchFamily="18" charset="0"/>
-                <a:cs typeface="Times New Roman" panose="02020603050405020304" pitchFamily="18" charset="0"/>
-              </a:rPr>
-              <a:t> (a) &amp; </a:t>
-            </a:r>
-            <a:r>
-              <a:rPr lang="tr-TR" sz="3000" dirty="0" err="1" smtClean="0">
-                <a:latin typeface="Times New Roman" panose="02020603050405020304" pitchFamily="18" charset="0"/>
-                <a:cs typeface="Times New Roman" panose="02020603050405020304" pitchFamily="18" charset="0"/>
-              </a:rPr>
-              <a:t>Reverse</a:t>
-            </a:r>
-            <a:r>
-              <a:rPr lang="tr-TR" sz="3000" dirty="0" smtClean="0">
-                <a:latin typeface="Times New Roman" panose="02020603050405020304" pitchFamily="18" charset="0"/>
-                <a:cs typeface="Times New Roman" panose="02020603050405020304" pitchFamily="18" charset="0"/>
-              </a:rPr>
-              <a:t> </a:t>
-            </a:r>
-            <a:r>
-              <a:rPr lang="tr-TR" sz="3000" dirty="0" err="1" smtClean="0">
-                <a:latin typeface="Times New Roman" panose="02020603050405020304" pitchFamily="18" charset="0"/>
-                <a:cs typeface="Times New Roman" panose="02020603050405020304" pitchFamily="18" charset="0"/>
-              </a:rPr>
-              <a:t>Conduction</a:t>
-            </a:r>
-            <a:r>
-              <a:rPr lang="tr-TR" sz="3000" dirty="0" smtClean="0">
-                <a:latin typeface="Times New Roman" panose="02020603050405020304" pitchFamily="18" charset="0"/>
-                <a:cs typeface="Times New Roman" panose="02020603050405020304" pitchFamily="18" charset="0"/>
-              </a:rPr>
-              <a:t> (b)</a:t>
-            </a:r>
-            <a:endParaRPr lang="en-US" sz="3000" dirty="0" smtClean="0">
+              <a:rPr lang="en-GB" sz="3000" dirty="0" smtClean="0">
+                <a:latin typeface="Times New Roman" panose="02020603050405020304" pitchFamily="18" charset="0"/>
+                <a:cs typeface="Times New Roman" panose="02020603050405020304" pitchFamily="18" charset="0"/>
+              </a:rPr>
+              <a:t>Table 1: The parameters used for the test circuit in MATLAB / Simulink</a:t>
+            </a:r>
+            <a:r>
+              <a:rPr lang="en-GB" sz="3200" dirty="0" smtClean="0">
+                <a:latin typeface="Times New Roman" panose="02020603050405020304" pitchFamily="18" charset="0"/>
+                <a:cs typeface="Times New Roman" panose="02020603050405020304" pitchFamily="18" charset="0"/>
+              </a:rPr>
+              <a:t> ®</a:t>
+            </a:r>
+            <a:endParaRPr lang="en-GB" sz="3000" dirty="0" smtClean="0">
               <a:latin typeface="Times New Roman" panose="02020603050405020304" pitchFamily="18" charset="0"/>
               <a:cs typeface="Times New Roman" panose="02020603050405020304" pitchFamily="18" charset="0"/>
             </a:endParaRPr>
